--- a/Moduláris digitalis hőmérő fejlesztése.pptx
+++ b/Moduláris digitalis hőmérő fejlesztése.pptx
@@ -4524,7 +4524,7 @@
         </p:nvSpPr>
         <p:spPr>
           <a:xfrm>
-            <a:off x="1031845" y="2147582"/>
+            <a:off x="1031846" y="1857080"/>
             <a:ext cx="10033233" cy="4549835"/>
           </a:xfrm>
           <a:prstGeom prst="rect">
@@ -4869,34 +4869,50 @@
           <a:lstStyle/>
           <a:p>
             <a:r>
-              <a:rPr lang="en-US" dirty="0" err="1" smtClean="0"/>
+              <a:rPr lang="en-US" dirty="0" err="1" smtClean="0">
+                <a:latin typeface="Arial Rounded MT Bold" panose="020F0704030504030204" pitchFamily="34" charset="0"/>
+              </a:rPr>
               <a:t>Belső</a:t>
             </a:r>
             <a:r>
-              <a:rPr lang="en-US" dirty="0" smtClean="0"/>
-              <a:t> </a:t>
-            </a:r>
-            <a:r>
-              <a:rPr lang="en-US" dirty="0" err="1" smtClean="0"/>
+              <a:rPr lang="en-US" dirty="0" smtClean="0">
+                <a:latin typeface="Arial Rounded MT Bold" panose="020F0704030504030204" pitchFamily="34" charset="0"/>
+              </a:rPr>
+              <a:t> </a:t>
+            </a:r>
+            <a:r>
+              <a:rPr lang="en-US" dirty="0" err="1" smtClean="0">
+                <a:latin typeface="Arial Rounded MT Bold" panose="020F0704030504030204" pitchFamily="34" charset="0"/>
+              </a:rPr>
               <a:t>modul</a:t>
             </a:r>
             <a:r>
-              <a:rPr lang="en-US" dirty="0" smtClean="0"/>
-              <a:t> </a:t>
-            </a:r>
-            <a:r>
-              <a:rPr lang="en-US" dirty="0" err="1" smtClean="0"/>
+              <a:rPr lang="en-US" dirty="0" smtClean="0">
+                <a:latin typeface="Arial Rounded MT Bold" panose="020F0704030504030204" pitchFamily="34" charset="0"/>
+              </a:rPr>
+              <a:t> </a:t>
+            </a:r>
+            <a:r>
+              <a:rPr lang="en-US" dirty="0" err="1" smtClean="0">
+                <a:latin typeface="Arial Rounded MT Bold" panose="020F0704030504030204" pitchFamily="34" charset="0"/>
+              </a:rPr>
               <a:t>szoftverének</a:t>
             </a:r>
             <a:r>
-              <a:rPr lang="en-US" dirty="0" smtClean="0"/>
-              <a:t> </a:t>
-            </a:r>
-            <a:r>
-              <a:rPr lang="en-US" dirty="0" err="1" smtClean="0"/>
+              <a:rPr lang="en-US" dirty="0" smtClean="0">
+                <a:latin typeface="Arial Rounded MT Bold" panose="020F0704030504030204" pitchFamily="34" charset="0"/>
+              </a:rPr>
+              <a:t> </a:t>
+            </a:r>
+            <a:r>
+              <a:rPr lang="en-US" dirty="0" err="1" smtClean="0">
+                <a:latin typeface="Arial Rounded MT Bold" panose="020F0704030504030204" pitchFamily="34" charset="0"/>
+              </a:rPr>
               <a:t>fejlesztése</a:t>
             </a:r>
-            <a:endParaRPr lang="hu-HU" dirty="0"/>
+            <a:endParaRPr lang="hu-HU" dirty="0">
+              <a:latin typeface="Arial Rounded MT Bold" panose="020F0704030504030204" pitchFamily="34" charset="0"/>
+            </a:endParaRPr>
           </a:p>
         </p:txBody>
       </p:sp>
@@ -5326,34 +5342,50 @@
           <a:lstStyle/>
           <a:p>
             <a:r>
-              <a:rPr lang="en-US" dirty="0" err="1" smtClean="0"/>
+              <a:rPr lang="en-US" dirty="0" err="1" smtClean="0">
+                <a:latin typeface="Arial Rounded MT Bold" panose="020F0704030504030204" pitchFamily="34" charset="0"/>
+              </a:rPr>
               <a:t>Külső</a:t>
             </a:r>
             <a:r>
-              <a:rPr lang="en-US" dirty="0" smtClean="0"/>
-              <a:t> </a:t>
-            </a:r>
-            <a:r>
-              <a:rPr lang="en-US" dirty="0" err="1" smtClean="0"/>
+              <a:rPr lang="en-US" dirty="0" smtClean="0">
+                <a:latin typeface="Arial Rounded MT Bold" panose="020F0704030504030204" pitchFamily="34" charset="0"/>
+              </a:rPr>
+              <a:t> </a:t>
+            </a:r>
+            <a:r>
+              <a:rPr lang="en-US" dirty="0" err="1" smtClean="0">
+                <a:latin typeface="Arial Rounded MT Bold" panose="020F0704030504030204" pitchFamily="34" charset="0"/>
+              </a:rPr>
               <a:t>modul</a:t>
             </a:r>
             <a:r>
-              <a:rPr lang="en-US" dirty="0" smtClean="0"/>
-              <a:t> </a:t>
-            </a:r>
-            <a:r>
-              <a:rPr lang="en-US" dirty="0" err="1" smtClean="0"/>
+              <a:rPr lang="en-US" dirty="0" smtClean="0">
+                <a:latin typeface="Arial Rounded MT Bold" panose="020F0704030504030204" pitchFamily="34" charset="0"/>
+              </a:rPr>
+              <a:t> </a:t>
+            </a:r>
+            <a:r>
+              <a:rPr lang="en-US" dirty="0" err="1" smtClean="0">
+                <a:latin typeface="Arial Rounded MT Bold" panose="020F0704030504030204" pitchFamily="34" charset="0"/>
+              </a:rPr>
               <a:t>szoftverének</a:t>
             </a:r>
             <a:r>
-              <a:rPr lang="en-US" dirty="0" smtClean="0"/>
-              <a:t> </a:t>
-            </a:r>
-            <a:r>
-              <a:rPr lang="en-US" dirty="0" err="1" smtClean="0"/>
+              <a:rPr lang="en-US" dirty="0" smtClean="0">
+                <a:latin typeface="Arial Rounded MT Bold" panose="020F0704030504030204" pitchFamily="34" charset="0"/>
+              </a:rPr>
+              <a:t> </a:t>
+            </a:r>
+            <a:r>
+              <a:rPr lang="en-US" dirty="0" err="1" smtClean="0">
+                <a:latin typeface="Arial Rounded MT Bold" panose="020F0704030504030204" pitchFamily="34" charset="0"/>
+              </a:rPr>
               <a:t>fejlesztése</a:t>
             </a:r>
-            <a:endParaRPr lang="hu-HU" dirty="0"/>
+            <a:endParaRPr lang="hu-HU" dirty="0">
+              <a:latin typeface="Arial Rounded MT Bold" panose="020F0704030504030204" pitchFamily="34" charset="0"/>
+            </a:endParaRPr>
           </a:p>
         </p:txBody>
       </p:sp>
@@ -5810,7 +5842,62 @@
           <a:bodyPr/>
           <a:lstStyle/>
           <a:p>
-            <a:endParaRPr lang="hu-HU"/>
+            <a:r>
+              <a:rPr lang="en-US" dirty="0" err="1" smtClean="0">
+                <a:latin typeface="Arial Rounded MT Bold" panose="020F0704030504030204" pitchFamily="34" charset="0"/>
+              </a:rPr>
+              <a:t>Összefoglalás</a:t>
+            </a:r>
+            <a:endParaRPr lang="hu-HU" dirty="0">
+              <a:latin typeface="Arial Rounded MT Bold" panose="020F0704030504030204" pitchFamily="34" charset="0"/>
+            </a:endParaRPr>
+          </a:p>
+        </p:txBody>
+      </p:sp>
+      <p:sp>
+        <p:nvSpPr>
+          <p:cNvPr id="4" name="TextBox 3"/>
+          <p:cNvSpPr txBox="1"/>
+          <p:nvPr/>
+        </p:nvSpPr>
+        <p:spPr>
+          <a:xfrm>
+            <a:off x="1031845" y="2147582"/>
+            <a:ext cx="10033233" cy="1384995"/>
+          </a:xfrm>
+          <a:prstGeom prst="rect">
+            <a:avLst/>
+          </a:prstGeom>
+          <a:noFill/>
+        </p:spPr>
+        <p:txBody>
+          <a:bodyPr wrap="square" rtlCol="0">
+            <a:spAutoFit/>
+          </a:bodyPr>
+          <a:lstStyle/>
+          <a:p>
+            <a:pPr marL="285750" indent="-285750">
+              <a:lnSpc>
+                <a:spcPct val="150000"/>
+              </a:lnSpc>
+              <a:buFont typeface="Arial" panose="020B0604020202020204" pitchFamily="34" charset="0"/>
+              <a:buChar char="•"/>
+            </a:pPr>
+            <a:r>
+              <a:rPr lang="en-US" sz="2800"/>
+              <a:t>.</a:t>
+            </a:r>
+            <a:endParaRPr lang="en-US" sz="2800" dirty="0" smtClean="0"/>
+          </a:p>
+          <a:p>
+            <a:pPr marL="285750" indent="-285750">
+              <a:lnSpc>
+                <a:spcPct val="150000"/>
+              </a:lnSpc>
+              <a:buFont typeface="Arial" panose="020B0604020202020204" pitchFamily="34" charset="0"/>
+              <a:buChar char="•"/>
+            </a:pPr>
+            <a:endParaRPr lang="en-US" sz="2800" dirty="0" smtClean="0"/>
           </a:p>
         </p:txBody>
       </p:sp>

--- a/Moduláris digitalis hőmérő fejlesztése.pptx
+++ b/Moduláris digitalis hőmérő fejlesztése.pptx
@@ -8,11 +8,15 @@
     <p:sldId id="256" r:id="rId2"/>
     <p:sldId id="257" r:id="rId3"/>
     <p:sldId id="258" r:id="rId4"/>
-    <p:sldId id="259" r:id="rId5"/>
-    <p:sldId id="261" r:id="rId6"/>
-    <p:sldId id="260" r:id="rId7"/>
-    <p:sldId id="262" r:id="rId8"/>
-    <p:sldId id="263" r:id="rId9"/>
+    <p:sldId id="267" r:id="rId5"/>
+    <p:sldId id="259" r:id="rId6"/>
+    <p:sldId id="266" r:id="rId7"/>
+    <p:sldId id="261" r:id="rId8"/>
+    <p:sldId id="265" r:id="rId9"/>
+    <p:sldId id="260" r:id="rId10"/>
+    <p:sldId id="264" r:id="rId11"/>
+    <p:sldId id="262" r:id="rId12"/>
+    <p:sldId id="263" r:id="rId13"/>
   </p:sldIdLst>
   <p:sldSz cx="12192000" cy="6858000"/>
   <p:notesSz cx="6858000" cy="9144000"/>
@@ -3108,11 +3112,23 @@
             </a:r>
             <a:r>
               <a:rPr lang="en-US" dirty="0" err="1" smtClean="0"/>
-              <a:t>Villamosmérnök</a:t>
+              <a:t>Villamosmérnöki</a:t>
             </a:r>
             <a:r>
               <a:rPr lang="en-US" dirty="0" smtClean="0"/>
-              <a:t> BSC </a:t>
+              <a:t> </a:t>
+            </a:r>
+            <a:r>
+              <a:rPr lang="en-US" dirty="0" err="1" smtClean="0"/>
+              <a:t>kar</a:t>
+            </a:r>
+            <a:r>
+              <a:rPr lang="en-US" dirty="0" smtClean="0"/>
+              <a:t> </a:t>
+            </a:r>
+            <a:r>
+              <a:rPr lang="en-US" dirty="0" smtClean="0"/>
+              <a:t>BSC </a:t>
             </a:r>
             <a:r>
               <a:rPr lang="en-US" dirty="0" err="1" smtClean="0"/>
@@ -3175,6 +3191,1473 @@
   <p:clrMapOvr>
     <a:masterClrMapping/>
   </p:clrMapOvr>
+  <p:timing>
+    <p:tnLst>
+      <p:par>
+        <p:cTn id="1" dur="indefinite" restart="never" nodeType="tmRoot"/>
+      </p:par>
+    </p:tnLst>
+  </p:timing>
+</p:sld>
+</file>
+
+<file path=ppt/slides/slide10.xml><?xml version="1.0" encoding="utf-8"?>
+<p:sld xmlns:a="http://schemas.openxmlformats.org/drawingml/2006/main" xmlns:r="http://schemas.openxmlformats.org/officeDocument/2006/relationships" xmlns:p="http://schemas.openxmlformats.org/presentationml/2006/main">
+  <p:cSld>
+    <p:spTree>
+      <p:nvGrpSpPr>
+        <p:cNvPr id="1" name=""/>
+        <p:cNvGrpSpPr/>
+        <p:nvPr/>
+      </p:nvGrpSpPr>
+      <p:grpSpPr>
+        <a:xfrm>
+          <a:off x="0" y="0"/>
+          <a:ext cx="0" cy="0"/>
+          <a:chOff x="0" y="0"/>
+          <a:chExt cx="0" cy="0"/>
+        </a:xfrm>
+      </p:grpSpPr>
+      <p:sp>
+        <p:nvSpPr>
+          <p:cNvPr id="3" name="Oval 2"/>
+          <p:cNvSpPr/>
+          <p:nvPr/>
+        </p:nvSpPr>
+        <p:spPr>
+          <a:xfrm>
+            <a:off x="2248250" y="2650920"/>
+            <a:ext cx="2055303" cy="1166069"/>
+          </a:xfrm>
+          <a:prstGeom prst="ellipse">
+            <a:avLst/>
+          </a:prstGeom>
+          <a:solidFill>
+            <a:schemeClr val="accent6">
+              <a:lumMod val="60000"/>
+              <a:lumOff val="40000"/>
+            </a:schemeClr>
+          </a:solidFill>
+        </p:spPr>
+        <p:style>
+          <a:lnRef idx="2">
+            <a:schemeClr val="accent1">
+              <a:shade val="50000"/>
+            </a:schemeClr>
+          </a:lnRef>
+          <a:fillRef idx="1">
+            <a:schemeClr val="accent1"/>
+          </a:fillRef>
+          <a:effectRef idx="0">
+            <a:schemeClr val="accent1"/>
+          </a:effectRef>
+          <a:fontRef idx="minor">
+            <a:schemeClr val="lt1"/>
+          </a:fontRef>
+        </p:style>
+        <p:txBody>
+          <a:bodyPr rtlCol="0" anchor="ctr"/>
+          <a:lstStyle/>
+          <a:p>
+            <a:pPr algn="ctr"/>
+            <a:r>
+              <a:rPr lang="en-US" dirty="0" err="1" smtClean="0">
+                <a:solidFill>
+                  <a:schemeClr val="tx1"/>
+                </a:solidFill>
+              </a:rPr>
+              <a:t>Konfigurálás</a:t>
+            </a:r>
+            <a:endParaRPr lang="hu-HU" dirty="0">
+              <a:solidFill>
+                <a:schemeClr val="tx1"/>
+              </a:solidFill>
+            </a:endParaRPr>
+          </a:p>
+        </p:txBody>
+      </p:sp>
+      <p:sp>
+        <p:nvSpPr>
+          <p:cNvPr id="5" name="Oval 4"/>
+          <p:cNvSpPr/>
+          <p:nvPr/>
+        </p:nvSpPr>
+        <p:spPr>
+          <a:xfrm>
+            <a:off x="4760755" y="5061352"/>
+            <a:ext cx="2055303" cy="1166069"/>
+          </a:xfrm>
+          <a:prstGeom prst="ellipse">
+            <a:avLst/>
+          </a:prstGeom>
+          <a:solidFill>
+            <a:schemeClr val="accent6">
+              <a:lumMod val="60000"/>
+              <a:lumOff val="40000"/>
+            </a:schemeClr>
+          </a:solidFill>
+        </p:spPr>
+        <p:style>
+          <a:lnRef idx="2">
+            <a:schemeClr val="accent1">
+              <a:shade val="50000"/>
+            </a:schemeClr>
+          </a:lnRef>
+          <a:fillRef idx="1">
+            <a:schemeClr val="accent1"/>
+          </a:fillRef>
+          <a:effectRef idx="0">
+            <a:schemeClr val="accent1"/>
+          </a:effectRef>
+          <a:fontRef idx="minor">
+            <a:schemeClr val="lt1"/>
+          </a:fontRef>
+        </p:style>
+        <p:txBody>
+          <a:bodyPr rtlCol="0" anchor="ctr"/>
+          <a:lstStyle/>
+          <a:p>
+            <a:pPr algn="ctr"/>
+            <a:r>
+              <a:rPr lang="en-US" dirty="0" err="1" smtClean="0">
+                <a:solidFill>
+                  <a:schemeClr val="tx1"/>
+                </a:solidFill>
+              </a:rPr>
+              <a:t>Hőmérséklet</a:t>
+            </a:r>
+            <a:r>
+              <a:rPr lang="en-US" dirty="0" smtClean="0">
+                <a:solidFill>
+                  <a:schemeClr val="tx1"/>
+                </a:solidFill>
+              </a:rPr>
+              <a:t> </a:t>
+            </a:r>
+            <a:r>
+              <a:rPr lang="en-US" dirty="0" err="1" smtClean="0">
+                <a:solidFill>
+                  <a:schemeClr val="tx1"/>
+                </a:solidFill>
+              </a:rPr>
+              <a:t>lekérdezése</a:t>
+            </a:r>
+            <a:endParaRPr lang="en-US" dirty="0" smtClean="0">
+              <a:solidFill>
+                <a:schemeClr val="tx1"/>
+              </a:solidFill>
+            </a:endParaRPr>
+          </a:p>
+        </p:txBody>
+      </p:sp>
+      <p:sp>
+        <p:nvSpPr>
+          <p:cNvPr id="12" name="Circular Arrow 11"/>
+          <p:cNvSpPr/>
+          <p:nvPr/>
+        </p:nvSpPr>
+        <p:spPr>
+          <a:xfrm>
+            <a:off x="2675190" y="1753300"/>
+            <a:ext cx="1132514" cy="1979803"/>
+          </a:xfrm>
+          <a:prstGeom prst="circularArrow">
+            <a:avLst/>
+          </a:prstGeom>
+          <a:solidFill>
+            <a:schemeClr val="accent6">
+              <a:lumMod val="60000"/>
+              <a:lumOff val="40000"/>
+            </a:schemeClr>
+          </a:solidFill>
+        </p:spPr>
+        <p:style>
+          <a:lnRef idx="2">
+            <a:schemeClr val="accent1">
+              <a:shade val="50000"/>
+            </a:schemeClr>
+          </a:lnRef>
+          <a:fillRef idx="1">
+            <a:schemeClr val="accent1"/>
+          </a:fillRef>
+          <a:effectRef idx="0">
+            <a:schemeClr val="accent1"/>
+          </a:effectRef>
+          <a:fontRef idx="minor">
+            <a:schemeClr val="lt1"/>
+          </a:fontRef>
+        </p:style>
+        <p:txBody>
+          <a:bodyPr rtlCol="0" anchor="ctr"/>
+          <a:lstStyle/>
+          <a:p>
+            <a:pPr algn="ctr"/>
+            <a:endParaRPr lang="hu-HU" dirty="0">
+              <a:solidFill>
+                <a:schemeClr val="tx1"/>
+              </a:solidFill>
+            </a:endParaRPr>
+          </a:p>
+        </p:txBody>
+      </p:sp>
+      <p:sp>
+        <p:nvSpPr>
+          <p:cNvPr id="13" name="Right Arrow 12"/>
+          <p:cNvSpPr/>
+          <p:nvPr/>
+        </p:nvSpPr>
+        <p:spPr>
+          <a:xfrm>
+            <a:off x="4303553" y="3028426"/>
+            <a:ext cx="2158767" cy="411058"/>
+          </a:xfrm>
+          <a:prstGeom prst="rightArrow">
+            <a:avLst/>
+          </a:prstGeom>
+          <a:solidFill>
+            <a:schemeClr val="accent6">
+              <a:lumMod val="60000"/>
+              <a:lumOff val="40000"/>
+            </a:schemeClr>
+          </a:solidFill>
+        </p:spPr>
+        <p:style>
+          <a:lnRef idx="2">
+            <a:schemeClr val="accent1">
+              <a:shade val="50000"/>
+            </a:schemeClr>
+          </a:lnRef>
+          <a:fillRef idx="1">
+            <a:schemeClr val="accent1"/>
+          </a:fillRef>
+          <a:effectRef idx="0">
+            <a:schemeClr val="accent1"/>
+          </a:effectRef>
+          <a:fontRef idx="minor">
+            <a:schemeClr val="lt1"/>
+          </a:fontRef>
+        </p:style>
+        <p:txBody>
+          <a:bodyPr rtlCol="0" anchor="ctr"/>
+          <a:lstStyle/>
+          <a:p>
+            <a:pPr algn="ctr"/>
+            <a:r>
+              <a:rPr lang="en-US" dirty="0" smtClean="0">
+                <a:solidFill>
+                  <a:schemeClr val="tx1"/>
+                </a:solidFill>
+              </a:rPr>
+              <a:t>OK</a:t>
+            </a:r>
+            <a:endParaRPr lang="hu-HU" dirty="0">
+              <a:solidFill>
+                <a:schemeClr val="tx1"/>
+              </a:solidFill>
+            </a:endParaRPr>
+          </a:p>
+        </p:txBody>
+      </p:sp>
+      <p:sp>
+        <p:nvSpPr>
+          <p:cNvPr id="14" name="TextBox 13"/>
+          <p:cNvSpPr txBox="1"/>
+          <p:nvPr/>
+        </p:nvSpPr>
+        <p:spPr>
+          <a:xfrm>
+            <a:off x="2924014" y="2080475"/>
+            <a:ext cx="1082179" cy="369332"/>
+          </a:xfrm>
+          <a:prstGeom prst="rect">
+            <a:avLst/>
+          </a:prstGeom>
+          <a:noFill/>
+        </p:spPr>
+        <p:txBody>
+          <a:bodyPr wrap="square" rtlCol="0">
+            <a:spAutoFit/>
+          </a:bodyPr>
+          <a:lstStyle/>
+          <a:p>
+            <a:r>
+              <a:rPr lang="en-US" dirty="0" smtClean="0"/>
+              <a:t>Hiba</a:t>
+            </a:r>
+          </a:p>
+        </p:txBody>
+      </p:sp>
+      <p:sp>
+        <p:nvSpPr>
+          <p:cNvPr id="15" name="Right Arrow 14"/>
+          <p:cNvSpPr/>
+          <p:nvPr/>
+        </p:nvSpPr>
+        <p:spPr>
+          <a:xfrm rot="18042211" flipH="1">
+            <a:off x="5977577" y="4228930"/>
+            <a:ext cx="1707357" cy="425611"/>
+          </a:xfrm>
+          <a:prstGeom prst="rightArrow">
+            <a:avLst/>
+          </a:prstGeom>
+          <a:solidFill>
+            <a:schemeClr val="accent6">
+              <a:lumMod val="60000"/>
+              <a:lumOff val="40000"/>
+            </a:schemeClr>
+          </a:solidFill>
+        </p:spPr>
+        <p:style>
+          <a:lnRef idx="2">
+            <a:schemeClr val="accent1">
+              <a:shade val="50000"/>
+            </a:schemeClr>
+          </a:lnRef>
+          <a:fillRef idx="1">
+            <a:schemeClr val="accent1"/>
+          </a:fillRef>
+          <a:effectRef idx="0">
+            <a:schemeClr val="accent1"/>
+          </a:effectRef>
+          <a:fontRef idx="minor">
+            <a:schemeClr val="lt1"/>
+          </a:fontRef>
+        </p:style>
+        <p:txBody>
+          <a:bodyPr rtlCol="0" anchor="ctr"/>
+          <a:lstStyle/>
+          <a:p>
+            <a:pPr algn="ctr"/>
+            <a:r>
+              <a:rPr lang="en-US" dirty="0">
+                <a:solidFill>
+                  <a:schemeClr val="tx1"/>
+                </a:solidFill>
+              </a:rPr>
+              <a:t>OK</a:t>
+            </a:r>
+            <a:endParaRPr lang="hu-HU" dirty="0">
+              <a:solidFill>
+                <a:schemeClr val="tx1"/>
+              </a:solidFill>
+            </a:endParaRPr>
+          </a:p>
+        </p:txBody>
+      </p:sp>
+      <p:sp>
+        <p:nvSpPr>
+          <p:cNvPr id="16" name="Circular Arrow 15"/>
+          <p:cNvSpPr/>
+          <p:nvPr/>
+        </p:nvSpPr>
+        <p:spPr>
+          <a:xfrm>
+            <a:off x="6931604" y="1753300"/>
+            <a:ext cx="1132514" cy="1979803"/>
+          </a:xfrm>
+          <a:prstGeom prst="circularArrow">
+            <a:avLst/>
+          </a:prstGeom>
+          <a:solidFill>
+            <a:schemeClr val="accent6">
+              <a:lumMod val="60000"/>
+              <a:lumOff val="40000"/>
+            </a:schemeClr>
+          </a:solidFill>
+        </p:spPr>
+        <p:style>
+          <a:lnRef idx="2">
+            <a:schemeClr val="accent1">
+              <a:shade val="50000"/>
+            </a:schemeClr>
+          </a:lnRef>
+          <a:fillRef idx="1">
+            <a:schemeClr val="accent1"/>
+          </a:fillRef>
+          <a:effectRef idx="0">
+            <a:schemeClr val="accent1"/>
+          </a:effectRef>
+          <a:fontRef idx="minor">
+            <a:schemeClr val="lt1"/>
+          </a:fontRef>
+        </p:style>
+        <p:txBody>
+          <a:bodyPr rtlCol="0" anchor="ctr"/>
+          <a:lstStyle/>
+          <a:p>
+            <a:pPr algn="ctr"/>
+            <a:endParaRPr lang="hu-HU" dirty="0">
+              <a:solidFill>
+                <a:schemeClr val="tx1"/>
+              </a:solidFill>
+            </a:endParaRPr>
+          </a:p>
+        </p:txBody>
+      </p:sp>
+      <p:sp>
+        <p:nvSpPr>
+          <p:cNvPr id="17" name="TextBox 16"/>
+          <p:cNvSpPr txBox="1"/>
+          <p:nvPr/>
+        </p:nvSpPr>
+        <p:spPr>
+          <a:xfrm>
+            <a:off x="7199878" y="2088868"/>
+            <a:ext cx="821896" cy="369332"/>
+          </a:xfrm>
+          <a:prstGeom prst="rect">
+            <a:avLst/>
+          </a:prstGeom>
+          <a:noFill/>
+        </p:spPr>
+        <p:txBody>
+          <a:bodyPr wrap="square" rtlCol="0">
+            <a:spAutoFit/>
+          </a:bodyPr>
+          <a:lstStyle/>
+          <a:p>
+            <a:r>
+              <a:rPr lang="en-US" dirty="0" smtClean="0"/>
+              <a:t>Hiba</a:t>
+            </a:r>
+          </a:p>
+        </p:txBody>
+      </p:sp>
+      <p:sp>
+        <p:nvSpPr>
+          <p:cNvPr id="18" name="Circular Arrow 17"/>
+          <p:cNvSpPr/>
+          <p:nvPr/>
+        </p:nvSpPr>
+        <p:spPr>
+          <a:xfrm rot="19814237">
+            <a:off x="4631168" y="4284314"/>
+            <a:ext cx="1132514" cy="1979803"/>
+          </a:xfrm>
+          <a:prstGeom prst="circularArrow">
+            <a:avLst/>
+          </a:prstGeom>
+          <a:solidFill>
+            <a:schemeClr val="accent6">
+              <a:lumMod val="60000"/>
+              <a:lumOff val="40000"/>
+            </a:schemeClr>
+          </a:solidFill>
+        </p:spPr>
+        <p:style>
+          <a:lnRef idx="2">
+            <a:schemeClr val="accent1">
+              <a:shade val="50000"/>
+            </a:schemeClr>
+          </a:lnRef>
+          <a:fillRef idx="1">
+            <a:schemeClr val="accent1"/>
+          </a:fillRef>
+          <a:effectRef idx="0">
+            <a:schemeClr val="accent1"/>
+          </a:effectRef>
+          <a:fontRef idx="minor">
+            <a:schemeClr val="lt1"/>
+          </a:fontRef>
+        </p:style>
+        <p:txBody>
+          <a:bodyPr rtlCol="0" anchor="ctr"/>
+          <a:lstStyle/>
+          <a:p>
+            <a:pPr algn="ctr"/>
+            <a:endParaRPr lang="hu-HU" dirty="0">
+              <a:solidFill>
+                <a:schemeClr val="tx1"/>
+              </a:solidFill>
+            </a:endParaRPr>
+          </a:p>
+        </p:txBody>
+      </p:sp>
+      <p:sp>
+        <p:nvSpPr>
+          <p:cNvPr id="19" name="TextBox 18"/>
+          <p:cNvSpPr txBox="1"/>
+          <p:nvPr/>
+        </p:nvSpPr>
+        <p:spPr>
+          <a:xfrm>
+            <a:off x="4214467" y="4255438"/>
+            <a:ext cx="1305787" cy="646331"/>
+          </a:xfrm>
+          <a:prstGeom prst="rect">
+            <a:avLst/>
+          </a:prstGeom>
+          <a:noFill/>
+        </p:spPr>
+        <p:txBody>
+          <a:bodyPr wrap="square" rtlCol="0">
+            <a:spAutoFit/>
+          </a:bodyPr>
+          <a:lstStyle/>
+          <a:p>
+            <a:pPr algn="ctr"/>
+            <a:r>
+              <a:rPr lang="en-US" dirty="0" smtClean="0"/>
+              <a:t>4s </a:t>
+            </a:r>
+            <a:r>
+              <a:rPr lang="en-US" dirty="0" err="1" smtClean="0"/>
+              <a:t>késleltetés</a:t>
+            </a:r>
+            <a:endParaRPr lang="en-US" dirty="0" smtClean="0"/>
+          </a:p>
+        </p:txBody>
+      </p:sp>
+      <p:sp>
+        <p:nvSpPr>
+          <p:cNvPr id="6" name="Oval 5"/>
+          <p:cNvSpPr/>
+          <p:nvPr/>
+        </p:nvSpPr>
+        <p:spPr>
+          <a:xfrm>
+            <a:off x="6462320" y="2650921"/>
+            <a:ext cx="2055303" cy="1166069"/>
+          </a:xfrm>
+          <a:prstGeom prst="ellipse">
+            <a:avLst/>
+          </a:prstGeom>
+          <a:solidFill>
+            <a:schemeClr val="accent6">
+              <a:lumMod val="60000"/>
+              <a:lumOff val="40000"/>
+            </a:schemeClr>
+          </a:solidFill>
+        </p:spPr>
+        <p:style>
+          <a:lnRef idx="2">
+            <a:schemeClr val="accent1">
+              <a:shade val="50000"/>
+            </a:schemeClr>
+          </a:lnRef>
+          <a:fillRef idx="1">
+            <a:schemeClr val="accent1"/>
+          </a:fillRef>
+          <a:effectRef idx="0">
+            <a:schemeClr val="accent1"/>
+          </a:effectRef>
+          <a:fontRef idx="minor">
+            <a:schemeClr val="lt1"/>
+          </a:fontRef>
+        </p:style>
+        <p:txBody>
+          <a:bodyPr rtlCol="0" anchor="ctr"/>
+          <a:lstStyle/>
+          <a:p>
+            <a:pPr algn="ctr"/>
+            <a:r>
+              <a:rPr lang="en-US" dirty="0" err="1" smtClean="0">
+                <a:solidFill>
+                  <a:schemeClr val="tx1"/>
+                </a:solidFill>
+              </a:rPr>
+              <a:t>Kapcsolódás</a:t>
+            </a:r>
+            <a:endParaRPr lang="hu-HU" dirty="0">
+              <a:solidFill>
+                <a:schemeClr val="tx1"/>
+              </a:solidFill>
+            </a:endParaRPr>
+          </a:p>
+        </p:txBody>
+      </p:sp>
+      <p:sp>
+        <p:nvSpPr>
+          <p:cNvPr id="20" name="Title 1"/>
+          <p:cNvSpPr>
+            <a:spLocks noGrp="1"/>
+          </p:cNvSpPr>
+          <p:nvPr>
+            <p:ph type="title"/>
+          </p:nvPr>
+        </p:nvSpPr>
+        <p:spPr>
+          <a:xfrm>
+            <a:off x="838200" y="365125"/>
+            <a:ext cx="10515600" cy="1325563"/>
+          </a:xfrm>
+        </p:spPr>
+        <p:txBody>
+          <a:bodyPr>
+            <a:normAutofit/>
+          </a:bodyPr>
+          <a:lstStyle/>
+          <a:p>
+            <a:r>
+              <a:rPr lang="en-US" u="sng" dirty="0" smtClean="0">
+                <a:latin typeface="Arial" panose="020B0604020202020204" pitchFamily="34" charset="0"/>
+                <a:cs typeface="Arial" panose="020B0604020202020204" pitchFamily="34" charset="0"/>
+              </a:rPr>
+              <a:t>A </a:t>
+            </a:r>
+            <a:r>
+              <a:rPr lang="en-US" u="sng" dirty="0" err="1" smtClean="0">
+                <a:latin typeface="Arial" panose="020B0604020202020204" pitchFamily="34" charset="0"/>
+                <a:cs typeface="Arial" panose="020B0604020202020204" pitchFamily="34" charset="0"/>
+              </a:rPr>
+              <a:t>szoftver</a:t>
+            </a:r>
+            <a:r>
+              <a:rPr lang="en-US" u="sng" dirty="0" smtClean="0">
+                <a:latin typeface="Arial" panose="020B0604020202020204" pitchFamily="34" charset="0"/>
+                <a:cs typeface="Arial" panose="020B0604020202020204" pitchFamily="34" charset="0"/>
+              </a:rPr>
+              <a:t> </a:t>
+            </a:r>
+            <a:r>
+              <a:rPr lang="en-US" u="sng" dirty="0" err="1" smtClean="0">
+                <a:latin typeface="Arial" panose="020B0604020202020204" pitchFamily="34" charset="0"/>
+                <a:cs typeface="Arial" panose="020B0604020202020204" pitchFamily="34" charset="0"/>
+              </a:rPr>
+              <a:t>működése</a:t>
+            </a:r>
+            <a:endParaRPr lang="hu-HU" u="sng" dirty="0">
+              <a:latin typeface="Arial" panose="020B0604020202020204" pitchFamily="34" charset="0"/>
+              <a:cs typeface="Arial" panose="020B0604020202020204" pitchFamily="34" charset="0"/>
+            </a:endParaRPr>
+          </a:p>
+        </p:txBody>
+      </p:sp>
+    </p:spTree>
+    <p:extLst>
+      <p:ext uri="{BB962C8B-B14F-4D97-AF65-F5344CB8AC3E}">
+        <p14:creationId xmlns:p14="http://schemas.microsoft.com/office/powerpoint/2010/main" val="2039680153"/>
+      </p:ext>
+    </p:extLst>
+  </p:cSld>
+  <p:clrMapOvr>
+    <a:masterClrMapping/>
+  </p:clrMapOvr>
+  <p:timing>
+    <p:tnLst>
+      <p:par>
+        <p:cTn id="1" dur="indefinite" restart="never" nodeType="tmRoot"/>
+      </p:par>
+    </p:tnLst>
+  </p:timing>
+</p:sld>
+</file>
+
+<file path=ppt/slides/slide11.xml><?xml version="1.0" encoding="utf-8"?>
+<p:sld xmlns:a="http://schemas.openxmlformats.org/drawingml/2006/main" xmlns:r="http://schemas.openxmlformats.org/officeDocument/2006/relationships" xmlns:p="http://schemas.openxmlformats.org/presentationml/2006/main">
+  <p:cSld>
+    <p:spTree>
+      <p:nvGrpSpPr>
+        <p:cNvPr id="1" name=""/>
+        <p:cNvGrpSpPr/>
+        <p:nvPr/>
+      </p:nvGrpSpPr>
+      <p:grpSpPr>
+        <a:xfrm>
+          <a:off x="0" y="0"/>
+          <a:ext cx="0" cy="0"/>
+          <a:chOff x="0" y="0"/>
+          <a:chExt cx="0" cy="0"/>
+        </a:xfrm>
+      </p:grpSpPr>
+      <p:sp>
+        <p:nvSpPr>
+          <p:cNvPr id="2" name="Title 1"/>
+          <p:cNvSpPr>
+            <a:spLocks noGrp="1"/>
+          </p:cNvSpPr>
+          <p:nvPr>
+            <p:ph type="title"/>
+          </p:nvPr>
+        </p:nvSpPr>
+        <p:spPr/>
+        <p:txBody>
+          <a:bodyPr>
+            <a:normAutofit/>
+          </a:bodyPr>
+          <a:lstStyle/>
+          <a:p>
+            <a:r>
+              <a:rPr lang="en-US" u="sng" dirty="0">
+                <a:latin typeface="Arial" panose="020B0604020202020204" pitchFamily="34" charset="0"/>
+                <a:cs typeface="Arial" panose="020B0604020202020204" pitchFamily="34" charset="0"/>
+              </a:rPr>
+              <a:t>Külső </a:t>
+            </a:r>
+            <a:r>
+              <a:rPr lang="en-US" u="sng" dirty="0" err="1">
+                <a:latin typeface="Arial" panose="020B0604020202020204" pitchFamily="34" charset="0"/>
+                <a:cs typeface="Arial" panose="020B0604020202020204" pitchFamily="34" charset="0"/>
+              </a:rPr>
+              <a:t>modul</a:t>
+            </a:r>
+            <a:r>
+              <a:rPr lang="en-US" u="sng" dirty="0">
+                <a:latin typeface="Arial" panose="020B0604020202020204" pitchFamily="34" charset="0"/>
+                <a:cs typeface="Arial" panose="020B0604020202020204" pitchFamily="34" charset="0"/>
+              </a:rPr>
+              <a:t> </a:t>
+            </a:r>
+            <a:r>
+              <a:rPr lang="en-US" u="sng" dirty="0" err="1">
+                <a:latin typeface="Arial" panose="020B0604020202020204" pitchFamily="34" charset="0"/>
+                <a:cs typeface="Arial" panose="020B0604020202020204" pitchFamily="34" charset="0"/>
+              </a:rPr>
+              <a:t>szoftverének</a:t>
+            </a:r>
+            <a:r>
+              <a:rPr lang="en-US" u="sng" dirty="0">
+                <a:latin typeface="Arial" panose="020B0604020202020204" pitchFamily="34" charset="0"/>
+                <a:cs typeface="Arial" panose="020B0604020202020204" pitchFamily="34" charset="0"/>
+              </a:rPr>
+              <a:t> </a:t>
+            </a:r>
+            <a:r>
+              <a:rPr lang="en-US" u="sng" dirty="0" err="1" smtClean="0">
+                <a:latin typeface="Arial" panose="020B0604020202020204" pitchFamily="34" charset="0"/>
+                <a:cs typeface="Arial" panose="020B0604020202020204" pitchFamily="34" charset="0"/>
+              </a:rPr>
+              <a:t>felépítése</a:t>
+            </a:r>
+            <a:endParaRPr lang="hu-HU" u="sng" dirty="0">
+              <a:latin typeface="Arial" panose="020B0604020202020204" pitchFamily="34" charset="0"/>
+              <a:cs typeface="Arial" panose="020B0604020202020204" pitchFamily="34" charset="0"/>
+            </a:endParaRPr>
+          </a:p>
+        </p:txBody>
+      </p:sp>
+      <p:sp>
+        <p:nvSpPr>
+          <p:cNvPr id="4" name="Subtitle 2"/>
+          <p:cNvSpPr txBox="1">
+            <a:spLocks/>
+          </p:cNvSpPr>
+          <p:nvPr/>
+        </p:nvSpPr>
+        <p:spPr>
+          <a:xfrm>
+            <a:off x="1031846" y="1857080"/>
+            <a:ext cx="9636154" cy="4377465"/>
+          </a:xfrm>
+          <a:prstGeom prst="rect">
+            <a:avLst/>
+          </a:prstGeom>
+        </p:spPr>
+        <p:txBody>
+          <a:bodyPr vert="horz" wrap="square" lIns="91440" tIns="0" rIns="91440" bIns="0" rtlCol="0" anchor="ctr" anchorCtr="0">
+            <a:normAutofit/>
+          </a:bodyPr>
+          <a:lstStyle>
+            <a:lvl1pPr marL="228600" indent="-228600" algn="l" defTabSz="914400" rtl="0" eaLnBrk="1" latinLnBrk="0" hangingPunct="1">
+              <a:lnSpc>
+                <a:spcPct val="90000"/>
+              </a:lnSpc>
+              <a:spcBef>
+                <a:spcPts val="1000"/>
+              </a:spcBef>
+              <a:buFont typeface="Arial" panose="020B0604020202020204" pitchFamily="34" charset="0"/>
+              <a:buChar char="•"/>
+              <a:defRPr sz="2800" kern="1200">
+                <a:solidFill>
+                  <a:schemeClr val="tx1"/>
+                </a:solidFill>
+                <a:latin typeface="+mn-lt"/>
+                <a:ea typeface="+mn-ea"/>
+                <a:cs typeface="+mn-cs"/>
+              </a:defRPr>
+            </a:lvl1pPr>
+            <a:lvl2pPr marL="685800" indent="-228600" algn="l" defTabSz="914400" rtl="0" eaLnBrk="1" latinLnBrk="0" hangingPunct="1">
+              <a:lnSpc>
+                <a:spcPct val="90000"/>
+              </a:lnSpc>
+              <a:spcBef>
+                <a:spcPts val="500"/>
+              </a:spcBef>
+              <a:buFont typeface="Arial" panose="020B0604020202020204" pitchFamily="34" charset="0"/>
+              <a:buChar char="•"/>
+              <a:defRPr sz="2400" kern="1200">
+                <a:solidFill>
+                  <a:schemeClr val="tx1"/>
+                </a:solidFill>
+                <a:latin typeface="+mn-lt"/>
+                <a:ea typeface="+mn-ea"/>
+                <a:cs typeface="+mn-cs"/>
+              </a:defRPr>
+            </a:lvl2pPr>
+            <a:lvl3pPr marL="1143000" indent="-228600" algn="l" defTabSz="914400" rtl="0" eaLnBrk="1" latinLnBrk="0" hangingPunct="1">
+              <a:lnSpc>
+                <a:spcPct val="90000"/>
+              </a:lnSpc>
+              <a:spcBef>
+                <a:spcPts val="500"/>
+              </a:spcBef>
+              <a:buFont typeface="Arial" panose="020B0604020202020204" pitchFamily="34" charset="0"/>
+              <a:buChar char="•"/>
+              <a:defRPr sz="2000" kern="1200">
+                <a:solidFill>
+                  <a:schemeClr val="tx1"/>
+                </a:solidFill>
+                <a:latin typeface="+mn-lt"/>
+                <a:ea typeface="+mn-ea"/>
+                <a:cs typeface="+mn-cs"/>
+              </a:defRPr>
+            </a:lvl3pPr>
+            <a:lvl4pPr marL="1600200" indent="-228600" algn="l" defTabSz="914400" rtl="0" eaLnBrk="1" latinLnBrk="0" hangingPunct="1">
+              <a:lnSpc>
+                <a:spcPct val="90000"/>
+              </a:lnSpc>
+              <a:spcBef>
+                <a:spcPts val="500"/>
+              </a:spcBef>
+              <a:buFont typeface="Arial" panose="020B0604020202020204" pitchFamily="34" charset="0"/>
+              <a:buChar char="•"/>
+              <a:defRPr sz="1800" kern="1200">
+                <a:solidFill>
+                  <a:schemeClr val="tx1"/>
+                </a:solidFill>
+                <a:latin typeface="+mn-lt"/>
+                <a:ea typeface="+mn-ea"/>
+                <a:cs typeface="+mn-cs"/>
+              </a:defRPr>
+            </a:lvl4pPr>
+            <a:lvl5pPr marL="2057400" indent="-228600" algn="l" defTabSz="914400" rtl="0" eaLnBrk="1" latinLnBrk="0" hangingPunct="1">
+              <a:lnSpc>
+                <a:spcPct val="90000"/>
+              </a:lnSpc>
+              <a:spcBef>
+                <a:spcPts val="500"/>
+              </a:spcBef>
+              <a:buFont typeface="Arial" panose="020B0604020202020204" pitchFamily="34" charset="0"/>
+              <a:buChar char="•"/>
+              <a:defRPr sz="1800" kern="1200">
+                <a:solidFill>
+                  <a:schemeClr val="tx1"/>
+                </a:solidFill>
+                <a:latin typeface="+mn-lt"/>
+                <a:ea typeface="+mn-ea"/>
+                <a:cs typeface="+mn-cs"/>
+              </a:defRPr>
+            </a:lvl5pPr>
+            <a:lvl6pPr marL="2514600" indent="-228600" algn="l" defTabSz="914400" rtl="0" eaLnBrk="1" latinLnBrk="0" hangingPunct="1">
+              <a:lnSpc>
+                <a:spcPct val="90000"/>
+              </a:lnSpc>
+              <a:spcBef>
+                <a:spcPts val="500"/>
+              </a:spcBef>
+              <a:buFont typeface="Arial" panose="020B0604020202020204" pitchFamily="34" charset="0"/>
+              <a:buChar char="•"/>
+              <a:defRPr sz="1800" kern="1200">
+                <a:solidFill>
+                  <a:schemeClr val="tx1"/>
+                </a:solidFill>
+                <a:latin typeface="+mn-lt"/>
+                <a:ea typeface="+mn-ea"/>
+                <a:cs typeface="+mn-cs"/>
+              </a:defRPr>
+            </a:lvl6pPr>
+            <a:lvl7pPr marL="2971800" indent="-228600" algn="l" defTabSz="914400" rtl="0" eaLnBrk="1" latinLnBrk="0" hangingPunct="1">
+              <a:lnSpc>
+                <a:spcPct val="90000"/>
+              </a:lnSpc>
+              <a:spcBef>
+                <a:spcPts val="500"/>
+              </a:spcBef>
+              <a:buFont typeface="Arial" panose="020B0604020202020204" pitchFamily="34" charset="0"/>
+              <a:buChar char="•"/>
+              <a:defRPr sz="1800" kern="1200">
+                <a:solidFill>
+                  <a:schemeClr val="tx1"/>
+                </a:solidFill>
+                <a:latin typeface="+mn-lt"/>
+                <a:ea typeface="+mn-ea"/>
+                <a:cs typeface="+mn-cs"/>
+              </a:defRPr>
+            </a:lvl7pPr>
+            <a:lvl8pPr marL="3429000" indent="-228600" algn="l" defTabSz="914400" rtl="0" eaLnBrk="1" latinLnBrk="0" hangingPunct="1">
+              <a:lnSpc>
+                <a:spcPct val="90000"/>
+              </a:lnSpc>
+              <a:spcBef>
+                <a:spcPts val="500"/>
+              </a:spcBef>
+              <a:buFont typeface="Arial" panose="020B0604020202020204" pitchFamily="34" charset="0"/>
+              <a:buChar char="•"/>
+              <a:defRPr sz="1800" kern="1200">
+                <a:solidFill>
+                  <a:schemeClr val="tx1"/>
+                </a:solidFill>
+                <a:latin typeface="+mn-lt"/>
+                <a:ea typeface="+mn-ea"/>
+                <a:cs typeface="+mn-cs"/>
+              </a:defRPr>
+            </a:lvl8pPr>
+            <a:lvl9pPr marL="3886200" indent="-228600" algn="l" defTabSz="914400" rtl="0" eaLnBrk="1" latinLnBrk="0" hangingPunct="1">
+              <a:lnSpc>
+                <a:spcPct val="90000"/>
+              </a:lnSpc>
+              <a:spcBef>
+                <a:spcPts val="500"/>
+              </a:spcBef>
+              <a:buFont typeface="Arial" panose="020B0604020202020204" pitchFamily="34" charset="0"/>
+              <a:buChar char="•"/>
+              <a:defRPr sz="1800" kern="1200">
+                <a:solidFill>
+                  <a:schemeClr val="tx1"/>
+                </a:solidFill>
+                <a:latin typeface="+mn-lt"/>
+                <a:ea typeface="+mn-ea"/>
+                <a:cs typeface="+mn-cs"/>
+              </a:defRPr>
+            </a:lvl9pPr>
+          </a:lstStyle>
+          <a:p>
+            <a:pPr>
+              <a:lnSpc>
+                <a:spcPct val="150000"/>
+              </a:lnSpc>
+            </a:pPr>
+            <a:endParaRPr lang="en-US" dirty="0"/>
+          </a:p>
+        </p:txBody>
+      </p:sp>
+      <p:sp>
+        <p:nvSpPr>
+          <p:cNvPr id="5" name="TextBox 4"/>
+          <p:cNvSpPr txBox="1"/>
+          <p:nvPr/>
+        </p:nvSpPr>
+        <p:spPr>
+          <a:xfrm>
+            <a:off x="1031845" y="2147582"/>
+            <a:ext cx="10033233" cy="3970318"/>
+          </a:xfrm>
+          <a:prstGeom prst="rect">
+            <a:avLst/>
+          </a:prstGeom>
+          <a:noFill/>
+        </p:spPr>
+        <p:txBody>
+          <a:bodyPr wrap="square" rtlCol="0">
+            <a:spAutoFit/>
+          </a:bodyPr>
+          <a:lstStyle/>
+          <a:p>
+            <a:pPr marL="285750" indent="-285750">
+              <a:lnSpc>
+                <a:spcPct val="150000"/>
+              </a:lnSpc>
+              <a:buFont typeface="Arial" panose="020B0604020202020204" pitchFamily="34" charset="0"/>
+              <a:buChar char="•"/>
+            </a:pPr>
+            <a:r>
+              <a:rPr lang="en-US" sz="2800" dirty="0" err="1" smtClean="0"/>
+              <a:t>Inicializálás</a:t>
+            </a:r>
+            <a:endParaRPr lang="en-US" sz="2800" dirty="0" smtClean="0"/>
+          </a:p>
+          <a:p>
+            <a:pPr marL="285750" indent="-285750">
+              <a:lnSpc>
+                <a:spcPct val="150000"/>
+              </a:lnSpc>
+              <a:buFont typeface="Arial" panose="020B0604020202020204" pitchFamily="34" charset="0"/>
+              <a:buChar char="•"/>
+            </a:pPr>
+            <a:r>
+              <a:rPr lang="en-US" sz="2800" dirty="0" smtClean="0"/>
+              <a:t>Bluetooth: </a:t>
+            </a:r>
+            <a:r>
+              <a:rPr lang="en-US" sz="2800" dirty="0" err="1" smtClean="0"/>
+              <a:t>peripherial</a:t>
+            </a:r>
+            <a:r>
+              <a:rPr lang="en-US" sz="2800" dirty="0" smtClean="0"/>
+              <a:t> </a:t>
+            </a:r>
+            <a:r>
+              <a:rPr lang="en-US" sz="2800" dirty="0" err="1" smtClean="0"/>
+              <a:t>üzemmódban</a:t>
+            </a:r>
+            <a:endParaRPr lang="en-US" sz="2800" dirty="0" smtClean="0"/>
+          </a:p>
+          <a:p>
+            <a:pPr marL="285750" indent="-285750">
+              <a:lnSpc>
+                <a:spcPct val="150000"/>
+              </a:lnSpc>
+              <a:buFont typeface="Arial" panose="020B0604020202020204" pitchFamily="34" charset="0"/>
+              <a:buChar char="•"/>
+            </a:pPr>
+            <a:r>
+              <a:rPr lang="en-US" sz="2800" dirty="0" err="1" smtClean="0"/>
+              <a:t>Privát</a:t>
+            </a:r>
+            <a:r>
+              <a:rPr lang="en-US" sz="2800" dirty="0" smtClean="0"/>
+              <a:t> </a:t>
+            </a:r>
+            <a:r>
+              <a:rPr lang="en-US" sz="2800" dirty="0" err="1" smtClean="0"/>
+              <a:t>karakterisztika</a:t>
+            </a:r>
+            <a:r>
+              <a:rPr lang="en-US" sz="2800" dirty="0" smtClean="0"/>
+              <a:t> </a:t>
+            </a:r>
+            <a:r>
+              <a:rPr lang="en-US" sz="2800" dirty="0" err="1" smtClean="0"/>
+              <a:t>létrehozása</a:t>
+            </a:r>
+            <a:endParaRPr lang="en-US" sz="2800" dirty="0" smtClean="0"/>
+          </a:p>
+          <a:p>
+            <a:pPr marL="285750" indent="-285750">
+              <a:lnSpc>
+                <a:spcPct val="150000"/>
+              </a:lnSpc>
+              <a:buFont typeface="Arial" panose="020B0604020202020204" pitchFamily="34" charset="0"/>
+              <a:buChar char="•"/>
+            </a:pPr>
+            <a:r>
+              <a:rPr lang="en-US" sz="2800" dirty="0" smtClean="0"/>
+              <a:t>Bluetooth </a:t>
+            </a:r>
+            <a:r>
+              <a:rPr lang="en-US" sz="2800" dirty="0" err="1" smtClean="0"/>
+              <a:t>vezérlését</a:t>
+            </a:r>
+            <a:r>
+              <a:rPr lang="en-US" sz="2800" dirty="0" smtClean="0"/>
+              <a:t> </a:t>
+            </a:r>
+            <a:r>
+              <a:rPr lang="en-US" sz="2800" dirty="0" err="1" smtClean="0"/>
+              <a:t>egy</a:t>
+            </a:r>
+            <a:r>
+              <a:rPr lang="en-US" sz="2800" dirty="0" smtClean="0"/>
+              <a:t> </a:t>
+            </a:r>
+            <a:r>
+              <a:rPr lang="en-US" sz="2800" dirty="0" err="1" smtClean="0"/>
+              <a:t>állapotgép</a:t>
+            </a:r>
+            <a:r>
+              <a:rPr lang="en-US" sz="2800" dirty="0" smtClean="0"/>
+              <a:t> </a:t>
+            </a:r>
+            <a:r>
+              <a:rPr lang="en-US" sz="2800" dirty="0" err="1" smtClean="0"/>
+              <a:t>végzi</a:t>
+            </a:r>
+            <a:endParaRPr lang="en-US" sz="2800" dirty="0" smtClean="0"/>
+          </a:p>
+          <a:p>
+            <a:pPr marL="285750" indent="-285750">
+              <a:lnSpc>
+                <a:spcPct val="150000"/>
+              </a:lnSpc>
+              <a:buFont typeface="Arial" panose="020B0604020202020204" pitchFamily="34" charset="0"/>
+              <a:buChar char="•"/>
+            </a:pPr>
+            <a:r>
+              <a:rPr lang="en-US" sz="2800" dirty="0" err="1" smtClean="0"/>
+              <a:t>Hőmérséklet</a:t>
+            </a:r>
+            <a:r>
+              <a:rPr lang="en-US" sz="2800" dirty="0" smtClean="0"/>
+              <a:t> </a:t>
+            </a:r>
+            <a:r>
+              <a:rPr lang="en-US" sz="2800" dirty="0" err="1" smtClean="0"/>
+              <a:t>periódikus</a:t>
+            </a:r>
+            <a:r>
+              <a:rPr lang="en-US" sz="2800" dirty="0" smtClean="0"/>
+              <a:t> </a:t>
+            </a:r>
+            <a:r>
+              <a:rPr lang="en-US" sz="2800" dirty="0" err="1" smtClean="0"/>
+              <a:t>lekérdezése</a:t>
+            </a:r>
+            <a:r>
+              <a:rPr lang="en-US" sz="2800" dirty="0" smtClean="0"/>
+              <a:t> </a:t>
+            </a:r>
+            <a:r>
+              <a:rPr lang="en-US" sz="2800" dirty="0" err="1" smtClean="0"/>
+              <a:t>és</a:t>
+            </a:r>
+            <a:r>
+              <a:rPr lang="en-US" sz="2800" dirty="0" smtClean="0"/>
+              <a:t> a </a:t>
+            </a:r>
+            <a:r>
+              <a:rPr lang="en-US" sz="2800" dirty="0" err="1" smtClean="0"/>
+              <a:t>privát</a:t>
+            </a:r>
+            <a:r>
+              <a:rPr lang="en-US" sz="2800" dirty="0" smtClean="0"/>
+              <a:t> </a:t>
+            </a:r>
+            <a:r>
+              <a:rPr lang="en-US" sz="2800" dirty="0" err="1" smtClean="0"/>
+              <a:t>karakterisztika</a:t>
+            </a:r>
+            <a:r>
+              <a:rPr lang="en-US" sz="2800" dirty="0" smtClean="0"/>
+              <a:t> </a:t>
+            </a:r>
+            <a:r>
+              <a:rPr lang="en-US" sz="2800" dirty="0" err="1" smtClean="0"/>
+              <a:t>értékének</a:t>
+            </a:r>
+            <a:r>
+              <a:rPr lang="en-US" sz="2800" dirty="0" smtClean="0"/>
+              <a:t> </a:t>
+            </a:r>
+            <a:r>
+              <a:rPr lang="en-US" sz="2800" dirty="0" err="1" smtClean="0"/>
+              <a:t>aktualizálása</a:t>
+            </a:r>
+            <a:endParaRPr lang="en-US" sz="2800" dirty="0" smtClean="0"/>
+          </a:p>
+        </p:txBody>
+      </p:sp>
+    </p:spTree>
+    <p:extLst>
+      <p:ext uri="{BB962C8B-B14F-4D97-AF65-F5344CB8AC3E}">
+        <p14:creationId xmlns:p14="http://schemas.microsoft.com/office/powerpoint/2010/main" val="531433712"/>
+      </p:ext>
+    </p:extLst>
+  </p:cSld>
+  <p:clrMapOvr>
+    <a:masterClrMapping/>
+  </p:clrMapOvr>
+  <p:timing>
+    <p:tnLst>
+      <p:par>
+        <p:cTn id="1" dur="indefinite" restart="never" nodeType="tmRoot"/>
+      </p:par>
+    </p:tnLst>
+  </p:timing>
+</p:sld>
+</file>
+
+<file path=ppt/slides/slide12.xml><?xml version="1.0" encoding="utf-8"?>
+<p:sld xmlns:a="http://schemas.openxmlformats.org/drawingml/2006/main" xmlns:r="http://schemas.openxmlformats.org/officeDocument/2006/relationships" xmlns:p="http://schemas.openxmlformats.org/presentationml/2006/main">
+  <p:cSld>
+    <p:spTree>
+      <p:nvGrpSpPr>
+        <p:cNvPr id="1" name=""/>
+        <p:cNvGrpSpPr/>
+        <p:nvPr/>
+      </p:nvGrpSpPr>
+      <p:grpSpPr>
+        <a:xfrm>
+          <a:off x="0" y="0"/>
+          <a:ext cx="0" cy="0"/>
+          <a:chOff x="0" y="0"/>
+          <a:chExt cx="0" cy="0"/>
+        </a:xfrm>
+      </p:grpSpPr>
+      <p:sp>
+        <p:nvSpPr>
+          <p:cNvPr id="2" name="Title 1"/>
+          <p:cNvSpPr>
+            <a:spLocks noGrp="1"/>
+          </p:cNvSpPr>
+          <p:nvPr>
+            <p:ph type="title"/>
+          </p:nvPr>
+        </p:nvSpPr>
+        <p:spPr/>
+        <p:txBody>
+          <a:bodyPr/>
+          <a:lstStyle/>
+          <a:p>
+            <a:r>
+              <a:rPr lang="en-US" dirty="0" err="1" smtClean="0">
+                <a:latin typeface="Arial Rounded MT Bold" panose="020F0704030504030204" pitchFamily="34" charset="0"/>
+              </a:rPr>
+              <a:t>Összefoglalás</a:t>
+            </a:r>
+            <a:r>
+              <a:rPr lang="en-US" dirty="0" smtClean="0">
+                <a:latin typeface="Arial Rounded MT Bold" panose="020F0704030504030204" pitchFamily="34" charset="0"/>
+              </a:rPr>
+              <a:t>, </a:t>
+            </a:r>
+            <a:r>
+              <a:rPr lang="en-US" dirty="0" err="1" smtClean="0">
+                <a:latin typeface="Arial Rounded MT Bold" panose="020F0704030504030204" pitchFamily="34" charset="0"/>
+              </a:rPr>
+              <a:t>tanulságok</a:t>
+            </a:r>
+            <a:endParaRPr lang="hu-HU" dirty="0">
+              <a:latin typeface="Arial Rounded MT Bold" panose="020F0704030504030204" pitchFamily="34" charset="0"/>
+            </a:endParaRPr>
+          </a:p>
+        </p:txBody>
+      </p:sp>
+      <p:sp>
+        <p:nvSpPr>
+          <p:cNvPr id="4" name="TextBox 3"/>
+          <p:cNvSpPr txBox="1"/>
+          <p:nvPr/>
+        </p:nvSpPr>
+        <p:spPr>
+          <a:xfrm>
+            <a:off x="838200" y="2241352"/>
+            <a:ext cx="10033233" cy="4616648"/>
+          </a:xfrm>
+          <a:prstGeom prst="rect">
+            <a:avLst/>
+          </a:prstGeom>
+          <a:noFill/>
+        </p:spPr>
+        <p:txBody>
+          <a:bodyPr wrap="square" rtlCol="0">
+            <a:spAutoFit/>
+          </a:bodyPr>
+          <a:lstStyle/>
+          <a:p>
+            <a:pPr marL="285750" indent="-285750">
+              <a:lnSpc>
+                <a:spcPct val="150000"/>
+              </a:lnSpc>
+              <a:buFont typeface="Arial" panose="020B0604020202020204" pitchFamily="34" charset="0"/>
+              <a:buChar char="•"/>
+            </a:pPr>
+            <a:r>
+              <a:rPr lang="en-US" sz="2800" dirty="0" err="1" smtClean="0"/>
+              <a:t>Az</a:t>
+            </a:r>
+            <a:r>
+              <a:rPr lang="en-US" sz="2800" dirty="0" smtClean="0"/>
+              <a:t> </a:t>
+            </a:r>
+            <a:r>
+              <a:rPr lang="en-US" sz="2800" dirty="0" err="1" smtClean="0"/>
+              <a:t>áramkör</a:t>
+            </a:r>
+            <a:r>
+              <a:rPr lang="en-US" sz="2800" dirty="0" smtClean="0"/>
+              <a:t> </a:t>
+            </a:r>
+            <a:r>
+              <a:rPr lang="en-US" sz="2800" dirty="0" err="1" smtClean="0"/>
+              <a:t>pontos</a:t>
+            </a:r>
+            <a:r>
+              <a:rPr lang="en-US" sz="2800" dirty="0" smtClean="0"/>
+              <a:t> </a:t>
+            </a:r>
+            <a:r>
+              <a:rPr lang="en-US" sz="2800" dirty="0" err="1" smtClean="0"/>
+              <a:t>megtervezése</a:t>
+            </a:r>
+            <a:r>
+              <a:rPr lang="en-US" sz="2800" dirty="0" smtClean="0"/>
+              <a:t> </a:t>
+            </a:r>
+            <a:r>
+              <a:rPr lang="en-US" sz="2800" dirty="0" err="1" smtClean="0"/>
+              <a:t>kiemelt</a:t>
+            </a:r>
+            <a:r>
+              <a:rPr lang="en-US" sz="2800" dirty="0" smtClean="0"/>
+              <a:t> </a:t>
+            </a:r>
+            <a:r>
+              <a:rPr lang="en-US" sz="2800" dirty="0" err="1" smtClean="0"/>
+              <a:t>fontosságú</a:t>
+            </a:r>
+            <a:r>
+              <a:rPr lang="en-US" sz="2800" dirty="0" smtClean="0"/>
+              <a:t>.</a:t>
+            </a:r>
+          </a:p>
+          <a:p>
+            <a:pPr marL="285750" indent="-285750">
+              <a:lnSpc>
+                <a:spcPct val="150000"/>
+              </a:lnSpc>
+              <a:buFont typeface="Arial" panose="020B0604020202020204" pitchFamily="34" charset="0"/>
+              <a:buChar char="•"/>
+            </a:pPr>
+            <a:r>
+              <a:rPr lang="en-US" sz="2800" dirty="0" err="1" smtClean="0"/>
+              <a:t>Az</a:t>
+            </a:r>
+            <a:r>
+              <a:rPr lang="en-US" sz="2800" dirty="0" smtClean="0"/>
+              <a:t> </a:t>
+            </a:r>
+            <a:r>
+              <a:rPr lang="en-US" sz="2800" dirty="0" err="1" smtClean="0"/>
+              <a:t>áramkör</a:t>
+            </a:r>
+            <a:r>
+              <a:rPr lang="en-US" sz="2800" dirty="0" smtClean="0"/>
+              <a:t> </a:t>
+            </a:r>
+            <a:r>
+              <a:rPr lang="en-US" sz="2800" dirty="0" err="1" smtClean="0"/>
+              <a:t>saját</a:t>
+            </a:r>
+            <a:r>
+              <a:rPr lang="en-US" sz="2800" dirty="0" smtClean="0"/>
+              <a:t> </a:t>
+            </a:r>
+            <a:r>
+              <a:rPr lang="en-US" sz="2800" dirty="0" err="1" smtClean="0"/>
+              <a:t>hője</a:t>
+            </a:r>
+            <a:r>
+              <a:rPr lang="en-US" sz="2800" dirty="0" smtClean="0"/>
+              <a:t> </a:t>
+            </a:r>
+            <a:r>
+              <a:rPr lang="en-US" sz="2800" dirty="0" err="1" smtClean="0"/>
+              <a:t>torzít</a:t>
+            </a:r>
+            <a:r>
+              <a:rPr lang="en-US" sz="2800" dirty="0" smtClean="0"/>
+              <a:t> – </a:t>
+            </a:r>
+            <a:r>
+              <a:rPr lang="en-US" sz="2800" dirty="0" err="1" smtClean="0"/>
+              <a:t>pontos</a:t>
+            </a:r>
+            <a:r>
+              <a:rPr lang="en-US" sz="2800" dirty="0" smtClean="0"/>
+              <a:t> </a:t>
+            </a:r>
+            <a:r>
+              <a:rPr lang="en-US" sz="2800" dirty="0" err="1" smtClean="0"/>
+              <a:t>méréshez</a:t>
+            </a:r>
+            <a:r>
+              <a:rPr lang="en-US" sz="2800" dirty="0" smtClean="0"/>
+              <a:t> </a:t>
+            </a:r>
+            <a:r>
+              <a:rPr lang="en-US" sz="2800" dirty="0" err="1" smtClean="0"/>
+              <a:t>megfelelő</a:t>
+            </a:r>
+            <a:r>
+              <a:rPr lang="en-US" sz="2800" dirty="0" smtClean="0"/>
+              <a:t> </a:t>
+            </a:r>
+            <a:r>
+              <a:rPr lang="en-US" sz="2800" dirty="0" err="1" smtClean="0"/>
+              <a:t>architektúra</a:t>
+            </a:r>
+            <a:r>
+              <a:rPr lang="en-US" sz="2800" dirty="0" smtClean="0"/>
+              <a:t> </a:t>
+            </a:r>
+            <a:r>
+              <a:rPr lang="en-US" sz="2800" dirty="0" err="1" smtClean="0"/>
+              <a:t>kell</a:t>
+            </a:r>
+            <a:r>
+              <a:rPr lang="en-US" sz="2800" dirty="0" smtClean="0"/>
+              <a:t>.</a:t>
+            </a:r>
+          </a:p>
+          <a:p>
+            <a:pPr marL="285750" indent="-285750">
+              <a:lnSpc>
+                <a:spcPct val="150000"/>
+              </a:lnSpc>
+              <a:buFont typeface="Arial" panose="020B0604020202020204" pitchFamily="34" charset="0"/>
+              <a:buChar char="•"/>
+            </a:pPr>
+            <a:r>
+              <a:rPr lang="en-US" sz="2800" dirty="0" err="1" smtClean="0"/>
+              <a:t>Kereskedelmi</a:t>
+            </a:r>
+            <a:r>
+              <a:rPr lang="en-US" sz="2800" dirty="0" smtClean="0"/>
+              <a:t> </a:t>
+            </a:r>
+            <a:r>
+              <a:rPr lang="en-US" sz="2800" dirty="0" err="1" smtClean="0"/>
+              <a:t>felhasználás</a:t>
+            </a:r>
+            <a:r>
+              <a:rPr lang="en-US" sz="2800" dirty="0" smtClean="0"/>
+              <a:t> </a:t>
+            </a:r>
+            <a:r>
+              <a:rPr lang="en-US" sz="2800" dirty="0" err="1" smtClean="0"/>
+              <a:t>esetén</a:t>
+            </a:r>
+            <a:r>
+              <a:rPr lang="en-US" sz="2800" dirty="0" smtClean="0"/>
+              <a:t> </a:t>
+            </a:r>
+            <a:r>
+              <a:rPr lang="en-US" sz="2800" dirty="0" err="1" smtClean="0"/>
+              <a:t>javasolt</a:t>
+            </a:r>
+            <a:r>
+              <a:rPr lang="en-US" sz="2800" dirty="0" smtClean="0"/>
+              <a:t> a watch dog timer </a:t>
+            </a:r>
+            <a:r>
+              <a:rPr lang="en-US" sz="2800" dirty="0" err="1" smtClean="0"/>
+              <a:t>használata</a:t>
+            </a:r>
+            <a:r>
+              <a:rPr lang="en-US" sz="2800" dirty="0" smtClean="0"/>
+              <a:t>.</a:t>
+            </a:r>
+          </a:p>
+          <a:p>
+            <a:pPr marL="285750" indent="-285750">
+              <a:lnSpc>
+                <a:spcPct val="150000"/>
+              </a:lnSpc>
+              <a:buFont typeface="Arial" panose="020B0604020202020204" pitchFamily="34" charset="0"/>
+              <a:buChar char="•"/>
+            </a:pPr>
+            <a:endParaRPr lang="en-US" sz="2800" dirty="0" smtClean="0"/>
+          </a:p>
+          <a:p>
+            <a:pPr marL="285750" indent="-285750">
+              <a:lnSpc>
+                <a:spcPct val="150000"/>
+              </a:lnSpc>
+              <a:buFont typeface="Arial" panose="020B0604020202020204" pitchFamily="34" charset="0"/>
+              <a:buChar char="•"/>
+            </a:pPr>
+            <a:endParaRPr lang="en-US" sz="2800" dirty="0" smtClean="0"/>
+          </a:p>
+        </p:txBody>
+      </p:sp>
+    </p:spTree>
+    <p:extLst>
+      <p:ext uri="{BB962C8B-B14F-4D97-AF65-F5344CB8AC3E}">
+        <p14:creationId xmlns:p14="http://schemas.microsoft.com/office/powerpoint/2010/main" val="2116259712"/>
+      </p:ext>
+    </p:extLst>
+  </p:cSld>
+  <p:clrMapOvr>
+    <a:masterClrMapping/>
+  </p:clrMapOvr>
+  <p:timing>
+    <p:tnLst>
+      <p:par>
+        <p:cTn id="1" dur="indefinite" restart="never" nodeType="tmRoot"/>
+      </p:par>
+    </p:tnLst>
+  </p:timing>
 </p:sld>
 </file>
 
@@ -3212,24 +4695,28 @@
           <a:p>
             <a:r>
               <a:rPr lang="en-US" u="sng" dirty="0" err="1" smtClean="0">
-                <a:latin typeface="Arial Rounded MT Bold" panose="020F0704030504030204" pitchFamily="34" charset="0"/>
+                <a:latin typeface="Arial" panose="020B0604020202020204" pitchFamily="34" charset="0"/>
+                <a:cs typeface="Arial" panose="020B0604020202020204" pitchFamily="34" charset="0"/>
               </a:rPr>
               <a:t>Feladat</a:t>
             </a:r>
             <a:r>
               <a:rPr lang="en-US" u="sng" dirty="0" smtClean="0">
-                <a:latin typeface="Arial Rounded MT Bold" panose="020F0704030504030204" pitchFamily="34" charset="0"/>
+                <a:latin typeface="Arial" panose="020B0604020202020204" pitchFamily="34" charset="0"/>
+                <a:cs typeface="Arial" panose="020B0604020202020204" pitchFamily="34" charset="0"/>
               </a:rPr>
               <a:t> </a:t>
             </a:r>
             <a:r>
               <a:rPr lang="en-US" u="sng" dirty="0" err="1" smtClean="0">
-                <a:latin typeface="Arial Rounded MT Bold" panose="020F0704030504030204" pitchFamily="34" charset="0"/>
+                <a:latin typeface="Arial" panose="020B0604020202020204" pitchFamily="34" charset="0"/>
+                <a:cs typeface="Arial" panose="020B0604020202020204" pitchFamily="34" charset="0"/>
               </a:rPr>
               <a:t>bemutatása</a:t>
             </a:r>
             <a:endParaRPr lang="hu-HU" u="sng" dirty="0">
-              <a:latin typeface="Arial Rounded MT Bold" panose="020F0704030504030204" pitchFamily="34" charset="0"/>
+              <a:latin typeface="Arial" panose="020B0604020202020204" pitchFamily="34" charset="0"/>
+              <a:cs typeface="Arial" panose="020B0604020202020204" pitchFamily="34" charset="0"/>
             </a:endParaRPr>
           </a:p>
         </p:txBody>
@@ -3263,54 +4750,77 @@
             </a:pPr>
             <a:r>
               <a:rPr lang="en-US" dirty="0" smtClean="0">
-                <a:latin typeface="Arial Rounded MT Bold" panose="020F0704030504030204" pitchFamily="34" charset="0"/>
+                <a:latin typeface="Arial" panose="020B0604020202020204" pitchFamily="34" charset="0"/>
+                <a:cs typeface="Arial" panose="020B0604020202020204" pitchFamily="34" charset="0"/>
               </a:rPr>
               <a:t>Két </a:t>
             </a:r>
             <a:r>
               <a:rPr lang="en-US" dirty="0" err="1" smtClean="0">
-                <a:latin typeface="Arial Rounded MT Bold" panose="020F0704030504030204" pitchFamily="34" charset="0"/>
+                <a:latin typeface="Arial" panose="020B0604020202020204" pitchFamily="34" charset="0"/>
+                <a:cs typeface="Arial" panose="020B0604020202020204" pitchFamily="34" charset="0"/>
               </a:rPr>
               <a:t>modulból</a:t>
             </a:r>
             <a:r>
               <a:rPr lang="en-US" dirty="0" smtClean="0">
-                <a:latin typeface="Arial Rounded MT Bold" panose="020F0704030504030204" pitchFamily="34" charset="0"/>
+                <a:latin typeface="Arial" panose="020B0604020202020204" pitchFamily="34" charset="0"/>
+                <a:cs typeface="Arial" panose="020B0604020202020204" pitchFamily="34" charset="0"/>
               </a:rPr>
               <a:t> </a:t>
             </a:r>
             <a:r>
               <a:rPr lang="en-US" dirty="0" err="1" smtClean="0">
-                <a:latin typeface="Arial Rounded MT Bold" panose="020F0704030504030204" pitchFamily="34" charset="0"/>
+                <a:latin typeface="Arial" panose="020B0604020202020204" pitchFamily="34" charset="0"/>
+                <a:cs typeface="Arial" panose="020B0604020202020204" pitchFamily="34" charset="0"/>
               </a:rPr>
               <a:t>álló</a:t>
             </a:r>
             <a:r>
               <a:rPr lang="en-US" dirty="0" smtClean="0">
-                <a:latin typeface="Arial Rounded MT Bold" panose="020F0704030504030204" pitchFamily="34" charset="0"/>
+                <a:latin typeface="Arial" panose="020B0604020202020204" pitchFamily="34" charset="0"/>
+                <a:cs typeface="Arial" panose="020B0604020202020204" pitchFamily="34" charset="0"/>
               </a:rPr>
               <a:t> </a:t>
             </a:r>
             <a:r>
               <a:rPr lang="en-US" dirty="0" err="1" smtClean="0">
-                <a:latin typeface="Arial Rounded MT Bold" panose="020F0704030504030204" pitchFamily="34" charset="0"/>
+                <a:latin typeface="Arial" panose="020B0604020202020204" pitchFamily="34" charset="0"/>
+                <a:cs typeface="Arial" panose="020B0604020202020204" pitchFamily="34" charset="0"/>
+              </a:rPr>
+              <a:t>hőmérő</a:t>
+            </a:r>
+            <a:r>
+              <a:rPr lang="en-US" dirty="0" smtClean="0">
+                <a:latin typeface="Arial" panose="020B0604020202020204" pitchFamily="34" charset="0"/>
+                <a:cs typeface="Arial" panose="020B0604020202020204" pitchFamily="34" charset="0"/>
+              </a:rPr>
+              <a:t> </a:t>
+            </a:r>
+            <a:r>
+              <a:rPr lang="en-US" dirty="0" err="1" smtClean="0">
+                <a:latin typeface="Arial" panose="020B0604020202020204" pitchFamily="34" charset="0"/>
+                <a:cs typeface="Arial" panose="020B0604020202020204" pitchFamily="34" charset="0"/>
               </a:rPr>
               <a:t>rendszer</a:t>
             </a:r>
             <a:r>
               <a:rPr lang="en-US" dirty="0" smtClean="0">
-                <a:latin typeface="Arial Rounded MT Bold" panose="020F0704030504030204" pitchFamily="34" charset="0"/>
+                <a:latin typeface="Arial" panose="020B0604020202020204" pitchFamily="34" charset="0"/>
+                <a:cs typeface="Arial" panose="020B0604020202020204" pitchFamily="34" charset="0"/>
               </a:rPr>
               <a:t> </a:t>
             </a:r>
             <a:r>
               <a:rPr lang="en-US" dirty="0" err="1" smtClean="0">
-                <a:latin typeface="Arial Rounded MT Bold" panose="020F0704030504030204" pitchFamily="34" charset="0"/>
+                <a:latin typeface="Arial" panose="020B0604020202020204" pitchFamily="34" charset="0"/>
+                <a:cs typeface="Arial" panose="020B0604020202020204" pitchFamily="34" charset="0"/>
               </a:rPr>
               <a:t>fejlesztése</a:t>
             </a:r>
             <a:endParaRPr lang="en-US" dirty="0" smtClean="0">
-              <a:latin typeface="Arial Rounded MT Bold" panose="020F0704030504030204" pitchFamily="34" charset="0"/>
+              <a:latin typeface="Arial" panose="020B0604020202020204" pitchFamily="34" charset="0"/>
+              <a:cs typeface="Arial" panose="020B0604020202020204" pitchFamily="34" charset="0"/>
             </a:endParaRPr>
           </a:p>
           <a:p>
@@ -3321,43 +4831,50 @@
             </a:pPr>
             <a:r>
               <a:rPr lang="en-US" dirty="0" smtClean="0">
-                <a:latin typeface="Arial Rounded MT Bold" panose="020F0704030504030204" pitchFamily="34" charset="0"/>
+                <a:latin typeface="Arial" panose="020B0604020202020204" pitchFamily="34" charset="0"/>
+                <a:cs typeface="Arial" panose="020B0604020202020204" pitchFamily="34" charset="0"/>
               </a:rPr>
               <a:t>A </a:t>
             </a:r>
             <a:r>
               <a:rPr lang="en-US" dirty="0" err="1" smtClean="0">
-                <a:latin typeface="Arial Rounded MT Bold" panose="020F0704030504030204" pitchFamily="34" charset="0"/>
+                <a:latin typeface="Arial" panose="020B0604020202020204" pitchFamily="34" charset="0"/>
+                <a:cs typeface="Arial" panose="020B0604020202020204" pitchFamily="34" charset="0"/>
               </a:rPr>
               <a:t>modulok</a:t>
             </a:r>
             <a:r>
               <a:rPr lang="en-US" dirty="0" smtClean="0">
-                <a:latin typeface="Arial Rounded MT Bold" panose="020F0704030504030204" pitchFamily="34" charset="0"/>
+                <a:latin typeface="Arial" panose="020B0604020202020204" pitchFamily="34" charset="0"/>
+                <a:cs typeface="Arial" panose="020B0604020202020204" pitchFamily="34" charset="0"/>
               </a:rPr>
               <a:t> </a:t>
             </a:r>
             <a:r>
               <a:rPr lang="en-US" dirty="0" err="1" smtClean="0">
-                <a:latin typeface="Arial Rounded MT Bold" panose="020F0704030504030204" pitchFamily="34" charset="0"/>
+                <a:latin typeface="Arial" panose="020B0604020202020204" pitchFamily="34" charset="0"/>
+                <a:cs typeface="Arial" panose="020B0604020202020204" pitchFamily="34" charset="0"/>
               </a:rPr>
               <a:t>közti</a:t>
             </a:r>
             <a:r>
               <a:rPr lang="en-US" dirty="0" smtClean="0">
-                <a:latin typeface="Arial Rounded MT Bold" panose="020F0704030504030204" pitchFamily="34" charset="0"/>
+                <a:latin typeface="Arial" panose="020B0604020202020204" pitchFamily="34" charset="0"/>
+                <a:cs typeface="Arial" panose="020B0604020202020204" pitchFamily="34" charset="0"/>
               </a:rPr>
               <a:t> </a:t>
             </a:r>
             <a:r>
               <a:rPr lang="en-US" dirty="0" err="1" smtClean="0">
-                <a:latin typeface="Arial Rounded MT Bold" panose="020F0704030504030204" pitchFamily="34" charset="0"/>
+                <a:latin typeface="Arial" panose="020B0604020202020204" pitchFamily="34" charset="0"/>
+                <a:cs typeface="Arial" panose="020B0604020202020204" pitchFamily="34" charset="0"/>
               </a:rPr>
               <a:t>kommunikáció</a:t>
             </a:r>
             <a:r>
               <a:rPr lang="en-US" dirty="0" smtClean="0">
-                <a:latin typeface="Arial Rounded MT Bold" panose="020F0704030504030204" pitchFamily="34" charset="0"/>
+                <a:latin typeface="Arial" panose="020B0604020202020204" pitchFamily="34" charset="0"/>
+                <a:cs typeface="Arial" panose="020B0604020202020204" pitchFamily="34" charset="0"/>
               </a:rPr>
               <a:t> Bluetooth-on</a:t>
             </a:r>
@@ -3370,36 +4887,42 @@
             </a:pPr>
             <a:r>
               <a:rPr lang="en-US" dirty="0" err="1" smtClean="0">
-                <a:latin typeface="Arial Rounded MT Bold" panose="020F0704030504030204" pitchFamily="34" charset="0"/>
+                <a:latin typeface="Arial" panose="020B0604020202020204" pitchFamily="34" charset="0"/>
+                <a:cs typeface="Arial" panose="020B0604020202020204" pitchFamily="34" charset="0"/>
               </a:rPr>
               <a:t>Nagyobbik</a:t>
             </a:r>
             <a:r>
               <a:rPr lang="en-US" dirty="0" smtClean="0">
-                <a:latin typeface="Arial Rounded MT Bold" panose="020F0704030504030204" pitchFamily="34" charset="0"/>
+                <a:latin typeface="Arial" panose="020B0604020202020204" pitchFamily="34" charset="0"/>
+                <a:cs typeface="Arial" panose="020B0604020202020204" pitchFamily="34" charset="0"/>
               </a:rPr>
               <a:t> </a:t>
             </a:r>
             <a:r>
               <a:rPr lang="en-US" dirty="0" err="1" smtClean="0">
-                <a:latin typeface="Arial Rounded MT Bold" panose="020F0704030504030204" pitchFamily="34" charset="0"/>
+                <a:latin typeface="Arial" panose="020B0604020202020204" pitchFamily="34" charset="0"/>
+                <a:cs typeface="Arial" panose="020B0604020202020204" pitchFamily="34" charset="0"/>
               </a:rPr>
               <a:t>modult</a:t>
             </a:r>
             <a:r>
               <a:rPr lang="en-US" dirty="0" smtClean="0">
-                <a:latin typeface="Arial Rounded MT Bold" panose="020F0704030504030204" pitchFamily="34" charset="0"/>
+                <a:latin typeface="Arial" panose="020B0604020202020204" pitchFamily="34" charset="0"/>
+                <a:cs typeface="Arial" panose="020B0604020202020204" pitchFamily="34" charset="0"/>
               </a:rPr>
               <a:t> discovery kit </a:t>
             </a:r>
             <a:r>
               <a:rPr lang="en-US" dirty="0" err="1" smtClean="0">
-                <a:latin typeface="Arial Rounded MT Bold" panose="020F0704030504030204" pitchFamily="34" charset="0"/>
-              </a:rPr>
-              <a:t>vezétkli</a:t>
+                <a:latin typeface="Arial" panose="020B0604020202020204" pitchFamily="34" charset="0"/>
+                <a:cs typeface="Arial" panose="020B0604020202020204" pitchFamily="34" charset="0"/>
+              </a:rPr>
+              <a:t>vezérli</a:t>
             </a:r>
             <a:endParaRPr lang="en-US" dirty="0" smtClean="0">
-              <a:latin typeface="Arial Rounded MT Bold" panose="020F0704030504030204" pitchFamily="34" charset="0"/>
+              <a:latin typeface="Arial" panose="020B0604020202020204" pitchFamily="34" charset="0"/>
+              <a:cs typeface="Arial" panose="020B0604020202020204" pitchFamily="34" charset="0"/>
             </a:endParaRPr>
           </a:p>
           <a:p>
@@ -3410,60 +4933,70 @@
             </a:pPr>
             <a:r>
               <a:rPr lang="en-US" dirty="0" err="1" smtClean="0">
-                <a:latin typeface="Arial Rounded MT Bold" panose="020F0704030504030204" pitchFamily="34" charset="0"/>
+                <a:latin typeface="Arial" panose="020B0604020202020204" pitchFamily="34" charset="0"/>
+                <a:cs typeface="Arial" panose="020B0604020202020204" pitchFamily="34" charset="0"/>
               </a:rPr>
               <a:t>Kisebbik</a:t>
             </a:r>
             <a:r>
               <a:rPr lang="en-US" dirty="0" smtClean="0">
-                <a:latin typeface="Arial Rounded MT Bold" panose="020F0704030504030204" pitchFamily="34" charset="0"/>
+                <a:latin typeface="Arial" panose="020B0604020202020204" pitchFamily="34" charset="0"/>
+                <a:cs typeface="Arial" panose="020B0604020202020204" pitchFamily="34" charset="0"/>
               </a:rPr>
               <a:t> </a:t>
             </a:r>
             <a:r>
               <a:rPr lang="en-US" dirty="0" err="1" smtClean="0">
-                <a:latin typeface="Arial Rounded MT Bold" panose="020F0704030504030204" pitchFamily="34" charset="0"/>
+                <a:latin typeface="Arial" panose="020B0604020202020204" pitchFamily="34" charset="0"/>
+                <a:cs typeface="Arial" panose="020B0604020202020204" pitchFamily="34" charset="0"/>
               </a:rPr>
               <a:t>modul</a:t>
             </a:r>
             <a:r>
               <a:rPr lang="en-US" dirty="0" smtClean="0">
-                <a:latin typeface="Arial Rounded MT Bold" panose="020F0704030504030204" pitchFamily="34" charset="0"/>
+                <a:latin typeface="Arial" panose="020B0604020202020204" pitchFamily="34" charset="0"/>
+                <a:cs typeface="Arial" panose="020B0604020202020204" pitchFamily="34" charset="0"/>
               </a:rPr>
               <a:t> </a:t>
             </a:r>
             <a:r>
               <a:rPr lang="en-US" dirty="0" err="1" smtClean="0">
-                <a:latin typeface="Arial Rounded MT Bold" panose="020F0704030504030204" pitchFamily="34" charset="0"/>
+                <a:latin typeface="Arial" panose="020B0604020202020204" pitchFamily="34" charset="0"/>
+                <a:cs typeface="Arial" panose="020B0604020202020204" pitchFamily="34" charset="0"/>
               </a:rPr>
               <a:t>gomb</a:t>
             </a:r>
             <a:r>
               <a:rPr lang="en-US" dirty="0" smtClean="0">
-                <a:latin typeface="Arial Rounded MT Bold" panose="020F0704030504030204" pitchFamily="34" charset="0"/>
+                <a:latin typeface="Arial" panose="020B0604020202020204" pitchFamily="34" charset="0"/>
+                <a:cs typeface="Arial" panose="020B0604020202020204" pitchFamily="34" charset="0"/>
               </a:rPr>
               <a:t> </a:t>
             </a:r>
             <a:r>
               <a:rPr lang="en-US" dirty="0" err="1" smtClean="0">
-                <a:latin typeface="Arial Rounded MT Bold" panose="020F0704030504030204" pitchFamily="34" charset="0"/>
+                <a:latin typeface="Arial" panose="020B0604020202020204" pitchFamily="34" charset="0"/>
+                <a:cs typeface="Arial" panose="020B0604020202020204" pitchFamily="34" charset="0"/>
               </a:rPr>
               <a:t>elemről</a:t>
             </a:r>
             <a:r>
               <a:rPr lang="en-US" dirty="0" smtClean="0">
-                <a:latin typeface="Arial Rounded MT Bold" panose="020F0704030504030204" pitchFamily="34" charset="0"/>
+                <a:latin typeface="Arial" panose="020B0604020202020204" pitchFamily="34" charset="0"/>
+                <a:cs typeface="Arial" panose="020B0604020202020204" pitchFamily="34" charset="0"/>
               </a:rPr>
               <a:t> </a:t>
             </a:r>
             <a:r>
               <a:rPr lang="en-US" dirty="0" err="1" smtClean="0">
-                <a:latin typeface="Arial Rounded MT Bold" panose="020F0704030504030204" pitchFamily="34" charset="0"/>
+                <a:latin typeface="Arial" panose="020B0604020202020204" pitchFamily="34" charset="0"/>
+                <a:cs typeface="Arial" panose="020B0604020202020204" pitchFamily="34" charset="0"/>
               </a:rPr>
               <a:t>működik</a:t>
             </a:r>
             <a:endParaRPr lang="en-US" dirty="0" smtClean="0">
-              <a:latin typeface="Arial Rounded MT Bold" panose="020F0704030504030204" pitchFamily="34" charset="0"/>
+              <a:latin typeface="Arial" panose="020B0604020202020204" pitchFamily="34" charset="0"/>
+              <a:cs typeface="Arial" panose="020B0604020202020204" pitchFamily="34" charset="0"/>
             </a:endParaRPr>
           </a:p>
           <a:p>
@@ -3481,6 +5014,13 @@
   <p:clrMapOvr>
     <a:masterClrMapping/>
   </p:clrMapOvr>
+  <p:timing>
+    <p:tnLst>
+      <p:par>
+        <p:cTn id="1" dur="indefinite" restart="never" nodeType="tmRoot"/>
+      </p:par>
+    </p:tnLst>
+  </p:timing>
 </p:sld>
 </file>
 
@@ -3517,37 +5057,43 @@
           <a:lstStyle/>
           <a:p>
             <a:r>
-              <a:rPr lang="en-US" dirty="0" err="1" smtClean="0">
-                <a:latin typeface="Arial Rounded MT Bold" panose="020F0704030504030204" pitchFamily="34" charset="0"/>
+              <a:rPr lang="en-US" u="sng" dirty="0" err="1" smtClean="0">
+                <a:latin typeface="Arial" panose="020B0604020202020204" pitchFamily="34" charset="0"/>
+                <a:cs typeface="Arial" panose="020B0604020202020204" pitchFamily="34" charset="0"/>
               </a:rPr>
               <a:t>Belső</a:t>
             </a:r>
             <a:r>
-              <a:rPr lang="en-US" dirty="0" smtClean="0">
-                <a:latin typeface="Arial Rounded MT Bold" panose="020F0704030504030204" pitchFamily="34" charset="0"/>
-              </a:rPr>
-              <a:t> </a:t>
-            </a:r>
-            <a:r>
-              <a:rPr lang="en-US" dirty="0" err="1" smtClean="0">
-                <a:latin typeface="Arial Rounded MT Bold" panose="020F0704030504030204" pitchFamily="34" charset="0"/>
+              <a:rPr lang="en-US" u="sng" dirty="0" smtClean="0">
+                <a:latin typeface="Arial" panose="020B0604020202020204" pitchFamily="34" charset="0"/>
+                <a:cs typeface="Arial" panose="020B0604020202020204" pitchFamily="34" charset="0"/>
+              </a:rPr>
+              <a:t> </a:t>
+            </a:r>
+            <a:r>
+              <a:rPr lang="en-US" u="sng" dirty="0" err="1" smtClean="0">
+                <a:latin typeface="Arial" panose="020B0604020202020204" pitchFamily="34" charset="0"/>
+                <a:cs typeface="Arial" panose="020B0604020202020204" pitchFamily="34" charset="0"/>
               </a:rPr>
               <a:t>modul</a:t>
             </a:r>
             <a:r>
-              <a:rPr lang="en-US" dirty="0" smtClean="0">
-                <a:latin typeface="Arial Rounded MT Bold" panose="020F0704030504030204" pitchFamily="34" charset="0"/>
+              <a:rPr lang="en-US" u="sng" dirty="0" smtClean="0">
+                <a:latin typeface="Arial" panose="020B0604020202020204" pitchFamily="34" charset="0"/>
+                <a:cs typeface="Arial" panose="020B0604020202020204" pitchFamily="34" charset="0"/>
               </a:rPr>
               <a:t> hardware </a:t>
             </a:r>
             <a:r>
-              <a:rPr lang="en-US" dirty="0" err="1" smtClean="0">
-                <a:latin typeface="Arial Rounded MT Bold" panose="020F0704030504030204" pitchFamily="34" charset="0"/>
-              </a:rPr>
-              <a:t>tervezése</a:t>
-            </a:r>
-            <a:endParaRPr lang="hu-HU" dirty="0">
-              <a:latin typeface="Arial Rounded MT Bold" panose="020F0704030504030204" pitchFamily="34" charset="0"/>
+              <a:rPr lang="en-US" u="sng" dirty="0" err="1" smtClean="0">
+                <a:latin typeface="Arial" panose="020B0604020202020204" pitchFamily="34" charset="0"/>
+                <a:cs typeface="Arial" panose="020B0604020202020204" pitchFamily="34" charset="0"/>
+              </a:rPr>
+              <a:t>elemei</a:t>
+            </a:r>
+            <a:endParaRPr lang="hu-HU" u="sng" dirty="0">
+              <a:latin typeface="Arial" panose="020B0604020202020204" pitchFamily="34" charset="0"/>
+              <a:cs typeface="Arial" panose="020B0604020202020204" pitchFamily="34" charset="0"/>
             </a:endParaRPr>
           </a:p>
         </p:txBody>
@@ -3756,12 +5302,12 @@
               <a:t> </a:t>
             </a:r>
             <a:r>
-              <a:rPr lang="en-US" dirty="0" err="1" smtClean="0"/>
-              <a:t>az</a:t>
-            </a:r>
-            <a:r>
               <a:rPr lang="en-US" dirty="0" smtClean="0"/>
-              <a:t> discovery </a:t>
+              <a:t>a </a:t>
+            </a:r>
+            <a:r>
+              <a:rPr lang="en-US" dirty="0" smtClean="0"/>
+              <a:t>discovery </a:t>
             </a:r>
             <a:r>
               <a:rPr lang="en-US" dirty="0" err="1" smtClean="0"/>
@@ -3888,6 +5434,13 @@
   <p:clrMapOvr>
     <a:masterClrMapping/>
   </p:clrMapOvr>
+  <p:timing>
+    <p:tnLst>
+      <p:par>
+        <p:cTn id="1" dur="indefinite" restart="never" nodeType="tmRoot"/>
+      </p:par>
+    </p:tnLst>
+  </p:timing>
 </p:sld>
 </file>
 
@@ -3908,366 +5461,47 @@
           <a:chExt cx="0" cy="0"/>
         </a:xfrm>
       </p:grpSpPr>
-      <p:sp>
-        <p:nvSpPr>
-          <p:cNvPr id="2" name="Title 1"/>
-          <p:cNvSpPr>
-            <a:spLocks noGrp="1"/>
-          </p:cNvSpPr>
-          <p:nvPr>
-            <p:ph type="title"/>
-          </p:nvPr>
-        </p:nvSpPr>
-        <p:spPr/>
-        <p:txBody>
-          <a:bodyPr/>
-          <a:lstStyle/>
-          <a:p>
-            <a:r>
-              <a:rPr lang="en-US" dirty="0" err="1" smtClean="0">
-                <a:latin typeface="Arial Rounded MT Bold" panose="020F0704030504030204" pitchFamily="34" charset="0"/>
-              </a:rPr>
-              <a:t>Külső</a:t>
-            </a:r>
-            <a:r>
-              <a:rPr lang="en-US" dirty="0" smtClean="0">
-                <a:latin typeface="Arial Rounded MT Bold" panose="020F0704030504030204" pitchFamily="34" charset="0"/>
-              </a:rPr>
-              <a:t> </a:t>
-            </a:r>
-            <a:r>
-              <a:rPr lang="en-US" dirty="0" err="1" smtClean="0">
-                <a:latin typeface="Arial Rounded MT Bold" panose="020F0704030504030204" pitchFamily="34" charset="0"/>
-              </a:rPr>
-              <a:t>modul</a:t>
-            </a:r>
-            <a:r>
-              <a:rPr lang="en-US" dirty="0" smtClean="0">
-                <a:latin typeface="Arial Rounded MT Bold" panose="020F0704030504030204" pitchFamily="34" charset="0"/>
-              </a:rPr>
-              <a:t> hardware </a:t>
-            </a:r>
-            <a:r>
-              <a:rPr lang="en-US" dirty="0" err="1" smtClean="0">
-                <a:latin typeface="Arial Rounded MT Bold" panose="020F0704030504030204" pitchFamily="34" charset="0"/>
-              </a:rPr>
-              <a:t>tervezése</a:t>
-            </a:r>
-            <a:endParaRPr lang="hu-HU" dirty="0">
-              <a:latin typeface="Arial Rounded MT Bold" panose="020F0704030504030204" pitchFamily="34" charset="0"/>
-            </a:endParaRPr>
-          </a:p>
-        </p:txBody>
-      </p:sp>
-      <p:sp>
-        <p:nvSpPr>
-          <p:cNvPr id="3" name="Subtitle 2"/>
-          <p:cNvSpPr txBox="1">
-            <a:spLocks/>
-          </p:cNvSpPr>
+      <p:pic>
+        <p:nvPicPr>
+          <p:cNvPr id="3" name="Picture 2"/>
+          <p:cNvPicPr>
+            <a:picLocks noChangeAspect="1"/>
+          </p:cNvPicPr>
           <p:nvPr/>
-        </p:nvSpPr>
+        </p:nvPicPr>
+        <p:blipFill>
+          <a:blip r:embed="rId2"/>
+          <a:stretch>
+            <a:fillRect/>
+          </a:stretch>
+        </p:blipFill>
         <p:spPr>
           <a:xfrm>
-            <a:off x="1031846" y="1857080"/>
-            <a:ext cx="9636154" cy="4377465"/>
+            <a:off x="1126067" y="268957"/>
+            <a:ext cx="9737724" cy="6320226"/>
           </a:xfrm>
           <a:prstGeom prst="rect">
             <a:avLst/>
           </a:prstGeom>
         </p:spPr>
-        <p:txBody>
-          <a:bodyPr vert="horz" wrap="square" lIns="91440" tIns="0" rIns="91440" bIns="0" rtlCol="0" anchor="ctr" anchorCtr="0">
-            <a:normAutofit/>
-          </a:bodyPr>
-          <a:lstStyle>
-            <a:lvl1pPr marL="228600" indent="-228600" algn="l" defTabSz="914400" rtl="0" eaLnBrk="1" latinLnBrk="0" hangingPunct="1">
-              <a:lnSpc>
-                <a:spcPct val="90000"/>
-              </a:lnSpc>
-              <a:spcBef>
-                <a:spcPts val="1000"/>
-              </a:spcBef>
-              <a:buFont typeface="Arial" panose="020B0604020202020204" pitchFamily="34" charset="0"/>
-              <a:buChar char="•"/>
-              <a:defRPr sz="2800" kern="1200">
-                <a:solidFill>
-                  <a:schemeClr val="tx1"/>
-                </a:solidFill>
-                <a:latin typeface="+mn-lt"/>
-                <a:ea typeface="+mn-ea"/>
-                <a:cs typeface="+mn-cs"/>
-              </a:defRPr>
-            </a:lvl1pPr>
-            <a:lvl2pPr marL="685800" indent="-228600" algn="l" defTabSz="914400" rtl="0" eaLnBrk="1" latinLnBrk="0" hangingPunct="1">
-              <a:lnSpc>
-                <a:spcPct val="90000"/>
-              </a:lnSpc>
-              <a:spcBef>
-                <a:spcPts val="500"/>
-              </a:spcBef>
-              <a:buFont typeface="Arial" panose="020B0604020202020204" pitchFamily="34" charset="0"/>
-              <a:buChar char="•"/>
-              <a:defRPr sz="2400" kern="1200">
-                <a:solidFill>
-                  <a:schemeClr val="tx1"/>
-                </a:solidFill>
-                <a:latin typeface="+mn-lt"/>
-                <a:ea typeface="+mn-ea"/>
-                <a:cs typeface="+mn-cs"/>
-              </a:defRPr>
-            </a:lvl2pPr>
-            <a:lvl3pPr marL="1143000" indent="-228600" algn="l" defTabSz="914400" rtl="0" eaLnBrk="1" latinLnBrk="0" hangingPunct="1">
-              <a:lnSpc>
-                <a:spcPct val="90000"/>
-              </a:lnSpc>
-              <a:spcBef>
-                <a:spcPts val="500"/>
-              </a:spcBef>
-              <a:buFont typeface="Arial" panose="020B0604020202020204" pitchFamily="34" charset="0"/>
-              <a:buChar char="•"/>
-              <a:defRPr sz="2000" kern="1200">
-                <a:solidFill>
-                  <a:schemeClr val="tx1"/>
-                </a:solidFill>
-                <a:latin typeface="+mn-lt"/>
-                <a:ea typeface="+mn-ea"/>
-                <a:cs typeface="+mn-cs"/>
-              </a:defRPr>
-            </a:lvl3pPr>
-            <a:lvl4pPr marL="1600200" indent="-228600" algn="l" defTabSz="914400" rtl="0" eaLnBrk="1" latinLnBrk="0" hangingPunct="1">
-              <a:lnSpc>
-                <a:spcPct val="90000"/>
-              </a:lnSpc>
-              <a:spcBef>
-                <a:spcPts val="500"/>
-              </a:spcBef>
-              <a:buFont typeface="Arial" panose="020B0604020202020204" pitchFamily="34" charset="0"/>
-              <a:buChar char="•"/>
-              <a:defRPr sz="1800" kern="1200">
-                <a:solidFill>
-                  <a:schemeClr val="tx1"/>
-                </a:solidFill>
-                <a:latin typeface="+mn-lt"/>
-                <a:ea typeface="+mn-ea"/>
-                <a:cs typeface="+mn-cs"/>
-              </a:defRPr>
-            </a:lvl4pPr>
-            <a:lvl5pPr marL="2057400" indent="-228600" algn="l" defTabSz="914400" rtl="0" eaLnBrk="1" latinLnBrk="0" hangingPunct="1">
-              <a:lnSpc>
-                <a:spcPct val="90000"/>
-              </a:lnSpc>
-              <a:spcBef>
-                <a:spcPts val="500"/>
-              </a:spcBef>
-              <a:buFont typeface="Arial" panose="020B0604020202020204" pitchFamily="34" charset="0"/>
-              <a:buChar char="•"/>
-              <a:defRPr sz="1800" kern="1200">
-                <a:solidFill>
-                  <a:schemeClr val="tx1"/>
-                </a:solidFill>
-                <a:latin typeface="+mn-lt"/>
-                <a:ea typeface="+mn-ea"/>
-                <a:cs typeface="+mn-cs"/>
-              </a:defRPr>
-            </a:lvl5pPr>
-            <a:lvl6pPr marL="2514600" indent="-228600" algn="l" defTabSz="914400" rtl="0" eaLnBrk="1" latinLnBrk="0" hangingPunct="1">
-              <a:lnSpc>
-                <a:spcPct val="90000"/>
-              </a:lnSpc>
-              <a:spcBef>
-                <a:spcPts val="500"/>
-              </a:spcBef>
-              <a:buFont typeface="Arial" panose="020B0604020202020204" pitchFamily="34" charset="0"/>
-              <a:buChar char="•"/>
-              <a:defRPr sz="1800" kern="1200">
-                <a:solidFill>
-                  <a:schemeClr val="tx1"/>
-                </a:solidFill>
-                <a:latin typeface="+mn-lt"/>
-                <a:ea typeface="+mn-ea"/>
-                <a:cs typeface="+mn-cs"/>
-              </a:defRPr>
-            </a:lvl6pPr>
-            <a:lvl7pPr marL="2971800" indent="-228600" algn="l" defTabSz="914400" rtl="0" eaLnBrk="1" latinLnBrk="0" hangingPunct="1">
-              <a:lnSpc>
-                <a:spcPct val="90000"/>
-              </a:lnSpc>
-              <a:spcBef>
-                <a:spcPts val="500"/>
-              </a:spcBef>
-              <a:buFont typeface="Arial" panose="020B0604020202020204" pitchFamily="34" charset="0"/>
-              <a:buChar char="•"/>
-              <a:defRPr sz="1800" kern="1200">
-                <a:solidFill>
-                  <a:schemeClr val="tx1"/>
-                </a:solidFill>
-                <a:latin typeface="+mn-lt"/>
-                <a:ea typeface="+mn-ea"/>
-                <a:cs typeface="+mn-cs"/>
-              </a:defRPr>
-            </a:lvl7pPr>
-            <a:lvl8pPr marL="3429000" indent="-228600" algn="l" defTabSz="914400" rtl="0" eaLnBrk="1" latinLnBrk="0" hangingPunct="1">
-              <a:lnSpc>
-                <a:spcPct val="90000"/>
-              </a:lnSpc>
-              <a:spcBef>
-                <a:spcPts val="500"/>
-              </a:spcBef>
-              <a:buFont typeface="Arial" panose="020B0604020202020204" pitchFamily="34" charset="0"/>
-              <a:buChar char="•"/>
-              <a:defRPr sz="1800" kern="1200">
-                <a:solidFill>
-                  <a:schemeClr val="tx1"/>
-                </a:solidFill>
-                <a:latin typeface="+mn-lt"/>
-                <a:ea typeface="+mn-ea"/>
-                <a:cs typeface="+mn-cs"/>
-              </a:defRPr>
-            </a:lvl8pPr>
-            <a:lvl9pPr marL="3886200" indent="-228600" algn="l" defTabSz="914400" rtl="0" eaLnBrk="1" latinLnBrk="0" hangingPunct="1">
-              <a:lnSpc>
-                <a:spcPct val="90000"/>
-              </a:lnSpc>
-              <a:spcBef>
-                <a:spcPts val="500"/>
-              </a:spcBef>
-              <a:buFont typeface="Arial" panose="020B0604020202020204" pitchFamily="34" charset="0"/>
-              <a:buChar char="•"/>
-              <a:defRPr sz="1800" kern="1200">
-                <a:solidFill>
-                  <a:schemeClr val="tx1"/>
-                </a:solidFill>
-                <a:latin typeface="+mn-lt"/>
-                <a:ea typeface="+mn-ea"/>
-                <a:cs typeface="+mn-cs"/>
-              </a:defRPr>
-            </a:lvl9pPr>
-          </a:lstStyle>
-          <a:p>
-            <a:pPr>
-              <a:lnSpc>
-                <a:spcPct val="150000"/>
-              </a:lnSpc>
-            </a:pPr>
-            <a:r>
-              <a:rPr lang="en-US" dirty="0" smtClean="0"/>
-              <a:t>STM32L0 </a:t>
-            </a:r>
-            <a:r>
-              <a:rPr lang="en-US" dirty="0" err="1" smtClean="0"/>
-              <a:t>mikrokontroller</a:t>
-            </a:r>
-            <a:r>
-              <a:rPr lang="en-US" dirty="0" smtClean="0"/>
-              <a:t>, </a:t>
-            </a:r>
-            <a:r>
-              <a:rPr lang="en-US" dirty="0" err="1" smtClean="0"/>
-              <a:t>kis</a:t>
-            </a:r>
-            <a:r>
-              <a:rPr lang="en-US" dirty="0" smtClean="0"/>
-              <a:t> </a:t>
-            </a:r>
-            <a:r>
-              <a:rPr lang="en-US" dirty="0" err="1" smtClean="0"/>
-              <a:t>fogyasztás</a:t>
-            </a:r>
-            <a:endParaRPr lang="en-US" dirty="0" smtClean="0"/>
-          </a:p>
-          <a:p>
-            <a:pPr>
-              <a:lnSpc>
-                <a:spcPct val="150000"/>
-              </a:lnSpc>
-            </a:pPr>
-            <a:r>
-              <a:rPr lang="en-US" dirty="0" smtClean="0"/>
-              <a:t>Cortex M0 –</a:t>
-            </a:r>
-            <a:r>
-              <a:rPr lang="en-US" dirty="0" err="1" smtClean="0"/>
-              <a:t>ás</a:t>
-            </a:r>
-            <a:r>
-              <a:rPr lang="en-US" dirty="0" smtClean="0"/>
-              <a:t> </a:t>
-            </a:r>
-            <a:r>
-              <a:rPr lang="en-US" dirty="0" err="1" smtClean="0"/>
-              <a:t>mikrokontroller</a:t>
-            </a:r>
-            <a:endParaRPr lang="en-US" dirty="0" smtClean="0"/>
-          </a:p>
-          <a:p>
-            <a:pPr>
-              <a:lnSpc>
-                <a:spcPct val="150000"/>
-              </a:lnSpc>
-            </a:pPr>
-            <a:r>
-              <a:rPr lang="en-US" dirty="0" err="1" smtClean="0"/>
-              <a:t>Külső</a:t>
-            </a:r>
-            <a:r>
-              <a:rPr lang="en-US" dirty="0" smtClean="0"/>
-              <a:t> 8MHz-es </a:t>
-            </a:r>
-            <a:r>
-              <a:rPr lang="en-US" dirty="0" err="1" smtClean="0"/>
-              <a:t>oszcillátor</a:t>
-            </a:r>
-            <a:endParaRPr lang="en-US" dirty="0" smtClean="0"/>
-          </a:p>
-          <a:p>
-            <a:pPr>
-              <a:lnSpc>
-                <a:spcPct val="150000"/>
-              </a:lnSpc>
-            </a:pPr>
-            <a:r>
-              <a:rPr lang="en-US" dirty="0" smtClean="0"/>
-              <a:t>LM75 digitalis </a:t>
-            </a:r>
-            <a:r>
-              <a:rPr lang="en-US" dirty="0" err="1" smtClean="0"/>
-              <a:t>hőmérő</a:t>
-            </a:r>
-            <a:r>
-              <a:rPr lang="en-US" dirty="0" smtClean="0"/>
-              <a:t> I2C </a:t>
-            </a:r>
-            <a:r>
-              <a:rPr lang="en-US" dirty="0" err="1" smtClean="0"/>
-              <a:t>vonalon</a:t>
-            </a:r>
-            <a:endParaRPr lang="en-US" dirty="0" smtClean="0"/>
-          </a:p>
-          <a:p>
-            <a:pPr>
-              <a:lnSpc>
-                <a:spcPct val="150000"/>
-              </a:lnSpc>
-            </a:pPr>
-            <a:r>
-              <a:rPr lang="en-US" dirty="0" smtClean="0"/>
-              <a:t>RN4020 Bluetooth LE UART-on</a:t>
-            </a:r>
-            <a:endParaRPr lang="en-US" dirty="0"/>
-          </a:p>
-        </p:txBody>
-      </p:sp>
+      </p:pic>
     </p:spTree>
     <p:extLst>
       <p:ext uri="{BB962C8B-B14F-4D97-AF65-F5344CB8AC3E}">
-        <p14:creationId xmlns:p14="http://schemas.microsoft.com/office/powerpoint/2010/main" val="901145703"/>
+        <p14:creationId xmlns:p14="http://schemas.microsoft.com/office/powerpoint/2010/main" val="1173192252"/>
       </p:ext>
     </p:extLst>
   </p:cSld>
   <p:clrMapOvr>
     <a:masterClrMapping/>
   </p:clrMapOvr>
+  <p:timing>
+    <p:tnLst>
+      <p:par>
+        <p:cTn id="1" dur="indefinite" restart="never" nodeType="tmRoot"/>
+      </p:par>
+    </p:tnLst>
+  </p:timing>
 </p:sld>
 </file>
 
@@ -4300,23 +5534,42 @@
         </p:nvSpPr>
         <p:spPr/>
         <p:txBody>
-          <a:bodyPr/>
-          <a:lstStyle/>
-          <a:p>
-            <a:r>
-              <a:rPr lang="en-US" dirty="0" smtClean="0">
-                <a:latin typeface="Arial Rounded MT Bold" panose="020F0704030504030204" pitchFamily="34" charset="0"/>
-              </a:rPr>
-              <a:t>Bluetooth </a:t>
-            </a:r>
-            <a:r>
-              <a:rPr lang="en-US" dirty="0" err="1" smtClean="0">
-                <a:latin typeface="Arial Rounded MT Bold" panose="020F0704030504030204" pitchFamily="34" charset="0"/>
-              </a:rPr>
-              <a:t>működése</a:t>
-            </a:r>
-            <a:endParaRPr lang="hu-HU" dirty="0">
-              <a:latin typeface="Arial Rounded MT Bold" panose="020F0704030504030204" pitchFamily="34" charset="0"/>
+          <a:bodyPr>
+            <a:normAutofit/>
+          </a:bodyPr>
+          <a:lstStyle/>
+          <a:p>
+            <a:r>
+              <a:rPr lang="en-US" u="sng" dirty="0">
+                <a:latin typeface="Arial" panose="020B0604020202020204" pitchFamily="34" charset="0"/>
+                <a:cs typeface="Arial" panose="020B0604020202020204" pitchFamily="34" charset="0"/>
+              </a:rPr>
+              <a:t>Külső </a:t>
+            </a:r>
+            <a:r>
+              <a:rPr lang="en-US" u="sng" dirty="0" err="1">
+                <a:latin typeface="Arial" panose="020B0604020202020204" pitchFamily="34" charset="0"/>
+                <a:cs typeface="Arial" panose="020B0604020202020204" pitchFamily="34" charset="0"/>
+              </a:rPr>
+              <a:t>modul</a:t>
+            </a:r>
+            <a:r>
+              <a:rPr lang="en-US" u="sng" dirty="0">
+                <a:latin typeface="Arial" panose="020B0604020202020204" pitchFamily="34" charset="0"/>
+                <a:cs typeface="Arial" panose="020B0604020202020204" pitchFamily="34" charset="0"/>
+              </a:rPr>
+              <a:t> hardware </a:t>
+            </a:r>
+            <a:r>
+              <a:rPr lang="en-US" u="sng" dirty="0" err="1">
+                <a:latin typeface="Arial" panose="020B0604020202020204" pitchFamily="34" charset="0"/>
+                <a:cs typeface="Arial" panose="020B0604020202020204" pitchFamily="34" charset="0"/>
+              </a:rPr>
+              <a:t>elemei</a:t>
+            </a:r>
+            <a:endParaRPr lang="hu-HU" u="sng" dirty="0">
+              <a:latin typeface="Arial" panose="020B0604020202020204" pitchFamily="34" charset="0"/>
+              <a:cs typeface="Arial" panose="020B0604020202020204" pitchFamily="34" charset="0"/>
             </a:endParaRPr>
           </a:p>
         </p:txBody>
@@ -4512,327 +5765,127 @@
                 <a:spcPct val="150000"/>
               </a:lnSpc>
             </a:pPr>
+            <a:r>
+              <a:rPr lang="en-US" dirty="0" smtClean="0"/>
+              <a:t>STM32L0 </a:t>
+            </a:r>
+            <a:r>
+              <a:rPr lang="en-US" dirty="0" err="1"/>
+              <a:t>kis</a:t>
+            </a:r>
+            <a:r>
+              <a:rPr lang="en-US" dirty="0"/>
+              <a:t> </a:t>
+            </a:r>
+            <a:r>
+              <a:rPr lang="en-US" dirty="0" err="1" smtClean="0"/>
+              <a:t>fogyasztású</a:t>
+            </a:r>
+            <a:r>
+              <a:rPr lang="en-US" dirty="0" smtClean="0"/>
+              <a:t> </a:t>
+            </a:r>
+            <a:r>
+              <a:rPr lang="en-US" dirty="0" err="1" smtClean="0"/>
+              <a:t>mikrokontroller</a:t>
+            </a:r>
+            <a:endParaRPr lang="en-US" dirty="0" smtClean="0"/>
+          </a:p>
+          <a:p>
+            <a:pPr>
+              <a:lnSpc>
+                <a:spcPct val="150000"/>
+              </a:lnSpc>
+            </a:pPr>
+            <a:r>
+              <a:rPr lang="en-US" dirty="0" smtClean="0"/>
+              <a:t>Cortex M0 –</a:t>
+            </a:r>
+            <a:r>
+              <a:rPr lang="en-US" dirty="0" err="1" smtClean="0"/>
+              <a:t>ás</a:t>
+            </a:r>
+            <a:r>
+              <a:rPr lang="en-US" dirty="0" smtClean="0"/>
+              <a:t> </a:t>
+            </a:r>
+            <a:r>
+              <a:rPr lang="en-US" dirty="0" err="1" smtClean="0"/>
+              <a:t>mikrokontroller</a:t>
+            </a:r>
+            <a:endParaRPr lang="en-US" dirty="0" smtClean="0"/>
+          </a:p>
+          <a:p>
+            <a:pPr>
+              <a:lnSpc>
+                <a:spcPct val="150000"/>
+              </a:lnSpc>
+            </a:pPr>
+            <a:r>
+              <a:rPr lang="en-US" dirty="0" smtClean="0"/>
+              <a:t>Külső 8MHz-es </a:t>
+            </a:r>
+            <a:r>
+              <a:rPr lang="en-US" dirty="0" err="1" smtClean="0"/>
+              <a:t>oszcillátor</a:t>
+            </a:r>
+            <a:endParaRPr lang="en-US" dirty="0" smtClean="0"/>
+          </a:p>
+          <a:p>
+            <a:pPr>
+              <a:lnSpc>
+                <a:spcPct val="150000"/>
+              </a:lnSpc>
+            </a:pPr>
+            <a:r>
+              <a:rPr lang="en-US" dirty="0" smtClean="0"/>
+              <a:t>LM75 digitalis </a:t>
+            </a:r>
+            <a:r>
+              <a:rPr lang="en-US" dirty="0" err="1" smtClean="0"/>
+              <a:t>hőmérő</a:t>
+            </a:r>
+            <a:r>
+              <a:rPr lang="en-US" dirty="0" smtClean="0"/>
+              <a:t> I2C </a:t>
+            </a:r>
+            <a:r>
+              <a:rPr lang="en-US" dirty="0" err="1" smtClean="0"/>
+              <a:t>vonalon</a:t>
+            </a:r>
+            <a:endParaRPr lang="en-US" dirty="0" smtClean="0"/>
+          </a:p>
+          <a:p>
+            <a:pPr>
+              <a:lnSpc>
+                <a:spcPct val="150000"/>
+              </a:lnSpc>
+            </a:pPr>
+            <a:r>
+              <a:rPr lang="en-US" dirty="0" smtClean="0"/>
+              <a:t>RN4020 Bluetooth LE UART-on</a:t>
+            </a:r>
             <a:endParaRPr lang="en-US" dirty="0"/>
-          </a:p>
-        </p:txBody>
-      </p:sp>
-      <p:sp>
-        <p:nvSpPr>
-          <p:cNvPr id="4" name="TextBox 3"/>
-          <p:cNvSpPr txBox="1"/>
-          <p:nvPr/>
-        </p:nvSpPr>
-        <p:spPr>
-          <a:xfrm>
-            <a:off x="1031846" y="1857080"/>
-            <a:ext cx="10033233" cy="4549835"/>
-          </a:xfrm>
-          <a:prstGeom prst="rect">
-            <a:avLst/>
-          </a:prstGeom>
-          <a:noFill/>
-        </p:spPr>
-        <p:txBody>
-          <a:bodyPr wrap="square" rtlCol="0">
-            <a:spAutoFit/>
-          </a:bodyPr>
-          <a:lstStyle/>
-          <a:p>
-            <a:pPr marL="285750" indent="-285750">
-              <a:lnSpc>
-                <a:spcPct val="150000"/>
-              </a:lnSpc>
-              <a:buFont typeface="Arial" panose="020B0604020202020204" pitchFamily="34" charset="0"/>
-              <a:buChar char="•"/>
-            </a:pPr>
-            <a:r>
-              <a:rPr lang="en-US" sz="2800" dirty="0" smtClean="0"/>
-              <a:t>UART </a:t>
-            </a:r>
-            <a:r>
-              <a:rPr lang="en-US" sz="2800" dirty="0" err="1" smtClean="0"/>
-              <a:t>interfészen</a:t>
-            </a:r>
-            <a:r>
-              <a:rPr lang="en-US" sz="2800" dirty="0" smtClean="0"/>
-              <a:t> ASCII </a:t>
-            </a:r>
-            <a:r>
-              <a:rPr lang="en-US" sz="2800" dirty="0" err="1" smtClean="0"/>
-              <a:t>parancsokkal</a:t>
-            </a:r>
-            <a:r>
-              <a:rPr lang="en-US" sz="2800" dirty="0" smtClean="0"/>
-              <a:t> </a:t>
-            </a:r>
-            <a:r>
-              <a:rPr lang="en-US" sz="2800" dirty="0" err="1" smtClean="0"/>
-              <a:t>vezérelhető</a:t>
-            </a:r>
-            <a:endParaRPr lang="en-US" sz="2800" dirty="0" smtClean="0"/>
-          </a:p>
-          <a:p>
-            <a:pPr marL="285750" indent="-285750">
-              <a:lnSpc>
-                <a:spcPct val="150000"/>
-              </a:lnSpc>
-              <a:buFont typeface="Arial" panose="020B0604020202020204" pitchFamily="34" charset="0"/>
-              <a:buChar char="•"/>
-            </a:pPr>
-            <a:r>
-              <a:rPr lang="en-US" sz="2800" dirty="0" smtClean="0"/>
-              <a:t>GATT – Generic Attribute Profile – </a:t>
-            </a:r>
-            <a:r>
-              <a:rPr lang="en-US" sz="2800" dirty="0" err="1" smtClean="0"/>
-              <a:t>hierarchikus</a:t>
-            </a:r>
-            <a:r>
-              <a:rPr lang="en-US" sz="2800" dirty="0" smtClean="0"/>
-              <a:t> </a:t>
-            </a:r>
-            <a:r>
-              <a:rPr lang="en-US" sz="2800" dirty="0" err="1" smtClean="0"/>
-              <a:t>adatstruktúra</a:t>
-            </a:r>
-            <a:r>
-              <a:rPr lang="en-US" sz="2800" dirty="0" smtClean="0"/>
-              <a:t> Bluetooth LE </a:t>
-            </a:r>
-            <a:r>
-              <a:rPr lang="en-US" sz="2800" dirty="0" err="1" smtClean="0"/>
-              <a:t>eszközök</a:t>
-            </a:r>
-            <a:r>
-              <a:rPr lang="en-US" sz="2800" dirty="0" smtClean="0"/>
-              <a:t> </a:t>
-            </a:r>
-            <a:r>
-              <a:rPr lang="en-US" sz="2800" dirty="0" err="1" smtClean="0"/>
-              <a:t>között</a:t>
-            </a:r>
-            <a:endParaRPr lang="en-US" sz="2800" dirty="0" smtClean="0"/>
-          </a:p>
-          <a:p>
-            <a:pPr marL="285750" indent="-285750">
-              <a:lnSpc>
-                <a:spcPct val="150000"/>
-              </a:lnSpc>
-              <a:buFont typeface="Arial" panose="020B0604020202020204" pitchFamily="34" charset="0"/>
-              <a:buChar char="•"/>
-            </a:pPr>
-            <a:r>
-              <a:rPr lang="en-US" sz="2800" dirty="0" err="1" smtClean="0"/>
-              <a:t>Kliens</a:t>
-            </a:r>
-            <a:r>
-              <a:rPr lang="en-US" sz="2800" dirty="0" smtClean="0"/>
-              <a:t>: </a:t>
-            </a:r>
-            <a:r>
-              <a:rPr lang="en-US" sz="2800" dirty="0" err="1" smtClean="0"/>
-              <a:t>kéréseket</a:t>
-            </a:r>
-            <a:r>
-              <a:rPr lang="en-US" sz="2800" dirty="0" smtClean="0"/>
-              <a:t> </a:t>
-            </a:r>
-            <a:r>
-              <a:rPr lang="en-US" sz="2800" dirty="0" err="1" smtClean="0"/>
-              <a:t>küld</a:t>
-            </a:r>
-            <a:r>
-              <a:rPr lang="en-US" sz="2800" dirty="0" smtClean="0"/>
-              <a:t> </a:t>
-            </a:r>
-            <a:r>
-              <a:rPr lang="en-US" sz="2800" dirty="0" err="1" smtClean="0"/>
-              <a:t>és</a:t>
-            </a:r>
-            <a:r>
-              <a:rPr lang="en-US" sz="2800" dirty="0" smtClean="0"/>
-              <a:t> a </a:t>
-            </a:r>
-            <a:r>
-              <a:rPr lang="en-US" sz="2800" dirty="0" err="1" smtClean="0"/>
-              <a:t>választ</a:t>
-            </a:r>
-            <a:r>
-              <a:rPr lang="en-US" sz="2800" dirty="0" smtClean="0"/>
-              <a:t> </a:t>
-            </a:r>
-            <a:r>
-              <a:rPr lang="en-US" sz="2800" dirty="0" err="1" smtClean="0"/>
-              <a:t>fogadja</a:t>
-            </a:r>
-            <a:endParaRPr lang="en-US" sz="2800" dirty="0" smtClean="0"/>
-          </a:p>
-          <a:p>
-            <a:pPr marL="285750" indent="-285750">
-              <a:lnSpc>
-                <a:spcPct val="150000"/>
-              </a:lnSpc>
-              <a:buFont typeface="Arial" panose="020B0604020202020204" pitchFamily="34" charset="0"/>
-              <a:buChar char="•"/>
-            </a:pPr>
-            <a:r>
-              <a:rPr lang="en-US" sz="2800" dirty="0" err="1" smtClean="0"/>
-              <a:t>Szerver</a:t>
-            </a:r>
-            <a:r>
-              <a:rPr lang="en-US" sz="2800" dirty="0" smtClean="0"/>
-              <a:t>: </a:t>
-            </a:r>
-            <a:r>
-              <a:rPr lang="en-US" sz="2800" dirty="0" err="1" smtClean="0"/>
-              <a:t>kéréseket</a:t>
-            </a:r>
-            <a:r>
-              <a:rPr lang="en-US" sz="2800" dirty="0" smtClean="0"/>
-              <a:t> </a:t>
-            </a:r>
-            <a:r>
-              <a:rPr lang="en-US" sz="2800" dirty="0" err="1" smtClean="0"/>
-              <a:t>fogad</a:t>
-            </a:r>
-            <a:r>
-              <a:rPr lang="en-US" sz="2800" dirty="0" smtClean="0"/>
-              <a:t> </a:t>
-            </a:r>
-            <a:r>
-              <a:rPr lang="en-US" sz="2800" dirty="0" err="1" smtClean="0"/>
-              <a:t>és</a:t>
-            </a:r>
-            <a:r>
-              <a:rPr lang="en-US" sz="2800" dirty="0" smtClean="0"/>
-              <a:t> </a:t>
-            </a:r>
-            <a:r>
-              <a:rPr lang="en-US" sz="2800" dirty="0" err="1" smtClean="0"/>
-              <a:t>választ</a:t>
-            </a:r>
-            <a:r>
-              <a:rPr lang="en-US" sz="2800" dirty="0" smtClean="0"/>
-              <a:t> </a:t>
-            </a:r>
-            <a:r>
-              <a:rPr lang="en-US" sz="2800" dirty="0" err="1" smtClean="0"/>
-              <a:t>küld</a:t>
-            </a:r>
-            <a:endParaRPr lang="en-US" sz="2800" dirty="0" smtClean="0"/>
-          </a:p>
-          <a:p>
-            <a:pPr marL="285750" indent="-285750">
-              <a:lnSpc>
-                <a:spcPct val="150000"/>
-              </a:lnSpc>
-              <a:buFont typeface="Arial" panose="020B0604020202020204" pitchFamily="34" charset="0"/>
-              <a:buChar char="•"/>
-            </a:pPr>
-            <a:r>
-              <a:rPr lang="en-US" sz="2800" dirty="0" err="1" smtClean="0"/>
-              <a:t>Karakterisztika</a:t>
-            </a:r>
-            <a:r>
-              <a:rPr lang="en-US" sz="2800" dirty="0" smtClean="0"/>
-              <a:t>: </a:t>
-            </a:r>
-            <a:r>
-              <a:rPr lang="en-US" sz="2800" dirty="0" err="1" smtClean="0"/>
-              <a:t>adatot</a:t>
-            </a:r>
-            <a:r>
-              <a:rPr lang="en-US" sz="2800" dirty="0" smtClean="0"/>
-              <a:t> </a:t>
-            </a:r>
-            <a:r>
-              <a:rPr lang="en-US" sz="2800" dirty="0" err="1" smtClean="0"/>
-              <a:t>tartalmazó</a:t>
-            </a:r>
-            <a:r>
-              <a:rPr lang="en-US" sz="2800" dirty="0" smtClean="0"/>
-              <a:t> </a:t>
-            </a:r>
-            <a:r>
-              <a:rPr lang="en-US" sz="2800" dirty="0" err="1" smtClean="0"/>
-              <a:t>szerkezet</a:t>
-            </a:r>
-            <a:endParaRPr lang="en-US" sz="2800" dirty="0" smtClean="0"/>
-          </a:p>
-          <a:p>
-            <a:pPr marL="285750" indent="-285750">
-              <a:lnSpc>
-                <a:spcPct val="150000"/>
-              </a:lnSpc>
-              <a:buFont typeface="Arial" panose="020B0604020202020204" pitchFamily="34" charset="0"/>
-              <a:buChar char="•"/>
-            </a:pPr>
-            <a:r>
-              <a:rPr lang="en-US" sz="2800" dirty="0" err="1" smtClean="0"/>
-              <a:t>Szolgáltatás</a:t>
-            </a:r>
-            <a:r>
-              <a:rPr lang="en-US" sz="2800" dirty="0" smtClean="0"/>
-              <a:t>: </a:t>
-            </a:r>
-            <a:r>
-              <a:rPr lang="en-US" sz="2800" dirty="0" err="1" smtClean="0"/>
-              <a:t>több</a:t>
-            </a:r>
-            <a:r>
-              <a:rPr lang="en-US" sz="2800" dirty="0" smtClean="0"/>
-              <a:t> </a:t>
-            </a:r>
-            <a:r>
-              <a:rPr lang="en-US" sz="2800" dirty="0" err="1" smtClean="0"/>
-              <a:t>adatot</a:t>
-            </a:r>
-            <a:r>
-              <a:rPr lang="en-US" sz="2800" dirty="0" smtClean="0"/>
-              <a:t> </a:t>
-            </a:r>
-            <a:r>
-              <a:rPr lang="en-US" sz="2800" dirty="0" err="1" smtClean="0"/>
-              <a:t>összefoglal</a:t>
-            </a:r>
-            <a:r>
-              <a:rPr lang="en-US" sz="2800" dirty="0" smtClean="0"/>
-              <a:t> </a:t>
-            </a:r>
-            <a:r>
-              <a:rPr lang="en-US" sz="2800" dirty="0" err="1" smtClean="0"/>
-              <a:t>egy</a:t>
-            </a:r>
-            <a:r>
-              <a:rPr lang="en-US" sz="2800" dirty="0" smtClean="0"/>
-              <a:t> </a:t>
-            </a:r>
-            <a:r>
-              <a:rPr lang="en-US" sz="2800" dirty="0" err="1" smtClean="0"/>
-              <a:t>funkció</a:t>
-            </a:r>
-            <a:r>
-              <a:rPr lang="en-US" sz="2800" dirty="0" smtClean="0"/>
-              <a:t> </a:t>
-            </a:r>
-            <a:r>
-              <a:rPr lang="en-US" sz="2800" dirty="0" err="1" smtClean="0"/>
-              <a:t>megvalósításához</a:t>
-            </a:r>
-            <a:endParaRPr lang="hu-HU" sz="2800" dirty="0"/>
           </a:p>
         </p:txBody>
       </p:sp>
     </p:spTree>
     <p:extLst>
       <p:ext uri="{BB962C8B-B14F-4D97-AF65-F5344CB8AC3E}">
-        <p14:creationId xmlns:p14="http://schemas.microsoft.com/office/powerpoint/2010/main" val="694440986"/>
+        <p14:creationId xmlns:p14="http://schemas.microsoft.com/office/powerpoint/2010/main" val="901145703"/>
       </p:ext>
     </p:extLst>
   </p:cSld>
   <p:clrMapOvr>
     <a:masterClrMapping/>
   </p:clrMapOvr>
+  <p:timing>
+    <p:tnLst>
+      <p:par>
+        <p:cTn id="1" dur="indefinite" restart="never" nodeType="tmRoot"/>
+      </p:par>
+    </p:tnLst>
+  </p:timing>
 </p:sld>
 </file>
 
@@ -4853,459 +5906,47 @@
           <a:chExt cx="0" cy="0"/>
         </a:xfrm>
       </p:grpSpPr>
-      <p:sp>
-        <p:nvSpPr>
-          <p:cNvPr id="2" name="Title 1"/>
-          <p:cNvSpPr>
-            <a:spLocks noGrp="1"/>
-          </p:cNvSpPr>
-          <p:nvPr>
-            <p:ph type="title"/>
-          </p:nvPr>
-        </p:nvSpPr>
-        <p:spPr/>
-        <p:txBody>
-          <a:bodyPr/>
-          <a:lstStyle/>
-          <a:p>
-            <a:r>
-              <a:rPr lang="en-US" dirty="0" err="1" smtClean="0">
-                <a:latin typeface="Arial Rounded MT Bold" panose="020F0704030504030204" pitchFamily="34" charset="0"/>
-              </a:rPr>
-              <a:t>Belső</a:t>
-            </a:r>
-            <a:r>
-              <a:rPr lang="en-US" dirty="0" smtClean="0">
-                <a:latin typeface="Arial Rounded MT Bold" panose="020F0704030504030204" pitchFamily="34" charset="0"/>
-              </a:rPr>
-              <a:t> </a:t>
-            </a:r>
-            <a:r>
-              <a:rPr lang="en-US" dirty="0" err="1" smtClean="0">
-                <a:latin typeface="Arial Rounded MT Bold" panose="020F0704030504030204" pitchFamily="34" charset="0"/>
-              </a:rPr>
-              <a:t>modul</a:t>
-            </a:r>
-            <a:r>
-              <a:rPr lang="en-US" dirty="0" smtClean="0">
-                <a:latin typeface="Arial Rounded MT Bold" panose="020F0704030504030204" pitchFamily="34" charset="0"/>
-              </a:rPr>
-              <a:t> </a:t>
-            </a:r>
-            <a:r>
-              <a:rPr lang="en-US" dirty="0" err="1" smtClean="0">
-                <a:latin typeface="Arial Rounded MT Bold" panose="020F0704030504030204" pitchFamily="34" charset="0"/>
-              </a:rPr>
-              <a:t>szoftverének</a:t>
-            </a:r>
-            <a:r>
-              <a:rPr lang="en-US" dirty="0" smtClean="0">
-                <a:latin typeface="Arial Rounded MT Bold" panose="020F0704030504030204" pitchFamily="34" charset="0"/>
-              </a:rPr>
-              <a:t> </a:t>
-            </a:r>
-            <a:r>
-              <a:rPr lang="en-US" dirty="0" err="1" smtClean="0">
-                <a:latin typeface="Arial Rounded MT Bold" panose="020F0704030504030204" pitchFamily="34" charset="0"/>
-              </a:rPr>
-              <a:t>fejlesztése</a:t>
-            </a:r>
-            <a:endParaRPr lang="hu-HU" dirty="0">
-              <a:latin typeface="Arial Rounded MT Bold" panose="020F0704030504030204" pitchFamily="34" charset="0"/>
-            </a:endParaRPr>
-          </a:p>
-        </p:txBody>
-      </p:sp>
-      <p:sp>
-        <p:nvSpPr>
-          <p:cNvPr id="4" name="Subtitle 2"/>
-          <p:cNvSpPr txBox="1">
-            <a:spLocks/>
-          </p:cNvSpPr>
+      <p:pic>
+        <p:nvPicPr>
+          <p:cNvPr id="7" name="Picture 6"/>
+          <p:cNvPicPr>
+            <a:picLocks noChangeAspect="1"/>
+          </p:cNvPicPr>
           <p:nvPr/>
-        </p:nvSpPr>
+        </p:nvPicPr>
+        <p:blipFill>
+          <a:blip r:embed="rId2"/>
+          <a:stretch>
+            <a:fillRect/>
+          </a:stretch>
+        </p:blipFill>
         <p:spPr>
           <a:xfrm>
-            <a:off x="1031846" y="1857080"/>
-            <a:ext cx="9636154" cy="4377465"/>
+            <a:off x="1140024" y="552893"/>
+            <a:ext cx="10116310" cy="5838382"/>
           </a:xfrm>
           <a:prstGeom prst="rect">
             <a:avLst/>
           </a:prstGeom>
         </p:spPr>
-        <p:txBody>
-          <a:bodyPr vert="horz" wrap="square" lIns="91440" tIns="0" rIns="91440" bIns="0" rtlCol="0" anchor="ctr" anchorCtr="0">
-            <a:normAutofit/>
-          </a:bodyPr>
-          <a:lstStyle>
-            <a:lvl1pPr marL="228600" indent="-228600" algn="l" defTabSz="914400" rtl="0" eaLnBrk="1" latinLnBrk="0" hangingPunct="1">
-              <a:lnSpc>
-                <a:spcPct val="90000"/>
-              </a:lnSpc>
-              <a:spcBef>
-                <a:spcPts val="1000"/>
-              </a:spcBef>
-              <a:buFont typeface="Arial" panose="020B0604020202020204" pitchFamily="34" charset="0"/>
-              <a:buChar char="•"/>
-              <a:defRPr sz="2800" kern="1200">
-                <a:solidFill>
-                  <a:schemeClr val="tx1"/>
-                </a:solidFill>
-                <a:latin typeface="+mn-lt"/>
-                <a:ea typeface="+mn-ea"/>
-                <a:cs typeface="+mn-cs"/>
-              </a:defRPr>
-            </a:lvl1pPr>
-            <a:lvl2pPr marL="685800" indent="-228600" algn="l" defTabSz="914400" rtl="0" eaLnBrk="1" latinLnBrk="0" hangingPunct="1">
-              <a:lnSpc>
-                <a:spcPct val="90000"/>
-              </a:lnSpc>
-              <a:spcBef>
-                <a:spcPts val="500"/>
-              </a:spcBef>
-              <a:buFont typeface="Arial" panose="020B0604020202020204" pitchFamily="34" charset="0"/>
-              <a:buChar char="•"/>
-              <a:defRPr sz="2400" kern="1200">
-                <a:solidFill>
-                  <a:schemeClr val="tx1"/>
-                </a:solidFill>
-                <a:latin typeface="+mn-lt"/>
-                <a:ea typeface="+mn-ea"/>
-                <a:cs typeface="+mn-cs"/>
-              </a:defRPr>
-            </a:lvl2pPr>
-            <a:lvl3pPr marL="1143000" indent="-228600" algn="l" defTabSz="914400" rtl="0" eaLnBrk="1" latinLnBrk="0" hangingPunct="1">
-              <a:lnSpc>
-                <a:spcPct val="90000"/>
-              </a:lnSpc>
-              <a:spcBef>
-                <a:spcPts val="500"/>
-              </a:spcBef>
-              <a:buFont typeface="Arial" panose="020B0604020202020204" pitchFamily="34" charset="0"/>
-              <a:buChar char="•"/>
-              <a:defRPr sz="2000" kern="1200">
-                <a:solidFill>
-                  <a:schemeClr val="tx1"/>
-                </a:solidFill>
-                <a:latin typeface="+mn-lt"/>
-                <a:ea typeface="+mn-ea"/>
-                <a:cs typeface="+mn-cs"/>
-              </a:defRPr>
-            </a:lvl3pPr>
-            <a:lvl4pPr marL="1600200" indent="-228600" algn="l" defTabSz="914400" rtl="0" eaLnBrk="1" latinLnBrk="0" hangingPunct="1">
-              <a:lnSpc>
-                <a:spcPct val="90000"/>
-              </a:lnSpc>
-              <a:spcBef>
-                <a:spcPts val="500"/>
-              </a:spcBef>
-              <a:buFont typeface="Arial" panose="020B0604020202020204" pitchFamily="34" charset="0"/>
-              <a:buChar char="•"/>
-              <a:defRPr sz="1800" kern="1200">
-                <a:solidFill>
-                  <a:schemeClr val="tx1"/>
-                </a:solidFill>
-                <a:latin typeface="+mn-lt"/>
-                <a:ea typeface="+mn-ea"/>
-                <a:cs typeface="+mn-cs"/>
-              </a:defRPr>
-            </a:lvl4pPr>
-            <a:lvl5pPr marL="2057400" indent="-228600" algn="l" defTabSz="914400" rtl="0" eaLnBrk="1" latinLnBrk="0" hangingPunct="1">
-              <a:lnSpc>
-                <a:spcPct val="90000"/>
-              </a:lnSpc>
-              <a:spcBef>
-                <a:spcPts val="500"/>
-              </a:spcBef>
-              <a:buFont typeface="Arial" panose="020B0604020202020204" pitchFamily="34" charset="0"/>
-              <a:buChar char="•"/>
-              <a:defRPr sz="1800" kern="1200">
-                <a:solidFill>
-                  <a:schemeClr val="tx1"/>
-                </a:solidFill>
-                <a:latin typeface="+mn-lt"/>
-                <a:ea typeface="+mn-ea"/>
-                <a:cs typeface="+mn-cs"/>
-              </a:defRPr>
-            </a:lvl5pPr>
-            <a:lvl6pPr marL="2514600" indent="-228600" algn="l" defTabSz="914400" rtl="0" eaLnBrk="1" latinLnBrk="0" hangingPunct="1">
-              <a:lnSpc>
-                <a:spcPct val="90000"/>
-              </a:lnSpc>
-              <a:spcBef>
-                <a:spcPts val="500"/>
-              </a:spcBef>
-              <a:buFont typeface="Arial" panose="020B0604020202020204" pitchFamily="34" charset="0"/>
-              <a:buChar char="•"/>
-              <a:defRPr sz="1800" kern="1200">
-                <a:solidFill>
-                  <a:schemeClr val="tx1"/>
-                </a:solidFill>
-                <a:latin typeface="+mn-lt"/>
-                <a:ea typeface="+mn-ea"/>
-                <a:cs typeface="+mn-cs"/>
-              </a:defRPr>
-            </a:lvl6pPr>
-            <a:lvl7pPr marL="2971800" indent="-228600" algn="l" defTabSz="914400" rtl="0" eaLnBrk="1" latinLnBrk="0" hangingPunct="1">
-              <a:lnSpc>
-                <a:spcPct val="90000"/>
-              </a:lnSpc>
-              <a:spcBef>
-                <a:spcPts val="500"/>
-              </a:spcBef>
-              <a:buFont typeface="Arial" panose="020B0604020202020204" pitchFamily="34" charset="0"/>
-              <a:buChar char="•"/>
-              <a:defRPr sz="1800" kern="1200">
-                <a:solidFill>
-                  <a:schemeClr val="tx1"/>
-                </a:solidFill>
-                <a:latin typeface="+mn-lt"/>
-                <a:ea typeface="+mn-ea"/>
-                <a:cs typeface="+mn-cs"/>
-              </a:defRPr>
-            </a:lvl7pPr>
-            <a:lvl8pPr marL="3429000" indent="-228600" algn="l" defTabSz="914400" rtl="0" eaLnBrk="1" latinLnBrk="0" hangingPunct="1">
-              <a:lnSpc>
-                <a:spcPct val="90000"/>
-              </a:lnSpc>
-              <a:spcBef>
-                <a:spcPts val="500"/>
-              </a:spcBef>
-              <a:buFont typeface="Arial" panose="020B0604020202020204" pitchFamily="34" charset="0"/>
-              <a:buChar char="•"/>
-              <a:defRPr sz="1800" kern="1200">
-                <a:solidFill>
-                  <a:schemeClr val="tx1"/>
-                </a:solidFill>
-                <a:latin typeface="+mn-lt"/>
-                <a:ea typeface="+mn-ea"/>
-                <a:cs typeface="+mn-cs"/>
-              </a:defRPr>
-            </a:lvl8pPr>
-            <a:lvl9pPr marL="3886200" indent="-228600" algn="l" defTabSz="914400" rtl="0" eaLnBrk="1" latinLnBrk="0" hangingPunct="1">
-              <a:lnSpc>
-                <a:spcPct val="90000"/>
-              </a:lnSpc>
-              <a:spcBef>
-                <a:spcPts val="500"/>
-              </a:spcBef>
-              <a:buFont typeface="Arial" panose="020B0604020202020204" pitchFamily="34" charset="0"/>
-              <a:buChar char="•"/>
-              <a:defRPr sz="1800" kern="1200">
-                <a:solidFill>
-                  <a:schemeClr val="tx1"/>
-                </a:solidFill>
-                <a:latin typeface="+mn-lt"/>
-                <a:ea typeface="+mn-ea"/>
-                <a:cs typeface="+mn-cs"/>
-              </a:defRPr>
-            </a:lvl9pPr>
-          </a:lstStyle>
-          <a:p>
-            <a:pPr>
-              <a:lnSpc>
-                <a:spcPct val="150000"/>
-              </a:lnSpc>
-            </a:pPr>
-            <a:endParaRPr lang="en-US" dirty="0"/>
-          </a:p>
-        </p:txBody>
-      </p:sp>
-      <p:sp>
-        <p:nvSpPr>
-          <p:cNvPr id="5" name="TextBox 4"/>
-          <p:cNvSpPr txBox="1"/>
-          <p:nvPr/>
-        </p:nvSpPr>
-        <p:spPr>
-          <a:xfrm>
-            <a:off x="1031845" y="2147582"/>
-            <a:ext cx="10033233" cy="3323987"/>
-          </a:xfrm>
-          <a:prstGeom prst="rect">
-            <a:avLst/>
-          </a:prstGeom>
-          <a:noFill/>
-        </p:spPr>
-        <p:txBody>
-          <a:bodyPr wrap="square" rtlCol="0">
-            <a:spAutoFit/>
-          </a:bodyPr>
-          <a:lstStyle/>
-          <a:p>
-            <a:pPr marL="285750" indent="-285750">
-              <a:lnSpc>
-                <a:spcPct val="150000"/>
-              </a:lnSpc>
-              <a:buFont typeface="Arial" panose="020B0604020202020204" pitchFamily="34" charset="0"/>
-              <a:buChar char="•"/>
-            </a:pPr>
-            <a:r>
-              <a:rPr lang="en-US" sz="2800" dirty="0" err="1" smtClean="0"/>
-              <a:t>Inicializálás</a:t>
-            </a:r>
-            <a:endParaRPr lang="en-US" sz="2800" dirty="0" smtClean="0"/>
-          </a:p>
-          <a:p>
-            <a:pPr marL="285750" indent="-285750">
-              <a:lnSpc>
-                <a:spcPct val="150000"/>
-              </a:lnSpc>
-              <a:buFont typeface="Arial" panose="020B0604020202020204" pitchFamily="34" charset="0"/>
-              <a:buChar char="•"/>
-            </a:pPr>
-            <a:r>
-              <a:rPr lang="en-US" sz="2800" dirty="0" smtClean="0"/>
-              <a:t>Bluetooth: </a:t>
-            </a:r>
-            <a:r>
-              <a:rPr lang="en-US" sz="2800" dirty="0" err="1" smtClean="0"/>
-              <a:t>Szerver</a:t>
-            </a:r>
-            <a:r>
-              <a:rPr lang="en-US" sz="2800" dirty="0" smtClean="0"/>
-              <a:t> </a:t>
-            </a:r>
-            <a:r>
-              <a:rPr lang="en-US" sz="2800" dirty="0" err="1" smtClean="0"/>
-              <a:t>üzemmódban</a:t>
-            </a:r>
-            <a:endParaRPr lang="en-US" sz="2800" dirty="0" smtClean="0"/>
-          </a:p>
-          <a:p>
-            <a:pPr marL="285750" indent="-285750">
-              <a:lnSpc>
-                <a:spcPct val="150000"/>
-              </a:lnSpc>
-              <a:buFont typeface="Arial" panose="020B0604020202020204" pitchFamily="34" charset="0"/>
-              <a:buChar char="•"/>
-            </a:pPr>
-            <a:r>
-              <a:rPr lang="en-US" sz="2800" dirty="0" smtClean="0"/>
-              <a:t>Bluetooth </a:t>
-            </a:r>
-            <a:r>
-              <a:rPr lang="en-US" sz="2800" dirty="0" err="1" smtClean="0"/>
-              <a:t>vezérlését</a:t>
-            </a:r>
-            <a:r>
-              <a:rPr lang="en-US" sz="2800" dirty="0" smtClean="0"/>
-              <a:t> </a:t>
-            </a:r>
-            <a:r>
-              <a:rPr lang="en-US" sz="2800" dirty="0" err="1" smtClean="0"/>
-              <a:t>egy</a:t>
-            </a:r>
-            <a:r>
-              <a:rPr lang="en-US" sz="2800" dirty="0" smtClean="0"/>
-              <a:t> </a:t>
-            </a:r>
-            <a:r>
-              <a:rPr lang="en-US" sz="2800" dirty="0" err="1" smtClean="0"/>
-              <a:t>állapot</a:t>
-            </a:r>
-            <a:r>
-              <a:rPr lang="en-US" sz="2800" dirty="0" smtClean="0"/>
-              <a:t> </a:t>
-            </a:r>
-            <a:r>
-              <a:rPr lang="en-US" sz="2800" dirty="0" err="1" smtClean="0"/>
-              <a:t>gép</a:t>
-            </a:r>
-            <a:r>
-              <a:rPr lang="en-US" sz="2800" dirty="0" smtClean="0"/>
-              <a:t> </a:t>
-            </a:r>
-            <a:r>
-              <a:rPr lang="en-US" sz="2800" dirty="0" err="1" smtClean="0"/>
-              <a:t>végzi</a:t>
-            </a:r>
-            <a:endParaRPr lang="en-US" sz="2800" dirty="0" smtClean="0"/>
-          </a:p>
-          <a:p>
-            <a:pPr marL="285750" indent="-285750">
-              <a:lnSpc>
-                <a:spcPct val="150000"/>
-              </a:lnSpc>
-              <a:buFont typeface="Arial" panose="020B0604020202020204" pitchFamily="34" charset="0"/>
-              <a:buChar char="•"/>
-            </a:pPr>
-            <a:r>
-              <a:rPr lang="en-US" sz="2800" dirty="0" err="1" smtClean="0"/>
-              <a:t>Hőmérséklet</a:t>
-            </a:r>
-            <a:r>
-              <a:rPr lang="en-US" sz="2800" dirty="0" smtClean="0"/>
-              <a:t> </a:t>
-            </a:r>
-            <a:r>
-              <a:rPr lang="en-US" sz="2800" dirty="0" err="1" smtClean="0"/>
-              <a:t>periódikus</a:t>
-            </a:r>
-            <a:r>
-              <a:rPr lang="en-US" sz="2800" dirty="0" smtClean="0"/>
-              <a:t> </a:t>
-            </a:r>
-            <a:r>
-              <a:rPr lang="en-US" sz="2800" dirty="0" err="1" smtClean="0"/>
-              <a:t>lekérdezése</a:t>
-            </a:r>
-            <a:r>
-              <a:rPr lang="en-US" sz="2800" dirty="0" smtClean="0"/>
-              <a:t> </a:t>
-            </a:r>
-            <a:r>
-              <a:rPr lang="en-US" sz="2800" dirty="0" err="1" smtClean="0"/>
-              <a:t>mindkét</a:t>
-            </a:r>
-            <a:r>
-              <a:rPr lang="en-US" sz="2800" dirty="0" smtClean="0"/>
-              <a:t> </a:t>
-            </a:r>
-            <a:r>
-              <a:rPr lang="en-US" sz="2800" dirty="0" err="1" smtClean="0"/>
-              <a:t>modulról</a:t>
-            </a:r>
-            <a:endParaRPr lang="en-US" sz="2800" dirty="0"/>
-          </a:p>
-          <a:p>
-            <a:pPr marL="285750" indent="-285750">
-              <a:lnSpc>
-                <a:spcPct val="150000"/>
-              </a:lnSpc>
-              <a:buFont typeface="Arial" panose="020B0604020202020204" pitchFamily="34" charset="0"/>
-              <a:buChar char="•"/>
-            </a:pPr>
-            <a:r>
-              <a:rPr lang="en-US" sz="2800" dirty="0" smtClean="0"/>
-              <a:t>LCD </a:t>
-            </a:r>
-            <a:r>
-              <a:rPr lang="en-US" sz="2800" dirty="0" err="1" smtClean="0"/>
-              <a:t>kijelzőre</a:t>
-            </a:r>
-            <a:r>
-              <a:rPr lang="en-US" sz="2800" dirty="0" smtClean="0"/>
-              <a:t> </a:t>
-            </a:r>
-            <a:r>
-              <a:rPr lang="en-US" sz="2800" dirty="0" err="1" smtClean="0"/>
-              <a:t>kiírás</a:t>
-            </a:r>
-            <a:endParaRPr lang="en-US" sz="2800" dirty="0" smtClean="0"/>
-          </a:p>
-        </p:txBody>
-      </p:sp>
+      </p:pic>
     </p:spTree>
     <p:extLst>
       <p:ext uri="{BB962C8B-B14F-4D97-AF65-F5344CB8AC3E}">
-        <p14:creationId xmlns:p14="http://schemas.microsoft.com/office/powerpoint/2010/main" val="580735239"/>
+        <p14:creationId xmlns:p14="http://schemas.microsoft.com/office/powerpoint/2010/main" val="3845551826"/>
       </p:ext>
     </p:extLst>
   </p:cSld>
   <p:clrMapOvr>
     <a:masterClrMapping/>
   </p:clrMapOvr>
+  <p:timing>
+    <p:tnLst>
+      <p:par>
+        <p:cTn id="1" dur="indefinite" restart="never" nodeType="tmRoot"/>
+      </p:par>
+    </p:tnLst>
+  </p:timing>
 </p:sld>
 </file>
 
@@ -5342,56 +5983,35 @@
           <a:lstStyle/>
           <a:p>
             <a:r>
-              <a:rPr lang="en-US" dirty="0" err="1" smtClean="0">
+              <a:rPr lang="en-US" u="sng" dirty="0">
+                <a:latin typeface="Arial" panose="020B0604020202020204" pitchFamily="34" charset="0"/>
+                <a:cs typeface="Arial" panose="020B0604020202020204" pitchFamily="34" charset="0"/>
+              </a:rPr>
+              <a:t>Bluetooth</a:t>
+            </a:r>
+            <a:r>
+              <a:rPr lang="en-US" u="sng" dirty="0" smtClean="0">
                 <a:latin typeface="Arial Rounded MT Bold" panose="020F0704030504030204" pitchFamily="34" charset="0"/>
               </a:rPr>
-              <a:t>Külső</a:t>
-            </a:r>
-            <a:r>
-              <a:rPr lang="en-US" dirty="0" smtClean="0">
-                <a:latin typeface="Arial Rounded MT Bold" panose="020F0704030504030204" pitchFamily="34" charset="0"/>
-              </a:rPr>
-              <a:t> </a:t>
-            </a:r>
-            <a:r>
-              <a:rPr lang="en-US" dirty="0" err="1" smtClean="0">
-                <a:latin typeface="Arial Rounded MT Bold" panose="020F0704030504030204" pitchFamily="34" charset="0"/>
-              </a:rPr>
-              <a:t>modul</a:t>
-            </a:r>
-            <a:r>
-              <a:rPr lang="en-US" dirty="0" smtClean="0">
-                <a:latin typeface="Arial Rounded MT Bold" panose="020F0704030504030204" pitchFamily="34" charset="0"/>
-              </a:rPr>
-              <a:t> </a:t>
-            </a:r>
-            <a:r>
-              <a:rPr lang="en-US" dirty="0" err="1" smtClean="0">
-                <a:latin typeface="Arial Rounded MT Bold" panose="020F0704030504030204" pitchFamily="34" charset="0"/>
-              </a:rPr>
-              <a:t>szoftverének</a:t>
-            </a:r>
-            <a:r>
-              <a:rPr lang="en-US" dirty="0" smtClean="0">
-                <a:latin typeface="Arial Rounded MT Bold" panose="020F0704030504030204" pitchFamily="34" charset="0"/>
-              </a:rPr>
-              <a:t> </a:t>
-            </a:r>
-            <a:r>
-              <a:rPr lang="en-US" dirty="0" err="1" smtClean="0">
-                <a:latin typeface="Arial Rounded MT Bold" panose="020F0704030504030204" pitchFamily="34" charset="0"/>
-              </a:rPr>
-              <a:t>fejlesztése</a:t>
-            </a:r>
-            <a:endParaRPr lang="hu-HU" dirty="0">
-              <a:latin typeface="Arial Rounded MT Bold" panose="020F0704030504030204" pitchFamily="34" charset="0"/>
+              <a:t> </a:t>
+            </a:r>
+            <a:r>
+              <a:rPr lang="en-US" u="sng" dirty="0" err="1">
+                <a:latin typeface="Arial" panose="020B0604020202020204" pitchFamily="34" charset="0"/>
+                <a:cs typeface="Arial" panose="020B0604020202020204" pitchFamily="34" charset="0"/>
+              </a:rPr>
+              <a:t>működése</a:t>
+            </a:r>
+            <a:endParaRPr lang="hu-HU" u="sng" dirty="0">
+              <a:latin typeface="Arial" panose="020B0604020202020204" pitchFamily="34" charset="0"/>
+              <a:cs typeface="Arial" panose="020B0604020202020204" pitchFamily="34" charset="0"/>
             </a:endParaRPr>
           </a:p>
         </p:txBody>
       </p:sp>
       <p:sp>
         <p:nvSpPr>
-          <p:cNvPr id="4" name="Subtitle 2"/>
+          <p:cNvPr id="3" name="Subtitle 2"/>
           <p:cNvSpPr txBox="1">
             <a:spLocks/>
           </p:cNvSpPr>
@@ -5586,14 +6206,14 @@
       </p:sp>
       <p:sp>
         <p:nvSpPr>
-          <p:cNvPr id="5" name="TextBox 4"/>
+          <p:cNvPr id="4" name="TextBox 3"/>
           <p:cNvSpPr txBox="1"/>
           <p:nvPr/>
         </p:nvSpPr>
         <p:spPr>
           <a:xfrm>
-            <a:off x="1031845" y="2147582"/>
-            <a:ext cx="10033233" cy="3970318"/>
+            <a:off x="1031846" y="1857080"/>
+            <a:ext cx="10033233" cy="4616648"/>
           </a:xfrm>
           <a:prstGeom prst="rect">
             <a:avLst/>
@@ -5614,8 +6234,28 @@
               <a:buChar char="•"/>
             </a:pPr>
             <a:r>
+              <a:rPr lang="en-US" sz="2800" dirty="0" smtClean="0"/>
+              <a:t>UART </a:t>
+            </a:r>
+            <a:r>
               <a:rPr lang="en-US" sz="2800" dirty="0" err="1" smtClean="0"/>
-              <a:t>Inicializálás</a:t>
+              <a:t>interfészen</a:t>
+            </a:r>
+            <a:r>
+              <a:rPr lang="en-US" sz="2800" dirty="0" smtClean="0"/>
+              <a:t> ASCII </a:t>
+            </a:r>
+            <a:r>
+              <a:rPr lang="en-US" sz="2800" dirty="0" err="1" smtClean="0"/>
+              <a:t>parancsokkal</a:t>
+            </a:r>
+            <a:r>
+              <a:rPr lang="en-US" sz="2800" dirty="0" smtClean="0"/>
+              <a:t> </a:t>
+            </a:r>
+            <a:r>
+              <a:rPr lang="en-US" sz="2800" dirty="0" err="1" smtClean="0"/>
+              <a:t>vezérelhető</a:t>
             </a:r>
             <a:endParaRPr lang="en-US" sz="2800" dirty="0" smtClean="0"/>
           </a:p>
@@ -5629,11 +6269,11 @@
             </a:pPr>
             <a:r>
               <a:rPr lang="en-US" sz="2800" dirty="0" smtClean="0"/>
-              <a:t>Bluetooth: </a:t>
+              <a:t>GATT – Generic Attribute Profile – </a:t>
             </a:r>
             <a:r>
               <a:rPr lang="en-US" sz="2800" dirty="0" err="1" smtClean="0"/>
-              <a:t>Kliens</a:t>
+              <a:t>hierarchikus</a:t>
             </a:r>
             <a:r>
               <a:rPr lang="en-US" sz="2800" dirty="0" smtClean="0"/>
@@ -5641,7 +6281,35 @@
             </a:r>
             <a:r>
               <a:rPr lang="en-US" sz="2800" dirty="0" err="1" smtClean="0"/>
-              <a:t>üzemmódban</a:t>
+              <a:t>adat</a:t>
+            </a:r>
+            <a:r>
+              <a:rPr lang="en-US" sz="2800" dirty="0" smtClean="0"/>
+              <a:t> </a:t>
+            </a:r>
+            <a:r>
+              <a:rPr lang="en-US" sz="2800" dirty="0" err="1" smtClean="0"/>
+              <a:t>struktúra</a:t>
+            </a:r>
+            <a:r>
+              <a:rPr lang="en-US" sz="2800" dirty="0" smtClean="0"/>
+              <a:t> </a:t>
+            </a:r>
+            <a:r>
+              <a:rPr lang="en-US" sz="2800" dirty="0" smtClean="0"/>
+              <a:t>Bluetooth LE </a:t>
+            </a:r>
+            <a:r>
+              <a:rPr lang="en-US" sz="2800" dirty="0" err="1" smtClean="0"/>
+              <a:t>eszközök</a:t>
+            </a:r>
+            <a:r>
+              <a:rPr lang="en-US" sz="2800" dirty="0" smtClean="0"/>
+              <a:t> </a:t>
+            </a:r>
+            <a:r>
+              <a:rPr lang="en-US" sz="2800" dirty="0" err="1" smtClean="0"/>
+              <a:t>között</a:t>
             </a:r>
             <a:endParaRPr lang="en-US" sz="2800" dirty="0" smtClean="0"/>
           </a:p>
@@ -5655,15 +6323,15 @@
             </a:pPr>
             <a:r>
               <a:rPr lang="en-US" sz="2800" dirty="0" err="1" smtClean="0"/>
-              <a:t>Privát</a:t>
+              <a:t>Kliens</a:t>
             </a:r>
             <a:r>
               <a:rPr lang="en-US" sz="2800" dirty="0" smtClean="0"/>
-              <a:t> </a:t>
+              <a:t>: </a:t>
             </a:r>
             <a:r>
               <a:rPr lang="en-US" sz="2800" dirty="0" err="1" smtClean="0"/>
-              <a:t>karakterisztika</a:t>
+              <a:t>kéréseket</a:t>
             </a:r>
             <a:r>
               <a:rPr lang="en-US" sz="2800" dirty="0" smtClean="0"/>
@@ -5671,7 +6339,31 @@
             </a:r>
             <a:r>
               <a:rPr lang="en-US" sz="2800" dirty="0" err="1" smtClean="0"/>
-              <a:t>létrehozása</a:t>
+              <a:t>küld</a:t>
+            </a:r>
+            <a:r>
+              <a:rPr lang="en-US" sz="2800" dirty="0" smtClean="0"/>
+              <a:t> </a:t>
+            </a:r>
+            <a:r>
+              <a:rPr lang="en-US" sz="2800" dirty="0" err="1" smtClean="0"/>
+              <a:t>és</a:t>
+            </a:r>
+            <a:r>
+              <a:rPr lang="en-US" sz="2800" dirty="0" smtClean="0"/>
+              <a:t> a </a:t>
+            </a:r>
+            <a:r>
+              <a:rPr lang="en-US" sz="2800" dirty="0" err="1" smtClean="0"/>
+              <a:t>választ</a:t>
+            </a:r>
+            <a:r>
+              <a:rPr lang="en-US" sz="2800" dirty="0" smtClean="0"/>
+              <a:t> </a:t>
+            </a:r>
+            <a:r>
+              <a:rPr lang="en-US" sz="2800" dirty="0" err="1" smtClean="0"/>
+              <a:t>fogadja</a:t>
             </a:r>
             <a:endParaRPr lang="en-US" sz="2800" dirty="0" smtClean="0"/>
           </a:p>
@@ -5684,12 +6376,16 @@
               <a:buChar char="•"/>
             </a:pPr>
             <a:r>
+              <a:rPr lang="en-US" sz="2800" dirty="0" err="1" smtClean="0"/>
+              <a:t>Szerver</a:t>
+            </a:r>
+            <a:r>
               <a:rPr lang="en-US" sz="2800" dirty="0" smtClean="0"/>
-              <a:t>Bluetooth </a:t>
+              <a:t>: </a:t>
             </a:r>
             <a:r>
               <a:rPr lang="en-US" sz="2800" dirty="0" err="1" smtClean="0"/>
-              <a:t>vezérlését</a:t>
+              <a:t>kéréseket</a:t>
             </a:r>
             <a:r>
               <a:rPr lang="en-US" sz="2800" dirty="0" smtClean="0"/>
@@ -5697,7 +6393,7 @@
             </a:r>
             <a:r>
               <a:rPr lang="en-US" sz="2800" dirty="0" err="1" smtClean="0"/>
-              <a:t>egy</a:t>
+              <a:t>fogad</a:t>
             </a:r>
             <a:r>
               <a:rPr lang="en-US" sz="2800" dirty="0" smtClean="0"/>
@@ -5705,7 +6401,7 @@
             </a:r>
             <a:r>
               <a:rPr lang="en-US" sz="2800" dirty="0" err="1" smtClean="0"/>
-              <a:t>állapot</a:t>
+              <a:t>és</a:t>
             </a:r>
             <a:r>
               <a:rPr lang="en-US" sz="2800" dirty="0" smtClean="0"/>
@@ -5713,7 +6409,7 @@
             </a:r>
             <a:r>
               <a:rPr lang="en-US" sz="2800" dirty="0" err="1" smtClean="0"/>
-              <a:t>gép</a:t>
+              <a:t>választ</a:t>
             </a:r>
             <a:r>
               <a:rPr lang="en-US" sz="2800" dirty="0" smtClean="0"/>
@@ -5721,7 +6417,7 @@
             </a:r>
             <a:r>
               <a:rPr lang="en-US" sz="2800" dirty="0" err="1" smtClean="0"/>
-              <a:t>végzi</a:t>
+              <a:t>küld</a:t>
             </a:r>
             <a:endParaRPr lang="en-US" sz="2800" dirty="0" smtClean="0"/>
           </a:p>
@@ -5735,15 +6431,15 @@
             </a:pPr>
             <a:r>
               <a:rPr lang="en-US" sz="2800" dirty="0" err="1" smtClean="0"/>
-              <a:t>Hőmérséklet</a:t>
+              <a:t>Karakterisztika</a:t>
             </a:r>
             <a:r>
               <a:rPr lang="en-US" sz="2800" dirty="0" smtClean="0"/>
-              <a:t> </a:t>
+              <a:t>: </a:t>
             </a:r>
             <a:r>
               <a:rPr lang="en-US" sz="2800" dirty="0" err="1" smtClean="0"/>
-              <a:t>periódikus</a:t>
+              <a:t>adatot</a:t>
             </a:r>
             <a:r>
               <a:rPr lang="en-US" sz="2800" dirty="0" smtClean="0"/>
@@ -5751,7 +6447,7 @@
             </a:r>
             <a:r>
               <a:rPr lang="en-US" sz="2800" dirty="0" err="1" smtClean="0"/>
-              <a:t>lekérdezése</a:t>
+              <a:t>tartalmazó</a:t>
             </a:r>
             <a:r>
               <a:rPr lang="en-US" sz="2800" dirty="0" smtClean="0"/>
@@ -5759,15 +6455,29 @@
             </a:r>
             <a:r>
               <a:rPr lang="en-US" sz="2800" dirty="0" err="1" smtClean="0"/>
-              <a:t>és</a:t>
+              <a:t>szerkezet</a:t>
+            </a:r>
+            <a:endParaRPr lang="en-US" sz="2800" dirty="0" smtClean="0"/>
+          </a:p>
+          <a:p>
+            <a:pPr marL="285750" indent="-285750">
+              <a:lnSpc>
+                <a:spcPct val="150000"/>
+              </a:lnSpc>
+              <a:buFont typeface="Arial" panose="020B0604020202020204" pitchFamily="34" charset="0"/>
+              <a:buChar char="•"/>
+            </a:pPr>
+            <a:r>
+              <a:rPr lang="en-US" sz="2800" dirty="0" err="1" smtClean="0"/>
+              <a:t>Szolgáltatás</a:t>
             </a:r>
             <a:r>
               <a:rPr lang="en-US" sz="2800" dirty="0" smtClean="0"/>
-              <a:t> a </a:t>
+              <a:t>: </a:t>
             </a:r>
             <a:r>
               <a:rPr lang="en-US" sz="2800" dirty="0" err="1" smtClean="0"/>
-              <a:t>privát</a:t>
+              <a:t>több</a:t>
             </a:r>
             <a:r>
               <a:rPr lang="en-US" sz="2800" dirty="0" smtClean="0"/>
@@ -5775,7 +6485,7 @@
             </a:r>
             <a:r>
               <a:rPr lang="en-US" sz="2800" dirty="0" err="1" smtClean="0"/>
-              <a:t>karakterisztika</a:t>
+              <a:t>adatot</a:t>
             </a:r>
             <a:r>
               <a:rPr lang="en-US" sz="2800" dirty="0" smtClean="0"/>
@@ -5783,7 +6493,7 @@
             </a:r>
             <a:r>
               <a:rPr lang="en-US" sz="2800" dirty="0" err="1" smtClean="0"/>
-              <a:t>értékének</a:t>
+              <a:t>összefoglal</a:t>
             </a:r>
             <a:r>
               <a:rPr lang="en-US" sz="2800" dirty="0" smtClean="0"/>
@@ -5791,22 +6501,45 @@
             </a:r>
             <a:r>
               <a:rPr lang="en-US" sz="2800" dirty="0" err="1" smtClean="0"/>
-              <a:t>aktualizálása</a:t>
-            </a:r>
-            <a:endParaRPr lang="en-US" sz="2800" dirty="0" smtClean="0"/>
+              <a:t>egy</a:t>
+            </a:r>
+            <a:r>
+              <a:rPr lang="en-US" sz="2800" dirty="0" smtClean="0"/>
+              <a:t> </a:t>
+            </a:r>
+            <a:r>
+              <a:rPr lang="en-US" sz="2800" dirty="0" err="1" smtClean="0"/>
+              <a:t>funkció</a:t>
+            </a:r>
+            <a:r>
+              <a:rPr lang="en-US" sz="2800" dirty="0" smtClean="0"/>
+              <a:t> </a:t>
+            </a:r>
+            <a:r>
+              <a:rPr lang="en-US" sz="2800" dirty="0" err="1" smtClean="0"/>
+              <a:t>megvalósításához</a:t>
+            </a:r>
+            <a:endParaRPr lang="hu-HU" sz="2800" dirty="0"/>
           </a:p>
         </p:txBody>
       </p:sp>
     </p:spTree>
     <p:extLst>
       <p:ext uri="{BB962C8B-B14F-4D97-AF65-F5344CB8AC3E}">
-        <p14:creationId xmlns:p14="http://schemas.microsoft.com/office/powerpoint/2010/main" val="531433712"/>
+        <p14:creationId xmlns:p14="http://schemas.microsoft.com/office/powerpoint/2010/main" val="694440986"/>
       </p:ext>
     </p:extLst>
   </p:cSld>
   <p:clrMapOvr>
     <a:masterClrMapping/>
   </p:clrMapOvr>
+  <p:timing>
+    <p:tnLst>
+      <p:par>
+        <p:cTn id="1" dur="indefinite" restart="never" nodeType="tmRoot"/>
+      </p:par>
+    </p:tnLst>
+  </p:timing>
 </p:sld>
 </file>
 
@@ -5829,6 +6562,1073 @@
       </p:grpSpPr>
       <p:sp>
         <p:nvSpPr>
+          <p:cNvPr id="7" name="Right Arrow 6"/>
+          <p:cNvSpPr/>
+          <p:nvPr/>
+        </p:nvSpPr>
+        <p:spPr>
+          <a:xfrm>
+            <a:off x="4036852" y="3027614"/>
+            <a:ext cx="3477584" cy="679508"/>
+          </a:xfrm>
+          <a:prstGeom prst="rightArrow">
+            <a:avLst/>
+          </a:prstGeom>
+        </p:spPr>
+        <p:style>
+          <a:lnRef idx="2">
+            <a:schemeClr val="accent1">
+              <a:shade val="50000"/>
+            </a:schemeClr>
+          </a:lnRef>
+          <a:fillRef idx="1">
+            <a:schemeClr val="accent1"/>
+          </a:fillRef>
+          <a:effectRef idx="0">
+            <a:schemeClr val="accent1"/>
+          </a:effectRef>
+          <a:fontRef idx="minor">
+            <a:schemeClr val="lt1"/>
+          </a:fontRef>
+        </p:style>
+        <p:txBody>
+          <a:bodyPr rtlCol="0" anchor="ctr"/>
+          <a:lstStyle/>
+          <a:p>
+            <a:pPr algn="ctr"/>
+            <a:r>
+              <a:rPr lang="en-US" dirty="0" err="1" smtClean="0">
+                <a:solidFill>
+                  <a:schemeClr val="tx1"/>
+                </a:solidFill>
+              </a:rPr>
+              <a:t>Kapcsolat</a:t>
+            </a:r>
+            <a:r>
+              <a:rPr lang="en-US" dirty="0" smtClean="0">
+                <a:solidFill>
+                  <a:schemeClr val="tx1"/>
+                </a:solidFill>
+              </a:rPr>
+              <a:t> </a:t>
+            </a:r>
+            <a:r>
+              <a:rPr lang="en-US" dirty="0" err="1" smtClean="0">
+                <a:solidFill>
+                  <a:schemeClr val="tx1"/>
+                </a:solidFill>
+              </a:rPr>
+              <a:t>kezdeményezése</a:t>
+            </a:r>
+            <a:endParaRPr lang="hu-HU" dirty="0">
+              <a:solidFill>
+                <a:schemeClr val="tx1"/>
+              </a:solidFill>
+            </a:endParaRPr>
+          </a:p>
+        </p:txBody>
+      </p:sp>
+      <p:sp>
+        <p:nvSpPr>
+          <p:cNvPr id="9" name="Chevron 8"/>
+          <p:cNvSpPr/>
+          <p:nvPr/>
+        </p:nvSpPr>
+        <p:spPr>
+          <a:xfrm flipH="1">
+            <a:off x="6506360" y="1327390"/>
+            <a:ext cx="494951" cy="711134"/>
+          </a:xfrm>
+          <a:prstGeom prst="chevron">
+            <a:avLst>
+              <a:gd name="adj" fmla="val 84223"/>
+            </a:avLst>
+          </a:prstGeom>
+        </p:spPr>
+        <p:style>
+          <a:lnRef idx="2">
+            <a:schemeClr val="accent1">
+              <a:shade val="50000"/>
+            </a:schemeClr>
+          </a:lnRef>
+          <a:fillRef idx="1">
+            <a:schemeClr val="accent1"/>
+          </a:fillRef>
+          <a:effectRef idx="0">
+            <a:schemeClr val="accent1"/>
+          </a:effectRef>
+          <a:fontRef idx="minor">
+            <a:schemeClr val="lt1"/>
+          </a:fontRef>
+        </p:style>
+        <p:txBody>
+          <a:bodyPr rtlCol="0" anchor="ctr"/>
+          <a:lstStyle/>
+          <a:p>
+            <a:pPr algn="ctr"/>
+            <a:endParaRPr lang="hu-HU">
+              <a:solidFill>
+                <a:schemeClr val="tx1"/>
+              </a:solidFill>
+            </a:endParaRPr>
+          </a:p>
+        </p:txBody>
+      </p:sp>
+      <p:sp>
+        <p:nvSpPr>
+          <p:cNvPr id="10" name="Chevron 9"/>
+          <p:cNvSpPr/>
+          <p:nvPr/>
+        </p:nvSpPr>
+        <p:spPr>
+          <a:xfrm flipH="1">
+            <a:off x="6753836" y="1327390"/>
+            <a:ext cx="494951" cy="711134"/>
+          </a:xfrm>
+          <a:prstGeom prst="chevron">
+            <a:avLst>
+              <a:gd name="adj" fmla="val 84223"/>
+            </a:avLst>
+          </a:prstGeom>
+        </p:spPr>
+        <p:style>
+          <a:lnRef idx="2">
+            <a:schemeClr val="accent1">
+              <a:shade val="50000"/>
+            </a:schemeClr>
+          </a:lnRef>
+          <a:fillRef idx="1">
+            <a:schemeClr val="accent1"/>
+          </a:fillRef>
+          <a:effectRef idx="0">
+            <a:schemeClr val="accent1"/>
+          </a:effectRef>
+          <a:fontRef idx="minor">
+            <a:schemeClr val="lt1"/>
+          </a:fontRef>
+        </p:style>
+        <p:txBody>
+          <a:bodyPr rtlCol="0" anchor="ctr"/>
+          <a:lstStyle/>
+          <a:p>
+            <a:pPr algn="ctr"/>
+            <a:endParaRPr lang="hu-HU">
+              <a:solidFill>
+                <a:schemeClr val="tx1"/>
+              </a:solidFill>
+            </a:endParaRPr>
+          </a:p>
+        </p:txBody>
+      </p:sp>
+      <p:sp>
+        <p:nvSpPr>
+          <p:cNvPr id="11" name="TextBox 10"/>
+          <p:cNvSpPr txBox="1"/>
+          <p:nvPr/>
+        </p:nvSpPr>
+        <p:spPr>
+          <a:xfrm>
+            <a:off x="6506360" y="1951619"/>
+            <a:ext cx="1049646" cy="369332"/>
+          </a:xfrm>
+          <a:prstGeom prst="rect">
+            <a:avLst/>
+          </a:prstGeom>
+          <a:noFill/>
+        </p:spPr>
+        <p:txBody>
+          <a:bodyPr wrap="none" rtlCol="0">
+            <a:spAutoFit/>
+          </a:bodyPr>
+          <a:lstStyle/>
+          <a:p>
+            <a:r>
+              <a:rPr lang="en-US" dirty="0" smtClean="0"/>
+              <a:t>advertise</a:t>
+            </a:r>
+            <a:endParaRPr lang="hu-HU" dirty="0"/>
+          </a:p>
+        </p:txBody>
+      </p:sp>
+      <p:sp>
+        <p:nvSpPr>
+          <p:cNvPr id="12" name="Left-Right Arrow 11"/>
+          <p:cNvSpPr/>
+          <p:nvPr/>
+        </p:nvSpPr>
+        <p:spPr>
+          <a:xfrm>
+            <a:off x="4026715" y="3795447"/>
+            <a:ext cx="3457662" cy="613529"/>
+          </a:xfrm>
+          <a:prstGeom prst="leftRightArrow">
+            <a:avLst/>
+          </a:prstGeom>
+        </p:spPr>
+        <p:style>
+          <a:lnRef idx="2">
+            <a:schemeClr val="accent1">
+              <a:shade val="50000"/>
+            </a:schemeClr>
+          </a:lnRef>
+          <a:fillRef idx="1">
+            <a:schemeClr val="accent1"/>
+          </a:fillRef>
+          <a:effectRef idx="0">
+            <a:schemeClr val="accent1"/>
+          </a:effectRef>
+          <a:fontRef idx="minor">
+            <a:schemeClr val="lt1"/>
+          </a:fontRef>
+        </p:style>
+        <p:txBody>
+          <a:bodyPr rtlCol="0" anchor="ctr"/>
+          <a:lstStyle/>
+          <a:p>
+            <a:pPr algn="ctr"/>
+            <a:r>
+              <a:rPr lang="en-US" dirty="0" err="1" smtClean="0">
+                <a:solidFill>
+                  <a:schemeClr val="tx1"/>
+                </a:solidFill>
+              </a:rPr>
+              <a:t>Kapcsoalt</a:t>
+            </a:r>
+            <a:r>
+              <a:rPr lang="en-US" dirty="0" smtClean="0">
+                <a:solidFill>
+                  <a:schemeClr val="tx1"/>
+                </a:solidFill>
+              </a:rPr>
+              <a:t> </a:t>
+            </a:r>
+            <a:r>
+              <a:rPr lang="en-US" dirty="0" err="1" smtClean="0">
+                <a:solidFill>
+                  <a:schemeClr val="tx1"/>
+                </a:solidFill>
+              </a:rPr>
+              <a:t>felépül</a:t>
+            </a:r>
+            <a:endParaRPr lang="hu-HU" dirty="0">
+              <a:solidFill>
+                <a:schemeClr val="tx1"/>
+              </a:solidFill>
+            </a:endParaRPr>
+          </a:p>
+        </p:txBody>
+      </p:sp>
+      <p:sp>
+        <p:nvSpPr>
+          <p:cNvPr id="15" name="Right Arrow 14"/>
+          <p:cNvSpPr/>
+          <p:nvPr/>
+        </p:nvSpPr>
+        <p:spPr>
+          <a:xfrm>
+            <a:off x="4026716" y="4873997"/>
+            <a:ext cx="3457662" cy="679508"/>
+          </a:xfrm>
+          <a:prstGeom prst="rightArrow">
+            <a:avLst/>
+          </a:prstGeom>
+        </p:spPr>
+        <p:style>
+          <a:lnRef idx="2">
+            <a:schemeClr val="accent1">
+              <a:shade val="50000"/>
+            </a:schemeClr>
+          </a:lnRef>
+          <a:fillRef idx="1">
+            <a:schemeClr val="accent1"/>
+          </a:fillRef>
+          <a:effectRef idx="0">
+            <a:schemeClr val="accent1"/>
+          </a:effectRef>
+          <a:fontRef idx="minor">
+            <a:schemeClr val="lt1"/>
+          </a:fontRef>
+        </p:style>
+        <p:txBody>
+          <a:bodyPr rtlCol="0" anchor="ctr"/>
+          <a:lstStyle/>
+          <a:p>
+            <a:pPr algn="ctr"/>
+            <a:r>
+              <a:rPr lang="en-US" dirty="0" err="1" smtClean="0">
+                <a:solidFill>
+                  <a:schemeClr val="tx1"/>
+                </a:solidFill>
+              </a:rPr>
+              <a:t>Karakterisztika</a:t>
+            </a:r>
+            <a:r>
+              <a:rPr lang="en-US" dirty="0" smtClean="0">
+                <a:solidFill>
+                  <a:schemeClr val="tx1"/>
+                </a:solidFill>
+              </a:rPr>
+              <a:t> </a:t>
+            </a:r>
+            <a:r>
+              <a:rPr lang="en-US" dirty="0" err="1" smtClean="0">
+                <a:solidFill>
+                  <a:schemeClr val="tx1"/>
+                </a:solidFill>
+              </a:rPr>
+              <a:t>lekérdezése</a:t>
+            </a:r>
+            <a:endParaRPr lang="hu-HU" dirty="0">
+              <a:solidFill>
+                <a:schemeClr val="tx1"/>
+              </a:solidFill>
+            </a:endParaRPr>
+          </a:p>
+        </p:txBody>
+      </p:sp>
+      <p:sp>
+        <p:nvSpPr>
+          <p:cNvPr id="17" name="Right Arrow 16"/>
+          <p:cNvSpPr/>
+          <p:nvPr/>
+        </p:nvSpPr>
+        <p:spPr>
+          <a:xfrm flipH="1">
+            <a:off x="4026714" y="5584964"/>
+            <a:ext cx="3457663" cy="679508"/>
+          </a:xfrm>
+          <a:prstGeom prst="rightArrow">
+            <a:avLst/>
+          </a:prstGeom>
+        </p:spPr>
+        <p:style>
+          <a:lnRef idx="2">
+            <a:schemeClr val="accent1">
+              <a:shade val="50000"/>
+            </a:schemeClr>
+          </a:lnRef>
+          <a:fillRef idx="1">
+            <a:schemeClr val="accent1"/>
+          </a:fillRef>
+          <a:effectRef idx="0">
+            <a:schemeClr val="accent1"/>
+          </a:effectRef>
+          <a:fontRef idx="minor">
+            <a:schemeClr val="lt1"/>
+          </a:fontRef>
+        </p:style>
+        <p:txBody>
+          <a:bodyPr rtlCol="0" anchor="ctr"/>
+          <a:lstStyle/>
+          <a:p>
+            <a:pPr algn="ctr"/>
+            <a:r>
+              <a:rPr lang="en-US" dirty="0" err="1" smtClean="0">
+                <a:solidFill>
+                  <a:schemeClr val="tx1"/>
+                </a:solidFill>
+              </a:rPr>
+              <a:t>Válasz</a:t>
+            </a:r>
+            <a:endParaRPr lang="hu-HU" dirty="0">
+              <a:solidFill>
+                <a:schemeClr val="tx1"/>
+              </a:solidFill>
+            </a:endParaRPr>
+          </a:p>
+        </p:txBody>
+      </p:sp>
+      <p:sp>
+        <p:nvSpPr>
+          <p:cNvPr id="18" name="Rectangle 17"/>
+          <p:cNvSpPr/>
+          <p:nvPr/>
+        </p:nvSpPr>
+        <p:spPr>
+          <a:xfrm>
+            <a:off x="949705" y="461394"/>
+            <a:ext cx="3087147" cy="6161140"/>
+          </a:xfrm>
+          <a:prstGeom prst="rect">
+            <a:avLst/>
+          </a:prstGeom>
+          <a:solidFill>
+            <a:schemeClr val="accent1">
+              <a:lumMod val="60000"/>
+              <a:lumOff val="40000"/>
+            </a:schemeClr>
+          </a:solidFill>
+        </p:spPr>
+        <p:style>
+          <a:lnRef idx="2">
+            <a:schemeClr val="accent1">
+              <a:shade val="50000"/>
+            </a:schemeClr>
+          </a:lnRef>
+          <a:fillRef idx="1">
+            <a:schemeClr val="accent1"/>
+          </a:fillRef>
+          <a:effectRef idx="0">
+            <a:schemeClr val="accent1"/>
+          </a:effectRef>
+          <a:fontRef idx="minor">
+            <a:schemeClr val="lt1"/>
+          </a:fontRef>
+        </p:style>
+        <p:txBody>
+          <a:bodyPr rtlCol="0" anchor="t"/>
+          <a:lstStyle/>
+          <a:p>
+            <a:pPr algn="ctr"/>
+            <a:r>
+              <a:rPr lang="en-US" dirty="0" err="1" smtClean="0">
+                <a:solidFill>
+                  <a:schemeClr val="tx1"/>
+                </a:solidFill>
+              </a:rPr>
+              <a:t>Belső</a:t>
+            </a:r>
+            <a:r>
+              <a:rPr lang="en-US" dirty="0" smtClean="0">
+                <a:solidFill>
+                  <a:schemeClr val="tx1"/>
+                </a:solidFill>
+              </a:rPr>
+              <a:t> </a:t>
+            </a:r>
+            <a:r>
+              <a:rPr lang="en-US" dirty="0" err="1" smtClean="0">
+                <a:solidFill>
+                  <a:schemeClr val="tx1"/>
+                </a:solidFill>
+              </a:rPr>
+              <a:t>modul</a:t>
+            </a:r>
+            <a:endParaRPr lang="hu-HU" dirty="0">
+              <a:solidFill>
+                <a:schemeClr val="tx1"/>
+              </a:solidFill>
+            </a:endParaRPr>
+          </a:p>
+        </p:txBody>
+      </p:sp>
+      <p:sp>
+        <p:nvSpPr>
+          <p:cNvPr id="3" name="Rectangle 2"/>
+          <p:cNvSpPr/>
+          <p:nvPr/>
+        </p:nvSpPr>
+        <p:spPr>
+          <a:xfrm>
+            <a:off x="1293302" y="1334899"/>
+            <a:ext cx="2326197" cy="1038131"/>
+          </a:xfrm>
+          <a:prstGeom prst="rect">
+            <a:avLst/>
+          </a:prstGeom>
+        </p:spPr>
+        <p:style>
+          <a:lnRef idx="2">
+            <a:schemeClr val="accent1">
+              <a:shade val="50000"/>
+            </a:schemeClr>
+          </a:lnRef>
+          <a:fillRef idx="1">
+            <a:schemeClr val="accent1"/>
+          </a:fillRef>
+          <a:effectRef idx="0">
+            <a:schemeClr val="accent1"/>
+          </a:effectRef>
+          <a:fontRef idx="minor">
+            <a:schemeClr val="lt1"/>
+          </a:fontRef>
+        </p:style>
+        <p:txBody>
+          <a:bodyPr rtlCol="0" anchor="ctr"/>
+          <a:lstStyle/>
+          <a:p>
+            <a:pPr algn="ctr"/>
+            <a:r>
+              <a:rPr lang="en-US" dirty="0" err="1">
+                <a:solidFill>
+                  <a:schemeClr val="tx1"/>
+                </a:solidFill>
+              </a:rPr>
+              <a:t>Konfigurálás</a:t>
+            </a:r>
+            <a:r>
+              <a:rPr lang="en-US" dirty="0">
+                <a:solidFill>
+                  <a:schemeClr val="tx1"/>
+                </a:solidFill>
+              </a:rPr>
+              <a:t> </a:t>
+            </a:r>
+            <a:r>
+              <a:rPr lang="en-US" dirty="0" smtClean="0">
+                <a:solidFill>
+                  <a:schemeClr val="tx1"/>
+                </a:solidFill>
+              </a:rPr>
+              <a:t>central </a:t>
+            </a:r>
+            <a:r>
+              <a:rPr lang="en-US" dirty="0" err="1" smtClean="0">
+                <a:solidFill>
+                  <a:schemeClr val="tx1"/>
+                </a:solidFill>
+              </a:rPr>
+              <a:t>üzemmódban</a:t>
+            </a:r>
+            <a:endParaRPr lang="hu-HU" dirty="0">
+              <a:solidFill>
+                <a:schemeClr val="tx1"/>
+              </a:solidFill>
+            </a:endParaRPr>
+          </a:p>
+        </p:txBody>
+      </p:sp>
+      <p:sp>
+        <p:nvSpPr>
+          <p:cNvPr id="13" name="Rectangle 12"/>
+          <p:cNvSpPr/>
+          <p:nvPr/>
+        </p:nvSpPr>
+        <p:spPr>
+          <a:xfrm>
+            <a:off x="1293302" y="5222140"/>
+            <a:ext cx="2326197" cy="1052805"/>
+          </a:xfrm>
+          <a:prstGeom prst="rect">
+            <a:avLst/>
+          </a:prstGeom>
+        </p:spPr>
+        <p:style>
+          <a:lnRef idx="2">
+            <a:schemeClr val="accent1">
+              <a:shade val="50000"/>
+            </a:schemeClr>
+          </a:lnRef>
+          <a:fillRef idx="1">
+            <a:schemeClr val="accent1"/>
+          </a:fillRef>
+          <a:effectRef idx="0">
+            <a:schemeClr val="accent1"/>
+          </a:effectRef>
+          <a:fontRef idx="minor">
+            <a:schemeClr val="lt1"/>
+          </a:fontRef>
+        </p:style>
+        <p:txBody>
+          <a:bodyPr rtlCol="0" anchor="ctr"/>
+          <a:lstStyle/>
+          <a:p>
+            <a:pPr algn="ctr"/>
+            <a:endParaRPr lang="en-US" dirty="0">
+              <a:solidFill>
+                <a:schemeClr val="tx1"/>
+              </a:solidFill>
+            </a:endParaRPr>
+          </a:p>
+          <a:p>
+            <a:pPr algn="ctr"/>
+            <a:r>
+              <a:rPr lang="en-US" dirty="0" err="1" smtClean="0">
+                <a:solidFill>
+                  <a:schemeClr val="tx1"/>
+                </a:solidFill>
+              </a:rPr>
+              <a:t>Privát</a:t>
+            </a:r>
+            <a:r>
+              <a:rPr lang="en-US" dirty="0" smtClean="0">
+                <a:solidFill>
+                  <a:schemeClr val="tx1"/>
+                </a:solidFill>
+              </a:rPr>
+              <a:t> service </a:t>
+            </a:r>
+            <a:r>
+              <a:rPr lang="en-US" dirty="0" err="1" smtClean="0">
+                <a:solidFill>
+                  <a:schemeClr val="tx1"/>
+                </a:solidFill>
+              </a:rPr>
+              <a:t>támogatása</a:t>
+            </a:r>
+            <a:r>
+              <a:rPr lang="en-US" dirty="0" smtClean="0">
+                <a:solidFill>
+                  <a:schemeClr val="tx1"/>
+                </a:solidFill>
+              </a:rPr>
+              <a:t> </a:t>
+            </a:r>
+            <a:r>
+              <a:rPr lang="en-US" dirty="0" err="1" smtClean="0">
+                <a:solidFill>
+                  <a:schemeClr val="tx1"/>
+                </a:solidFill>
+              </a:rPr>
+              <a:t>kliensként</a:t>
+            </a:r>
+            <a:endParaRPr lang="en-US" dirty="0" smtClean="0">
+              <a:solidFill>
+                <a:schemeClr val="tx1"/>
+              </a:solidFill>
+            </a:endParaRPr>
+          </a:p>
+          <a:p>
+            <a:pPr algn="ctr"/>
+            <a:endParaRPr lang="en-US" dirty="0">
+              <a:solidFill>
+                <a:schemeClr val="tx1"/>
+              </a:solidFill>
+            </a:endParaRPr>
+          </a:p>
+        </p:txBody>
+      </p:sp>
+      <p:sp>
+        <p:nvSpPr>
+          <p:cNvPr id="19" name="Rectangle 18"/>
+          <p:cNvSpPr/>
+          <p:nvPr/>
+        </p:nvSpPr>
+        <p:spPr>
+          <a:xfrm>
+            <a:off x="7484377" y="461394"/>
+            <a:ext cx="3087147" cy="6161140"/>
+          </a:xfrm>
+          <a:prstGeom prst="rect">
+            <a:avLst/>
+          </a:prstGeom>
+          <a:solidFill>
+            <a:schemeClr val="accent1">
+              <a:lumMod val="60000"/>
+              <a:lumOff val="40000"/>
+            </a:schemeClr>
+          </a:solidFill>
+        </p:spPr>
+        <p:style>
+          <a:lnRef idx="2">
+            <a:schemeClr val="accent1">
+              <a:shade val="50000"/>
+            </a:schemeClr>
+          </a:lnRef>
+          <a:fillRef idx="1">
+            <a:schemeClr val="accent1"/>
+          </a:fillRef>
+          <a:effectRef idx="0">
+            <a:schemeClr val="accent1"/>
+          </a:effectRef>
+          <a:fontRef idx="minor">
+            <a:schemeClr val="lt1"/>
+          </a:fontRef>
+        </p:style>
+        <p:txBody>
+          <a:bodyPr rtlCol="0" anchor="t"/>
+          <a:lstStyle/>
+          <a:p>
+            <a:pPr algn="ctr"/>
+            <a:r>
+              <a:rPr lang="en-US" dirty="0" smtClean="0">
+                <a:solidFill>
+                  <a:schemeClr val="tx1"/>
+                </a:solidFill>
+              </a:rPr>
+              <a:t>Külső </a:t>
+            </a:r>
+            <a:r>
+              <a:rPr lang="en-US" dirty="0" err="1" smtClean="0">
+                <a:solidFill>
+                  <a:schemeClr val="tx1"/>
+                </a:solidFill>
+              </a:rPr>
+              <a:t>modul</a:t>
+            </a:r>
+            <a:endParaRPr lang="hu-HU" dirty="0">
+              <a:solidFill>
+                <a:schemeClr val="tx1"/>
+              </a:solidFill>
+            </a:endParaRPr>
+          </a:p>
+        </p:txBody>
+      </p:sp>
+      <p:sp>
+        <p:nvSpPr>
+          <p:cNvPr id="4" name="Rectangle 3"/>
+          <p:cNvSpPr/>
+          <p:nvPr/>
+        </p:nvSpPr>
+        <p:spPr>
+          <a:xfrm>
+            <a:off x="7825528" y="1327390"/>
+            <a:ext cx="2404844" cy="1038131"/>
+          </a:xfrm>
+          <a:prstGeom prst="rect">
+            <a:avLst/>
+          </a:prstGeom>
+        </p:spPr>
+        <p:style>
+          <a:lnRef idx="2">
+            <a:schemeClr val="accent1">
+              <a:shade val="50000"/>
+            </a:schemeClr>
+          </a:lnRef>
+          <a:fillRef idx="1">
+            <a:schemeClr val="accent1"/>
+          </a:fillRef>
+          <a:effectRef idx="0">
+            <a:schemeClr val="accent1"/>
+          </a:effectRef>
+          <a:fontRef idx="minor">
+            <a:schemeClr val="lt1"/>
+          </a:fontRef>
+        </p:style>
+        <p:txBody>
+          <a:bodyPr rtlCol="0" anchor="ctr"/>
+          <a:lstStyle/>
+          <a:p>
+            <a:pPr algn="ctr"/>
+            <a:r>
+              <a:rPr lang="en-US" dirty="0" err="1" smtClean="0">
+                <a:solidFill>
+                  <a:schemeClr val="tx1"/>
+                </a:solidFill>
+              </a:rPr>
+              <a:t>Konfigurálás</a:t>
+            </a:r>
+            <a:r>
+              <a:rPr lang="en-US" dirty="0" smtClean="0">
+                <a:solidFill>
+                  <a:schemeClr val="tx1"/>
+                </a:solidFill>
+              </a:rPr>
+              <a:t> </a:t>
+            </a:r>
+            <a:r>
+              <a:rPr lang="en-US" dirty="0" err="1" smtClean="0">
+                <a:solidFill>
+                  <a:schemeClr val="tx1"/>
+                </a:solidFill>
+              </a:rPr>
+              <a:t>peripherial</a:t>
+            </a:r>
+            <a:endParaRPr lang="en-US" dirty="0" smtClean="0">
+              <a:solidFill>
+                <a:schemeClr val="tx1"/>
+              </a:solidFill>
+            </a:endParaRPr>
+          </a:p>
+          <a:p>
+            <a:pPr algn="ctr"/>
+            <a:r>
+              <a:rPr lang="en-US" dirty="0" err="1" smtClean="0">
+                <a:solidFill>
+                  <a:schemeClr val="tx1"/>
+                </a:solidFill>
+              </a:rPr>
+              <a:t>üzzemódban</a:t>
+            </a:r>
+            <a:endParaRPr lang="en-US" dirty="0" smtClean="0">
+              <a:solidFill>
+                <a:schemeClr val="tx1"/>
+              </a:solidFill>
+            </a:endParaRPr>
+          </a:p>
+        </p:txBody>
+      </p:sp>
+      <p:sp>
+        <p:nvSpPr>
+          <p:cNvPr id="14" name="Rectangle 13"/>
+          <p:cNvSpPr/>
+          <p:nvPr/>
+        </p:nvSpPr>
+        <p:spPr>
+          <a:xfrm>
+            <a:off x="7825527" y="5226341"/>
+            <a:ext cx="2404845" cy="1052805"/>
+          </a:xfrm>
+          <a:prstGeom prst="rect">
+            <a:avLst/>
+          </a:prstGeom>
+        </p:spPr>
+        <p:style>
+          <a:lnRef idx="2">
+            <a:schemeClr val="accent1">
+              <a:shade val="50000"/>
+            </a:schemeClr>
+          </a:lnRef>
+          <a:fillRef idx="1">
+            <a:schemeClr val="accent1"/>
+          </a:fillRef>
+          <a:effectRef idx="0">
+            <a:schemeClr val="accent1"/>
+          </a:effectRef>
+          <a:fontRef idx="minor">
+            <a:schemeClr val="lt1"/>
+          </a:fontRef>
+        </p:style>
+        <p:txBody>
+          <a:bodyPr rtlCol="0" anchor="ctr"/>
+          <a:lstStyle/>
+          <a:p>
+            <a:pPr algn="ctr"/>
+            <a:endParaRPr lang="en-US" dirty="0">
+              <a:solidFill>
+                <a:schemeClr val="tx1"/>
+              </a:solidFill>
+            </a:endParaRPr>
+          </a:p>
+          <a:p>
+            <a:pPr algn="ctr"/>
+            <a:r>
+              <a:rPr lang="en-US" dirty="0" err="1" smtClean="0">
+                <a:solidFill>
+                  <a:schemeClr val="tx1"/>
+                </a:solidFill>
+              </a:rPr>
+              <a:t>Privát</a:t>
+            </a:r>
+            <a:r>
+              <a:rPr lang="en-US" dirty="0" smtClean="0">
+                <a:solidFill>
+                  <a:schemeClr val="tx1"/>
+                </a:solidFill>
+              </a:rPr>
+              <a:t> service </a:t>
+            </a:r>
+            <a:r>
+              <a:rPr lang="en-US" dirty="0" err="1" smtClean="0">
+                <a:solidFill>
+                  <a:schemeClr val="tx1"/>
+                </a:solidFill>
+              </a:rPr>
+              <a:t>támogatása</a:t>
+            </a:r>
+            <a:r>
+              <a:rPr lang="en-US" dirty="0" smtClean="0">
+                <a:solidFill>
+                  <a:schemeClr val="tx1"/>
+                </a:solidFill>
+              </a:rPr>
+              <a:t> </a:t>
+            </a:r>
+            <a:r>
+              <a:rPr lang="en-US" dirty="0" err="1" smtClean="0">
+                <a:solidFill>
+                  <a:schemeClr val="tx1"/>
+                </a:solidFill>
+              </a:rPr>
+              <a:t>szerverként</a:t>
+            </a:r>
+            <a:endParaRPr lang="en-US" dirty="0" smtClean="0">
+              <a:solidFill>
+                <a:schemeClr val="tx1"/>
+              </a:solidFill>
+            </a:endParaRPr>
+          </a:p>
+          <a:p>
+            <a:pPr algn="ctr"/>
+            <a:endParaRPr lang="en-US" dirty="0">
+              <a:solidFill>
+                <a:schemeClr val="tx1"/>
+              </a:solidFill>
+            </a:endParaRPr>
+          </a:p>
+        </p:txBody>
+      </p:sp>
+      <p:sp>
+        <p:nvSpPr>
+          <p:cNvPr id="20" name="Rectangle 19"/>
+          <p:cNvSpPr/>
+          <p:nvPr/>
+        </p:nvSpPr>
+        <p:spPr>
+          <a:xfrm>
+            <a:off x="1293301" y="3188056"/>
+            <a:ext cx="2326197" cy="1038131"/>
+          </a:xfrm>
+          <a:prstGeom prst="rect">
+            <a:avLst/>
+          </a:prstGeom>
+        </p:spPr>
+        <p:style>
+          <a:lnRef idx="2">
+            <a:schemeClr val="accent1">
+              <a:shade val="50000"/>
+            </a:schemeClr>
+          </a:lnRef>
+          <a:fillRef idx="1">
+            <a:schemeClr val="accent1"/>
+          </a:fillRef>
+          <a:effectRef idx="0">
+            <a:schemeClr val="accent1"/>
+          </a:effectRef>
+          <a:fontRef idx="minor">
+            <a:schemeClr val="lt1"/>
+          </a:fontRef>
+        </p:style>
+        <p:txBody>
+          <a:bodyPr rtlCol="0" anchor="ctr"/>
+          <a:lstStyle/>
+          <a:p>
+            <a:pPr algn="ctr"/>
+            <a:r>
+              <a:rPr lang="en-US" dirty="0" smtClean="0">
+                <a:solidFill>
+                  <a:schemeClr val="tx1"/>
+                </a:solidFill>
+              </a:rPr>
+              <a:t>Bluetooth </a:t>
+            </a:r>
+            <a:r>
+              <a:rPr lang="en-US" dirty="0" err="1" smtClean="0">
+                <a:solidFill>
+                  <a:schemeClr val="tx1"/>
+                </a:solidFill>
+              </a:rPr>
+              <a:t>kapcsolat</a:t>
+            </a:r>
+            <a:r>
+              <a:rPr lang="en-US" dirty="0" smtClean="0">
+                <a:solidFill>
+                  <a:schemeClr val="tx1"/>
+                </a:solidFill>
+              </a:rPr>
+              <a:t> </a:t>
+            </a:r>
+            <a:r>
+              <a:rPr lang="en-US" dirty="0" err="1" smtClean="0">
+                <a:solidFill>
+                  <a:schemeClr val="tx1"/>
+                </a:solidFill>
+              </a:rPr>
+              <a:t>felvétel</a:t>
+            </a:r>
+            <a:endParaRPr lang="hu-HU" dirty="0">
+              <a:solidFill>
+                <a:schemeClr val="tx1"/>
+              </a:solidFill>
+            </a:endParaRPr>
+          </a:p>
+        </p:txBody>
+      </p:sp>
+      <p:sp>
+        <p:nvSpPr>
+          <p:cNvPr id="21" name="Rectangle 20"/>
+          <p:cNvSpPr/>
+          <p:nvPr/>
+        </p:nvSpPr>
+        <p:spPr>
+          <a:xfrm>
+            <a:off x="7825527" y="3188056"/>
+            <a:ext cx="2326197" cy="1038131"/>
+          </a:xfrm>
+          <a:prstGeom prst="rect">
+            <a:avLst/>
+          </a:prstGeom>
+        </p:spPr>
+        <p:style>
+          <a:lnRef idx="2">
+            <a:schemeClr val="accent1">
+              <a:shade val="50000"/>
+            </a:schemeClr>
+          </a:lnRef>
+          <a:fillRef idx="1">
+            <a:schemeClr val="accent1"/>
+          </a:fillRef>
+          <a:effectRef idx="0">
+            <a:schemeClr val="accent1"/>
+          </a:effectRef>
+          <a:fontRef idx="minor">
+            <a:schemeClr val="lt1"/>
+          </a:fontRef>
+        </p:style>
+        <p:txBody>
+          <a:bodyPr rtlCol="0" anchor="ctr"/>
+          <a:lstStyle/>
+          <a:p>
+            <a:pPr algn="ctr"/>
+            <a:r>
+              <a:rPr lang="en-US" dirty="0" smtClean="0">
+                <a:solidFill>
+                  <a:schemeClr val="tx1"/>
+                </a:solidFill>
+              </a:rPr>
+              <a:t>Bluetooth </a:t>
+            </a:r>
+            <a:r>
+              <a:rPr lang="en-US" dirty="0" err="1" smtClean="0">
+                <a:solidFill>
+                  <a:schemeClr val="tx1"/>
+                </a:solidFill>
+              </a:rPr>
+              <a:t>kapcsolat</a:t>
+            </a:r>
+            <a:r>
+              <a:rPr lang="en-US" dirty="0" smtClean="0">
+                <a:solidFill>
+                  <a:schemeClr val="tx1"/>
+                </a:solidFill>
+              </a:rPr>
+              <a:t> </a:t>
+            </a:r>
+            <a:r>
+              <a:rPr lang="en-US" dirty="0" err="1" smtClean="0">
+                <a:solidFill>
+                  <a:schemeClr val="tx1"/>
+                </a:solidFill>
+              </a:rPr>
+              <a:t>fogadás</a:t>
+            </a:r>
+            <a:endParaRPr lang="hu-HU" dirty="0">
+              <a:solidFill>
+                <a:schemeClr val="tx1"/>
+              </a:solidFill>
+            </a:endParaRPr>
+          </a:p>
+        </p:txBody>
+      </p:sp>
+    </p:spTree>
+    <p:extLst>
+      <p:ext uri="{BB962C8B-B14F-4D97-AF65-F5344CB8AC3E}">
+        <p14:creationId xmlns:p14="http://schemas.microsoft.com/office/powerpoint/2010/main" val="3740937440"/>
+      </p:ext>
+    </p:extLst>
+  </p:cSld>
+  <p:clrMapOvr>
+    <a:masterClrMapping/>
+  </p:clrMapOvr>
+  <p:timing>
+    <p:tnLst>
+      <p:par>
+        <p:cTn id="1" dur="indefinite" restart="never" nodeType="tmRoot"/>
+      </p:par>
+    </p:tnLst>
+  </p:timing>
+</p:sld>
+</file>
+
+<file path=ppt/slides/slide9.xml><?xml version="1.0" encoding="utf-8"?>
+<p:sld xmlns:a="http://schemas.openxmlformats.org/drawingml/2006/main" xmlns:r="http://schemas.openxmlformats.org/officeDocument/2006/relationships" xmlns:p="http://schemas.openxmlformats.org/presentationml/2006/main">
+  <p:cSld>
+    <p:spTree>
+      <p:nvGrpSpPr>
+        <p:cNvPr id="1" name=""/>
+        <p:cNvGrpSpPr/>
+        <p:nvPr/>
+      </p:nvGrpSpPr>
+      <p:grpSpPr>
+        <a:xfrm>
+          <a:off x="0" y="0"/>
+          <a:ext cx="0" cy="0"/>
+          <a:chOff x="0" y="0"/>
+          <a:chExt cx="0" cy="0"/>
+        </a:xfrm>
+      </p:grpSpPr>
+      <p:sp>
+        <p:nvSpPr>
           <p:cNvPr id="2" name="Title 1"/>
           <p:cNvSpPr>
             <a:spLocks noGrp="1"/>
@@ -5839,31 +7639,272 @@
         </p:nvSpPr>
         <p:spPr/>
         <p:txBody>
-          <a:bodyPr/>
-          <a:lstStyle/>
-          <a:p>
-            <a:r>
-              <a:rPr lang="en-US" dirty="0" err="1" smtClean="0">
-                <a:latin typeface="Arial Rounded MT Bold" panose="020F0704030504030204" pitchFamily="34" charset="0"/>
-              </a:rPr>
-              <a:t>Összefoglalás</a:t>
-            </a:r>
-            <a:endParaRPr lang="hu-HU" dirty="0">
-              <a:latin typeface="Arial Rounded MT Bold" panose="020F0704030504030204" pitchFamily="34" charset="0"/>
+          <a:bodyPr>
+            <a:normAutofit/>
+          </a:bodyPr>
+          <a:lstStyle/>
+          <a:p>
+            <a:r>
+              <a:rPr lang="en-US" u="sng" dirty="0" err="1">
+                <a:latin typeface="Arial" panose="020B0604020202020204" pitchFamily="34" charset="0"/>
+                <a:cs typeface="Arial" panose="020B0604020202020204" pitchFamily="34" charset="0"/>
+              </a:rPr>
+              <a:t>Belső</a:t>
+            </a:r>
+            <a:r>
+              <a:rPr lang="en-US" u="sng" dirty="0">
+                <a:latin typeface="Arial" panose="020B0604020202020204" pitchFamily="34" charset="0"/>
+                <a:cs typeface="Arial" panose="020B0604020202020204" pitchFamily="34" charset="0"/>
+              </a:rPr>
+              <a:t> </a:t>
+            </a:r>
+            <a:r>
+              <a:rPr lang="en-US" u="sng" dirty="0" err="1">
+                <a:latin typeface="Arial" panose="020B0604020202020204" pitchFamily="34" charset="0"/>
+                <a:cs typeface="Arial" panose="020B0604020202020204" pitchFamily="34" charset="0"/>
+              </a:rPr>
+              <a:t>modul</a:t>
+            </a:r>
+            <a:r>
+              <a:rPr lang="en-US" u="sng" dirty="0">
+                <a:latin typeface="Arial" panose="020B0604020202020204" pitchFamily="34" charset="0"/>
+                <a:cs typeface="Arial" panose="020B0604020202020204" pitchFamily="34" charset="0"/>
+              </a:rPr>
+              <a:t> </a:t>
+            </a:r>
+            <a:r>
+              <a:rPr lang="en-US" u="sng" dirty="0" err="1">
+                <a:latin typeface="Arial" panose="020B0604020202020204" pitchFamily="34" charset="0"/>
+                <a:cs typeface="Arial" panose="020B0604020202020204" pitchFamily="34" charset="0"/>
+              </a:rPr>
+              <a:t>szoftverének</a:t>
+            </a:r>
+            <a:r>
+              <a:rPr lang="en-US" u="sng" dirty="0">
+                <a:latin typeface="Arial" panose="020B0604020202020204" pitchFamily="34" charset="0"/>
+                <a:cs typeface="Arial" panose="020B0604020202020204" pitchFamily="34" charset="0"/>
+              </a:rPr>
+              <a:t> </a:t>
+            </a:r>
+            <a:r>
+              <a:rPr lang="en-US" u="sng" dirty="0" err="1" smtClean="0">
+                <a:latin typeface="Arial" panose="020B0604020202020204" pitchFamily="34" charset="0"/>
+                <a:cs typeface="Arial" panose="020B0604020202020204" pitchFamily="34" charset="0"/>
+              </a:rPr>
+              <a:t>felépítése</a:t>
+            </a:r>
+            <a:endParaRPr lang="hu-HU" u="sng" dirty="0">
+              <a:latin typeface="Arial" panose="020B0604020202020204" pitchFamily="34" charset="0"/>
+              <a:cs typeface="Arial" panose="020B0604020202020204" pitchFamily="34" charset="0"/>
             </a:endParaRPr>
           </a:p>
         </p:txBody>
       </p:sp>
       <p:sp>
         <p:nvSpPr>
-          <p:cNvPr id="4" name="TextBox 3"/>
+          <p:cNvPr id="4" name="Subtitle 2"/>
+          <p:cNvSpPr txBox="1">
+            <a:spLocks/>
+          </p:cNvSpPr>
+          <p:nvPr/>
+        </p:nvSpPr>
+        <p:spPr>
+          <a:xfrm>
+            <a:off x="1031846" y="1857080"/>
+            <a:ext cx="9636154" cy="4377465"/>
+          </a:xfrm>
+          <a:prstGeom prst="rect">
+            <a:avLst/>
+          </a:prstGeom>
+        </p:spPr>
+        <p:txBody>
+          <a:bodyPr vert="horz" wrap="square" lIns="91440" tIns="0" rIns="91440" bIns="0" rtlCol="0" anchor="ctr" anchorCtr="0">
+            <a:normAutofit/>
+          </a:bodyPr>
+          <a:lstStyle>
+            <a:lvl1pPr marL="228600" indent="-228600" algn="l" defTabSz="914400" rtl="0" eaLnBrk="1" latinLnBrk="0" hangingPunct="1">
+              <a:lnSpc>
+                <a:spcPct val="90000"/>
+              </a:lnSpc>
+              <a:spcBef>
+                <a:spcPts val="1000"/>
+              </a:spcBef>
+              <a:buFont typeface="Arial" panose="020B0604020202020204" pitchFamily="34" charset="0"/>
+              <a:buChar char="•"/>
+              <a:defRPr sz="2800" kern="1200">
+                <a:solidFill>
+                  <a:schemeClr val="tx1"/>
+                </a:solidFill>
+                <a:latin typeface="+mn-lt"/>
+                <a:ea typeface="+mn-ea"/>
+                <a:cs typeface="+mn-cs"/>
+              </a:defRPr>
+            </a:lvl1pPr>
+            <a:lvl2pPr marL="685800" indent="-228600" algn="l" defTabSz="914400" rtl="0" eaLnBrk="1" latinLnBrk="0" hangingPunct="1">
+              <a:lnSpc>
+                <a:spcPct val="90000"/>
+              </a:lnSpc>
+              <a:spcBef>
+                <a:spcPts val="500"/>
+              </a:spcBef>
+              <a:buFont typeface="Arial" panose="020B0604020202020204" pitchFamily="34" charset="0"/>
+              <a:buChar char="•"/>
+              <a:defRPr sz="2400" kern="1200">
+                <a:solidFill>
+                  <a:schemeClr val="tx1"/>
+                </a:solidFill>
+                <a:latin typeface="+mn-lt"/>
+                <a:ea typeface="+mn-ea"/>
+                <a:cs typeface="+mn-cs"/>
+              </a:defRPr>
+            </a:lvl2pPr>
+            <a:lvl3pPr marL="1143000" indent="-228600" algn="l" defTabSz="914400" rtl="0" eaLnBrk="1" latinLnBrk="0" hangingPunct="1">
+              <a:lnSpc>
+                <a:spcPct val="90000"/>
+              </a:lnSpc>
+              <a:spcBef>
+                <a:spcPts val="500"/>
+              </a:spcBef>
+              <a:buFont typeface="Arial" panose="020B0604020202020204" pitchFamily="34" charset="0"/>
+              <a:buChar char="•"/>
+              <a:defRPr sz="2000" kern="1200">
+                <a:solidFill>
+                  <a:schemeClr val="tx1"/>
+                </a:solidFill>
+                <a:latin typeface="+mn-lt"/>
+                <a:ea typeface="+mn-ea"/>
+                <a:cs typeface="+mn-cs"/>
+              </a:defRPr>
+            </a:lvl3pPr>
+            <a:lvl4pPr marL="1600200" indent="-228600" algn="l" defTabSz="914400" rtl="0" eaLnBrk="1" latinLnBrk="0" hangingPunct="1">
+              <a:lnSpc>
+                <a:spcPct val="90000"/>
+              </a:lnSpc>
+              <a:spcBef>
+                <a:spcPts val="500"/>
+              </a:spcBef>
+              <a:buFont typeface="Arial" panose="020B0604020202020204" pitchFamily="34" charset="0"/>
+              <a:buChar char="•"/>
+              <a:defRPr sz="1800" kern="1200">
+                <a:solidFill>
+                  <a:schemeClr val="tx1"/>
+                </a:solidFill>
+                <a:latin typeface="+mn-lt"/>
+                <a:ea typeface="+mn-ea"/>
+                <a:cs typeface="+mn-cs"/>
+              </a:defRPr>
+            </a:lvl4pPr>
+            <a:lvl5pPr marL="2057400" indent="-228600" algn="l" defTabSz="914400" rtl="0" eaLnBrk="1" latinLnBrk="0" hangingPunct="1">
+              <a:lnSpc>
+                <a:spcPct val="90000"/>
+              </a:lnSpc>
+              <a:spcBef>
+                <a:spcPts val="500"/>
+              </a:spcBef>
+              <a:buFont typeface="Arial" panose="020B0604020202020204" pitchFamily="34" charset="0"/>
+              <a:buChar char="•"/>
+              <a:defRPr sz="1800" kern="1200">
+                <a:solidFill>
+                  <a:schemeClr val="tx1"/>
+                </a:solidFill>
+                <a:latin typeface="+mn-lt"/>
+                <a:ea typeface="+mn-ea"/>
+                <a:cs typeface="+mn-cs"/>
+              </a:defRPr>
+            </a:lvl5pPr>
+            <a:lvl6pPr marL="2514600" indent="-228600" algn="l" defTabSz="914400" rtl="0" eaLnBrk="1" latinLnBrk="0" hangingPunct="1">
+              <a:lnSpc>
+                <a:spcPct val="90000"/>
+              </a:lnSpc>
+              <a:spcBef>
+                <a:spcPts val="500"/>
+              </a:spcBef>
+              <a:buFont typeface="Arial" panose="020B0604020202020204" pitchFamily="34" charset="0"/>
+              <a:buChar char="•"/>
+              <a:defRPr sz="1800" kern="1200">
+                <a:solidFill>
+                  <a:schemeClr val="tx1"/>
+                </a:solidFill>
+                <a:latin typeface="+mn-lt"/>
+                <a:ea typeface="+mn-ea"/>
+                <a:cs typeface="+mn-cs"/>
+              </a:defRPr>
+            </a:lvl6pPr>
+            <a:lvl7pPr marL="2971800" indent="-228600" algn="l" defTabSz="914400" rtl="0" eaLnBrk="1" latinLnBrk="0" hangingPunct="1">
+              <a:lnSpc>
+                <a:spcPct val="90000"/>
+              </a:lnSpc>
+              <a:spcBef>
+                <a:spcPts val="500"/>
+              </a:spcBef>
+              <a:buFont typeface="Arial" panose="020B0604020202020204" pitchFamily="34" charset="0"/>
+              <a:buChar char="•"/>
+              <a:defRPr sz="1800" kern="1200">
+                <a:solidFill>
+                  <a:schemeClr val="tx1"/>
+                </a:solidFill>
+                <a:latin typeface="+mn-lt"/>
+                <a:ea typeface="+mn-ea"/>
+                <a:cs typeface="+mn-cs"/>
+              </a:defRPr>
+            </a:lvl7pPr>
+            <a:lvl8pPr marL="3429000" indent="-228600" algn="l" defTabSz="914400" rtl="0" eaLnBrk="1" latinLnBrk="0" hangingPunct="1">
+              <a:lnSpc>
+                <a:spcPct val="90000"/>
+              </a:lnSpc>
+              <a:spcBef>
+                <a:spcPts val="500"/>
+              </a:spcBef>
+              <a:buFont typeface="Arial" panose="020B0604020202020204" pitchFamily="34" charset="0"/>
+              <a:buChar char="•"/>
+              <a:defRPr sz="1800" kern="1200">
+                <a:solidFill>
+                  <a:schemeClr val="tx1"/>
+                </a:solidFill>
+                <a:latin typeface="+mn-lt"/>
+                <a:ea typeface="+mn-ea"/>
+                <a:cs typeface="+mn-cs"/>
+              </a:defRPr>
+            </a:lvl8pPr>
+            <a:lvl9pPr marL="3886200" indent="-228600" algn="l" defTabSz="914400" rtl="0" eaLnBrk="1" latinLnBrk="0" hangingPunct="1">
+              <a:lnSpc>
+                <a:spcPct val="90000"/>
+              </a:lnSpc>
+              <a:spcBef>
+                <a:spcPts val="500"/>
+              </a:spcBef>
+              <a:buFont typeface="Arial" panose="020B0604020202020204" pitchFamily="34" charset="0"/>
+              <a:buChar char="•"/>
+              <a:defRPr sz="1800" kern="1200">
+                <a:solidFill>
+                  <a:schemeClr val="tx1"/>
+                </a:solidFill>
+                <a:latin typeface="+mn-lt"/>
+                <a:ea typeface="+mn-ea"/>
+                <a:cs typeface="+mn-cs"/>
+              </a:defRPr>
+            </a:lvl9pPr>
+          </a:lstStyle>
+          <a:p>
+            <a:pPr>
+              <a:lnSpc>
+                <a:spcPct val="150000"/>
+              </a:lnSpc>
+            </a:pPr>
+            <a:endParaRPr lang="en-US" dirty="0"/>
+          </a:p>
+        </p:txBody>
+      </p:sp>
+      <p:sp>
+        <p:nvSpPr>
+          <p:cNvPr id="5" name="TextBox 4"/>
           <p:cNvSpPr txBox="1"/>
           <p:nvPr/>
         </p:nvSpPr>
         <p:spPr>
           <a:xfrm>
             <a:off x="1031845" y="2147582"/>
-            <a:ext cx="10033233" cy="1384995"/>
+            <a:ext cx="10033233" cy="3323987"/>
           </a:xfrm>
           <a:prstGeom prst="rect">
             <a:avLst/>
@@ -5884,8 +7925,8 @@
               <a:buChar char="•"/>
             </a:pPr>
             <a:r>
-              <a:rPr lang="en-US" sz="2800"/>
-              <a:t>.</a:t>
+              <a:rPr lang="en-US" sz="2800" dirty="0" err="1" smtClean="0"/>
+              <a:t>Inicializálás</a:t>
             </a:r>
             <a:endParaRPr lang="en-US" sz="2800" dirty="0" smtClean="0"/>
           </a:p>
@@ -5897,6 +7938,128 @@
               <a:buFont typeface="Arial" panose="020B0604020202020204" pitchFamily="34" charset="0"/>
               <a:buChar char="•"/>
             </a:pPr>
+            <a:r>
+              <a:rPr lang="en-US" sz="2800" dirty="0" smtClean="0"/>
+              <a:t>Bluetooth: central </a:t>
+            </a:r>
+            <a:r>
+              <a:rPr lang="en-US" sz="2800" dirty="0" err="1" smtClean="0"/>
+              <a:t>üzemmódban</a:t>
+            </a:r>
+            <a:endParaRPr lang="en-US" sz="2800" dirty="0" smtClean="0"/>
+          </a:p>
+          <a:p>
+            <a:pPr marL="285750" indent="-285750">
+              <a:lnSpc>
+                <a:spcPct val="150000"/>
+              </a:lnSpc>
+              <a:buFont typeface="Arial" panose="020B0604020202020204" pitchFamily="34" charset="0"/>
+              <a:buChar char="•"/>
+            </a:pPr>
+            <a:r>
+              <a:rPr lang="en-US" sz="2800" dirty="0" smtClean="0"/>
+              <a:t>Bluetooth </a:t>
+            </a:r>
+            <a:r>
+              <a:rPr lang="en-US" sz="2800" dirty="0" err="1" smtClean="0"/>
+              <a:t>vezérlését</a:t>
+            </a:r>
+            <a:r>
+              <a:rPr lang="en-US" sz="2800" dirty="0" smtClean="0"/>
+              <a:t> </a:t>
+            </a:r>
+            <a:r>
+              <a:rPr lang="en-US" sz="2800" dirty="0" err="1" smtClean="0"/>
+              <a:t>egy</a:t>
+            </a:r>
+            <a:r>
+              <a:rPr lang="en-US" sz="2800" dirty="0" smtClean="0"/>
+              <a:t> </a:t>
+            </a:r>
+            <a:r>
+              <a:rPr lang="en-US" sz="2800" dirty="0" err="1" smtClean="0"/>
+              <a:t>állapotgép</a:t>
+            </a:r>
+            <a:r>
+              <a:rPr lang="en-US" sz="2800" dirty="0" smtClean="0"/>
+              <a:t> </a:t>
+            </a:r>
+            <a:r>
+              <a:rPr lang="en-US" sz="2800" dirty="0" err="1" smtClean="0"/>
+              <a:t>végzi</a:t>
+            </a:r>
+            <a:endParaRPr lang="en-US" sz="2800" dirty="0" smtClean="0"/>
+          </a:p>
+          <a:p>
+            <a:pPr marL="285750" indent="-285750">
+              <a:lnSpc>
+                <a:spcPct val="150000"/>
+              </a:lnSpc>
+              <a:buFont typeface="Arial" panose="020B0604020202020204" pitchFamily="34" charset="0"/>
+              <a:buChar char="•"/>
+            </a:pPr>
+            <a:r>
+              <a:rPr lang="en-US" sz="2800" dirty="0" err="1" smtClean="0"/>
+              <a:t>Hőmérséklet</a:t>
+            </a:r>
+            <a:r>
+              <a:rPr lang="en-US" sz="2800" dirty="0" smtClean="0"/>
+              <a:t> </a:t>
+            </a:r>
+            <a:r>
+              <a:rPr lang="en-US" sz="2800" dirty="0" err="1" smtClean="0"/>
+              <a:t>periódikus</a:t>
+            </a:r>
+            <a:r>
+              <a:rPr lang="en-US" sz="2800" dirty="0" smtClean="0"/>
+              <a:t> </a:t>
+            </a:r>
+            <a:r>
+              <a:rPr lang="en-US" sz="2800" dirty="0" err="1" smtClean="0"/>
+              <a:t>lekérdezése</a:t>
+            </a:r>
+            <a:r>
+              <a:rPr lang="en-US" sz="2800" dirty="0" smtClean="0"/>
+              <a:t> </a:t>
+            </a:r>
+            <a:r>
+              <a:rPr lang="en-US" sz="2800" dirty="0" err="1" smtClean="0"/>
+              <a:t>mindkét</a:t>
+            </a:r>
+            <a:r>
+              <a:rPr lang="en-US" sz="2800" dirty="0" smtClean="0"/>
+              <a:t> </a:t>
+            </a:r>
+            <a:r>
+              <a:rPr lang="en-US" sz="2800" dirty="0" err="1" smtClean="0"/>
+              <a:t>modulról</a:t>
+            </a:r>
+            <a:endParaRPr lang="en-US" sz="2800" dirty="0"/>
+          </a:p>
+          <a:p>
+            <a:pPr marL="285750" indent="-285750">
+              <a:lnSpc>
+                <a:spcPct val="150000"/>
+              </a:lnSpc>
+              <a:buFont typeface="Arial" panose="020B0604020202020204" pitchFamily="34" charset="0"/>
+              <a:buChar char="•"/>
+            </a:pPr>
+            <a:r>
+              <a:rPr lang="en-US" sz="2800" dirty="0" smtClean="0"/>
+              <a:t>LCD </a:t>
+            </a:r>
+            <a:r>
+              <a:rPr lang="en-US" sz="2800" dirty="0" err="1" smtClean="0"/>
+              <a:t>kijelzőre</a:t>
+            </a:r>
+            <a:r>
+              <a:rPr lang="en-US" sz="2800" dirty="0" smtClean="0"/>
+              <a:t> </a:t>
+            </a:r>
+            <a:r>
+              <a:rPr lang="en-US" sz="2800" dirty="0" err="1" smtClean="0"/>
+              <a:t>kiírás</a:t>
+            </a:r>
             <a:endParaRPr lang="en-US" sz="2800" dirty="0" smtClean="0"/>
           </a:p>
         </p:txBody>
@@ -5904,13 +8067,20 @@
     </p:spTree>
     <p:extLst>
       <p:ext uri="{BB962C8B-B14F-4D97-AF65-F5344CB8AC3E}">
-        <p14:creationId xmlns:p14="http://schemas.microsoft.com/office/powerpoint/2010/main" val="2116259712"/>
+        <p14:creationId xmlns:p14="http://schemas.microsoft.com/office/powerpoint/2010/main" val="580735239"/>
       </p:ext>
     </p:extLst>
   </p:cSld>
   <p:clrMapOvr>
     <a:masterClrMapping/>
   </p:clrMapOvr>
+  <p:timing>
+    <p:tnLst>
+      <p:par>
+        <p:cTn id="1" dur="indefinite" restart="never" nodeType="tmRoot"/>
+      </p:par>
+    </p:tnLst>
+  </p:timing>
 </p:sld>
 </file>
 

--- a/Moduláris digitalis hőmérő fejlesztése.pptx
+++ b/Moduláris digitalis hőmérő fejlesztése.pptx
@@ -17,6 +17,7 @@
     <p:sldId id="264" r:id="rId11"/>
     <p:sldId id="262" r:id="rId12"/>
     <p:sldId id="263" r:id="rId13"/>
+    <p:sldId id="268" r:id="rId14"/>
   </p:sldIdLst>
   <p:sldSz cx="12192000" cy="6858000"/>
   <p:notesSz cx="6858000" cy="9144000"/>
@@ -3124,11 +3125,7 @@
             </a:r>
             <a:r>
               <a:rPr lang="en-US" dirty="0" smtClean="0"/>
-              <a:t> </a:t>
-            </a:r>
-            <a:r>
-              <a:rPr lang="en-US" dirty="0" smtClean="0"/>
-              <a:t>BSC </a:t>
+              <a:t> BSC </a:t>
             </a:r>
             <a:r>
               <a:rPr lang="en-US" dirty="0" err="1" smtClean="0"/>
@@ -4411,7 +4408,7 @@
         </p:nvSpPr>
         <p:spPr>
           <a:xfrm>
-            <a:off x="838200" y="2241352"/>
+            <a:off x="838200" y="1690688"/>
             <a:ext cx="10033233" cy="4616648"/>
           </a:xfrm>
           <a:prstGeom prst="rect">
@@ -4499,6 +4496,14 @@
             </a:r>
             <a:r>
               <a:rPr lang="en-US" sz="2800" dirty="0" err="1" smtClean="0"/>
+              <a:t>hőmérő</a:t>
+            </a:r>
+            <a:r>
+              <a:rPr lang="en-US" sz="2800" dirty="0" smtClean="0"/>
+              <a:t> </a:t>
+            </a:r>
+            <a:r>
+              <a:rPr lang="en-US" sz="2800" dirty="0" err="1" smtClean="0"/>
               <a:t>áramkör</a:t>
             </a:r>
             <a:r>
@@ -4507,7 +4512,7 @@
             </a:r>
             <a:r>
               <a:rPr lang="en-US" sz="2800" dirty="0" err="1" smtClean="0"/>
-              <a:t>saját</a:t>
+              <a:t>áramfelvétele</a:t>
             </a:r>
             <a:r>
               <a:rPr lang="en-US" sz="2800" dirty="0" smtClean="0"/>
@@ -4515,15 +4520,15 @@
             </a:r>
             <a:r>
               <a:rPr lang="en-US" sz="2800" dirty="0" err="1" smtClean="0"/>
-              <a:t>hője</a:t>
+              <a:t>torzít</a:t>
             </a:r>
             <a:r>
               <a:rPr lang="en-US" sz="2800" dirty="0" smtClean="0"/>
-              <a:t> </a:t>
-            </a:r>
-            <a:r>
-              <a:rPr lang="en-US" sz="2800" dirty="0" err="1" smtClean="0"/>
-              <a:t>torzít</a:t>
+              <a:t> a </a:t>
+            </a:r>
+            <a:r>
+              <a:rPr lang="en-US" sz="2800" dirty="0" err="1" smtClean="0"/>
+              <a:t>mérésen</a:t>
             </a:r>
             <a:r>
               <a:rPr lang="en-US" sz="2800" dirty="0" smtClean="0"/>
@@ -4627,16 +4632,54 @@
               <a:buFont typeface="Arial" panose="020B0604020202020204" pitchFamily="34" charset="0"/>
               <a:buChar char="•"/>
             </a:pPr>
-            <a:endParaRPr lang="en-US" sz="2800" dirty="0" smtClean="0"/>
-          </a:p>
-          <a:p>
-            <a:pPr marL="285750" indent="-285750">
-              <a:lnSpc>
-                <a:spcPct val="150000"/>
-              </a:lnSpc>
-              <a:buFont typeface="Arial" panose="020B0604020202020204" pitchFamily="34" charset="0"/>
-              <a:buChar char="•"/>
-            </a:pPr>
+            <a:r>
+              <a:rPr lang="en-US" sz="2800" dirty="0" smtClean="0"/>
+              <a:t>A discovery </a:t>
+            </a:r>
+            <a:r>
+              <a:rPr lang="en-US" sz="2800" dirty="0" err="1" smtClean="0"/>
+              <a:t>fejlesztő</a:t>
+            </a:r>
+            <a:r>
+              <a:rPr lang="en-US" sz="2800" dirty="0" smtClean="0"/>
+              <a:t> </a:t>
+            </a:r>
+            <a:r>
+              <a:rPr lang="en-US" sz="2800" dirty="0" err="1" smtClean="0"/>
+              <a:t>kártya</a:t>
+            </a:r>
+            <a:r>
+              <a:rPr lang="en-US" sz="2800" dirty="0" smtClean="0"/>
+              <a:t> </a:t>
+            </a:r>
+            <a:r>
+              <a:rPr lang="en-US" sz="2800" dirty="0" err="1" smtClean="0"/>
+              <a:t>helyett</a:t>
+            </a:r>
+            <a:r>
+              <a:rPr lang="en-US" sz="2800" dirty="0" smtClean="0"/>
+              <a:t> </a:t>
+            </a:r>
+            <a:r>
+              <a:rPr lang="en-US" sz="2800" dirty="0" err="1" smtClean="0"/>
+              <a:t>egy</a:t>
+            </a:r>
+            <a:r>
+              <a:rPr lang="en-US" sz="2800" dirty="0" smtClean="0"/>
+              <a:t> STM32F4-es </a:t>
+            </a:r>
+            <a:r>
+              <a:rPr lang="en-US" sz="2800" dirty="0" err="1" smtClean="0"/>
+              <a:t>mikrokontroller</a:t>
+            </a:r>
+            <a:r>
+              <a:rPr lang="en-US" sz="2800" dirty="0" smtClean="0"/>
+              <a:t> </a:t>
+            </a:r>
+            <a:r>
+              <a:rPr lang="en-US" sz="2800" dirty="0" err="1" smtClean="0"/>
+              <a:t>használata</a:t>
+            </a:r>
             <a:endParaRPr lang="en-US" sz="2800" dirty="0" smtClean="0"/>
           </a:p>
         </p:txBody>
@@ -4661,6 +4704,79 @@
 </p:sld>
 </file>
 
+<file path=ppt/slides/slide13.xml><?xml version="1.0" encoding="utf-8"?>
+<p:sld xmlns:a="http://schemas.openxmlformats.org/drawingml/2006/main" xmlns:r="http://schemas.openxmlformats.org/officeDocument/2006/relationships" xmlns:p="http://schemas.openxmlformats.org/presentationml/2006/main">
+  <p:cSld>
+    <p:spTree>
+      <p:nvGrpSpPr>
+        <p:cNvPr id="1" name=""/>
+        <p:cNvGrpSpPr/>
+        <p:nvPr/>
+      </p:nvGrpSpPr>
+      <p:grpSpPr>
+        <a:xfrm>
+          <a:off x="0" y="0"/>
+          <a:ext cx="0" cy="0"/>
+          <a:chOff x="0" y="0"/>
+          <a:chExt cx="0" cy="0"/>
+        </a:xfrm>
+      </p:grpSpPr>
+      <p:sp>
+        <p:nvSpPr>
+          <p:cNvPr id="2" name="Title 1"/>
+          <p:cNvSpPr>
+            <a:spLocks noGrp="1"/>
+          </p:cNvSpPr>
+          <p:nvPr>
+            <p:ph type="title"/>
+          </p:nvPr>
+        </p:nvSpPr>
+        <p:spPr>
+          <a:xfrm>
+            <a:off x="880145" y="2185536"/>
+            <a:ext cx="10515600" cy="1325563"/>
+          </a:xfrm>
+        </p:spPr>
+        <p:txBody>
+          <a:bodyPr>
+            <a:normAutofit/>
+          </a:bodyPr>
+          <a:lstStyle/>
+          <a:p>
+            <a:pPr algn="ctr"/>
+            <a:r>
+              <a:rPr lang="en-US" sz="5400" b="1" dirty="0" err="1" smtClean="0"/>
+              <a:t>Köszönöm</a:t>
+            </a:r>
+            <a:r>
+              <a:rPr lang="en-US" sz="5400" b="1" dirty="0" smtClean="0"/>
+              <a:t> a </a:t>
+            </a:r>
+            <a:r>
+              <a:rPr lang="en-US" sz="5400" b="1" dirty="0" err="1" smtClean="0"/>
+              <a:t>figyelmet</a:t>
+            </a:r>
+            <a:r>
+              <a:rPr lang="en-US" sz="5400" b="1" dirty="0" smtClean="0"/>
+              <a:t>!</a:t>
+            </a:r>
+            <a:endParaRPr lang="hu-HU" sz="5400" b="1" dirty="0"/>
+          </a:p>
+        </p:txBody>
+      </p:sp>
+    </p:spTree>
+    <p:extLst>
+      <p:ext uri="{BB962C8B-B14F-4D97-AF65-F5344CB8AC3E}">
+        <p14:creationId xmlns:p14="http://schemas.microsoft.com/office/powerpoint/2010/main" val="164689710"/>
+      </p:ext>
+    </p:extLst>
+  </p:cSld>
+  <p:clrMapOvr>
+    <a:masterClrMapping/>
+  </p:clrMapOvr>
+</p:sld>
+</file>
+
 <file path=ppt/slides/slide2.xml><?xml version="1.0" encoding="utf-8"?>
 <p:sld xmlns:a="http://schemas.openxmlformats.org/drawingml/2006/main" xmlns:r="http://schemas.openxmlformats.org/officeDocument/2006/relationships" xmlns:p="http://schemas.openxmlformats.org/presentationml/2006/main">
   <p:cSld>
@@ -4817,6 +4933,76 @@
                 <a:cs typeface="Arial" panose="020B0604020202020204" pitchFamily="34" charset="0"/>
               </a:rPr>
               <a:t>fejlesztése</a:t>
+            </a:r>
+            <a:r>
+              <a:rPr lang="en-US" dirty="0" smtClean="0">
+                <a:latin typeface="Arial" panose="020B0604020202020204" pitchFamily="34" charset="0"/>
+                <a:cs typeface="Arial" panose="020B0604020202020204" pitchFamily="34" charset="0"/>
+              </a:rPr>
+              <a:t>, a </a:t>
+            </a:r>
+            <a:r>
+              <a:rPr lang="en-US" dirty="0" err="1" smtClean="0">
+                <a:latin typeface="Arial" panose="020B0604020202020204" pitchFamily="34" charset="0"/>
+                <a:cs typeface="Arial" panose="020B0604020202020204" pitchFamily="34" charset="0"/>
+              </a:rPr>
+              <a:t>nagyobbik</a:t>
+            </a:r>
+            <a:r>
+              <a:rPr lang="en-US" dirty="0" smtClean="0">
+                <a:latin typeface="Arial" panose="020B0604020202020204" pitchFamily="34" charset="0"/>
+                <a:cs typeface="Arial" panose="020B0604020202020204" pitchFamily="34" charset="0"/>
+              </a:rPr>
+              <a:t> </a:t>
+            </a:r>
+            <a:r>
+              <a:rPr lang="en-US" dirty="0" err="1" smtClean="0">
+                <a:latin typeface="Arial" panose="020B0604020202020204" pitchFamily="34" charset="0"/>
+                <a:cs typeface="Arial" panose="020B0604020202020204" pitchFamily="34" charset="0"/>
+              </a:rPr>
+              <a:t>modulon</a:t>
+            </a:r>
+            <a:r>
+              <a:rPr lang="en-US" dirty="0" smtClean="0">
+                <a:latin typeface="Arial" panose="020B0604020202020204" pitchFamily="34" charset="0"/>
+                <a:cs typeface="Arial" panose="020B0604020202020204" pitchFamily="34" charset="0"/>
+              </a:rPr>
+              <a:t> a </a:t>
+            </a:r>
+            <a:r>
+              <a:rPr lang="en-US" dirty="0" err="1" smtClean="0">
+                <a:latin typeface="Arial" panose="020B0604020202020204" pitchFamily="34" charset="0"/>
+                <a:cs typeface="Arial" panose="020B0604020202020204" pitchFamily="34" charset="0"/>
+              </a:rPr>
+              <a:t>mért</a:t>
+            </a:r>
+            <a:r>
+              <a:rPr lang="en-US" dirty="0" smtClean="0">
+                <a:latin typeface="Arial" panose="020B0604020202020204" pitchFamily="34" charset="0"/>
+                <a:cs typeface="Arial" panose="020B0604020202020204" pitchFamily="34" charset="0"/>
+              </a:rPr>
+              <a:t> </a:t>
+            </a:r>
+            <a:r>
+              <a:rPr lang="en-US" dirty="0" err="1" smtClean="0">
+                <a:latin typeface="Arial" panose="020B0604020202020204" pitchFamily="34" charset="0"/>
+                <a:cs typeface="Arial" panose="020B0604020202020204" pitchFamily="34" charset="0"/>
+              </a:rPr>
+              <a:t>hőmérsékletek</a:t>
+            </a:r>
+            <a:r>
+              <a:rPr lang="en-US" dirty="0" smtClean="0">
+                <a:latin typeface="Arial" panose="020B0604020202020204" pitchFamily="34" charset="0"/>
+                <a:cs typeface="Arial" panose="020B0604020202020204" pitchFamily="34" charset="0"/>
+              </a:rPr>
+              <a:t> </a:t>
+            </a:r>
+            <a:r>
+              <a:rPr lang="en-US" dirty="0" err="1" smtClean="0">
+                <a:latin typeface="Arial" panose="020B0604020202020204" pitchFamily="34" charset="0"/>
+                <a:cs typeface="Arial" panose="020B0604020202020204" pitchFamily="34" charset="0"/>
+              </a:rPr>
+              <a:t>megjelíntése</a:t>
             </a:r>
             <a:endParaRPr lang="en-US" dirty="0" smtClean="0">
               <a:latin typeface="Arial" panose="020B0604020202020204" pitchFamily="34" charset="0"/>
@@ -5299,15 +5485,7 @@
             </a:r>
             <a:r>
               <a:rPr lang="en-US" dirty="0" smtClean="0"/>
-              <a:t> </a:t>
-            </a:r>
-            <a:r>
-              <a:rPr lang="en-US" dirty="0" smtClean="0"/>
-              <a:t>a </a:t>
-            </a:r>
-            <a:r>
-              <a:rPr lang="en-US" dirty="0" smtClean="0"/>
-              <a:t>discovery </a:t>
+              <a:t> a discovery </a:t>
             </a:r>
             <a:r>
               <a:rPr lang="en-US" dirty="0" err="1" smtClean="0"/>
@@ -5335,7 +5513,7 @@
             </a:r>
             <a:r>
               <a:rPr lang="en-US" dirty="0" err="1" smtClean="0"/>
-              <a:t>mikroprocesszor</a:t>
+              <a:t>mikrokontroller</a:t>
             </a:r>
             <a:endParaRPr lang="en-US" dirty="0" smtClean="0"/>
           </a:p>
@@ -6293,11 +6471,7 @@
             </a:r>
             <a:r>
               <a:rPr lang="en-US" sz="2800" dirty="0" smtClean="0"/>
-              <a:t> </a:t>
-            </a:r>
-            <a:r>
-              <a:rPr lang="en-US" sz="2800" dirty="0" smtClean="0"/>
-              <a:t>Bluetooth LE </a:t>
+              <a:t> Bluetooth LE </a:t>
             </a:r>
             <a:r>
               <a:rPr lang="en-US" sz="2800" dirty="0" err="1" smtClean="0"/>
@@ -6447,7 +6621,7 @@
             </a:r>
             <a:r>
               <a:rPr lang="en-US" sz="2800" dirty="0" err="1" smtClean="0"/>
-              <a:t>tartalmazó</a:t>
+              <a:t>tároló</a:t>
             </a:r>
             <a:r>
               <a:rPr lang="en-US" sz="2800" dirty="0" smtClean="0"/>
@@ -6455,7 +6629,7 @@
             </a:r>
             <a:r>
               <a:rPr lang="en-US" sz="2800" dirty="0" err="1" smtClean="0"/>
-              <a:t>szerkezet</a:t>
+              <a:t>egység</a:t>
             </a:r>
             <a:endParaRPr lang="en-US" sz="2800" dirty="0" smtClean="0"/>
           </a:p>
